--- a/unit/acl-audit.pptx
+++ b/unit/acl-audit.pptx
@@ -5,7 +5,7 @@
     <p:sldMasterId id="2147483659" r:id="rId1"/>
   </p:sldMasterIdLst>
   <p:notesMasterIdLst>
-    <p:notesMasterId r:id="rId15"/>
+    <p:notesMasterId r:id="rId14"/>
   </p:notesMasterIdLst>
   <p:sldIdLst>
     <p:sldId id="256" r:id="rId2"/>
@@ -14,13 +14,12 @@
     <p:sldId id="261" r:id="rId5"/>
     <p:sldId id="288" r:id="rId6"/>
     <p:sldId id="289" r:id="rId7"/>
-    <p:sldId id="290" r:id="rId8"/>
-    <p:sldId id="291" r:id="rId9"/>
-    <p:sldId id="292" r:id="rId10"/>
-    <p:sldId id="293" r:id="rId11"/>
-    <p:sldId id="294" r:id="rId12"/>
-    <p:sldId id="295" r:id="rId13"/>
-    <p:sldId id="287" r:id="rId14"/>
+    <p:sldId id="291" r:id="rId8"/>
+    <p:sldId id="292" r:id="rId9"/>
+    <p:sldId id="293" r:id="rId10"/>
+    <p:sldId id="294" r:id="rId11"/>
+    <p:sldId id="295" r:id="rId12"/>
+    <p:sldId id="287" r:id="rId13"/>
   </p:sldIdLst>
   <p:sldSz cx="9144000" cy="5143500" type="screen16x9"/>
   <p:notesSz cx="6858000" cy="9144000"/>
@@ -14846,7 +14845,7 @@
               <a:buNone/>
             </a:pPr>
             <a:r>
-              <a:rPr lang="en" sz="4500" dirty="0" smtClean="0">
+              <a:rPr lang="en" sz="4500" dirty="0">
                 <a:latin typeface="Fira Sans SemiBold"/>
                 <a:ea typeface="Fira Sans SemiBold"/>
                 <a:cs typeface="Fira Sans SemiBold"/>
@@ -14904,7 +14903,7 @@
               <a:buNone/>
             </a:pPr>
             <a:r>
-              <a:rPr lang="en" sz="1500" dirty="0" smtClean="0">
+              <a:rPr lang="en" sz="1500" dirty="0">
                 <a:latin typeface="Fira Sans"/>
                 <a:ea typeface="Fira Sans"/>
                 <a:cs typeface="Fira Sans"/>
@@ -17956,8 +17955,8 @@
         </p:blipFill>
         <p:spPr>
           <a:xfrm>
-            <a:off x="536761" y="317918"/>
-            <a:ext cx="8006400" cy="4071600"/>
+            <a:off x="513126" y="281462"/>
+            <a:ext cx="8071849" cy="4080577"/>
           </a:xfrm>
           <a:prstGeom prst="rect">
             <a:avLst/>
@@ -17967,7 +17966,7 @@
     </p:spTree>
     <p:extLst>
       <p:ext uri="{BB962C8B-B14F-4D97-AF65-F5344CB8AC3E}">
-        <p14:creationId xmlns:p14="http://schemas.microsoft.com/office/powerpoint/2010/main" val="535839666"/>
+        <p14:creationId xmlns:p14="http://schemas.microsoft.com/office/powerpoint/2010/main" val="3802261501"/>
       </p:ext>
     </p:extLst>
   </p:cSld>
@@ -20990,3054 +20989,6 @@
       </p:grpSp>
       <p:pic>
         <p:nvPicPr>
-          <p:cNvPr id="3" name="Imagem 2"/>
-          <p:cNvPicPr>
-            <a:picLocks/>
-          </p:cNvPicPr>
-          <p:nvPr/>
-        </p:nvPicPr>
-        <p:blipFill>
-          <a:blip r:embed="rId2"/>
-          <a:stretch>
-            <a:fillRect/>
-          </a:stretch>
-        </p:blipFill>
-        <p:spPr>
-          <a:xfrm>
-            <a:off x="513126" y="281462"/>
-            <a:ext cx="8071849" cy="4080577"/>
-          </a:xfrm>
-          <a:prstGeom prst="rect">
-            <a:avLst/>
-          </a:prstGeom>
-        </p:spPr>
-      </p:pic>
-    </p:spTree>
-    <p:extLst>
-      <p:ext uri="{BB962C8B-B14F-4D97-AF65-F5344CB8AC3E}">
-        <p14:creationId xmlns:p14="http://schemas.microsoft.com/office/powerpoint/2010/main" val="3802261501"/>
-      </p:ext>
-    </p:extLst>
-  </p:cSld>
-  <p:clrMapOvr>
-    <a:masterClrMapping/>
-  </p:clrMapOvr>
-</p:sld>
-</file>
-
-<file path=ppt/slides/slide12.xml><?xml version="1.0" encoding="utf-8"?>
-<p:sld xmlns:a="http://schemas.openxmlformats.org/drawingml/2006/main" xmlns:r="http://schemas.openxmlformats.org/officeDocument/2006/relationships" xmlns:p="http://schemas.openxmlformats.org/presentationml/2006/main">
-  <p:cSld>
-    <p:spTree>
-      <p:nvGrpSpPr>
-        <p:cNvPr id="1" name=""/>
-        <p:cNvGrpSpPr/>
-        <p:nvPr/>
-      </p:nvGrpSpPr>
-      <p:grpSpPr>
-        <a:xfrm>
-          <a:off x="0" y="0"/>
-          <a:ext cx="0" cy="0"/>
-          <a:chOff x="0" y="0"/>
-          <a:chExt cx="0" cy="0"/>
-        </a:xfrm>
-      </p:grpSpPr>
-      <p:grpSp>
-        <p:nvGrpSpPr>
-          <p:cNvPr id="44" name="Google Shape;2373;p28"/>
-          <p:cNvGrpSpPr/>
-          <p:nvPr/>
-        </p:nvGrpSpPr>
-        <p:grpSpPr>
-          <a:xfrm>
-            <a:off x="-2389239" y="-1150373"/>
-            <a:ext cx="13627509" cy="7521676"/>
-            <a:chOff x="1995750" y="2098600"/>
-            <a:chExt cx="3550125" cy="2238225"/>
-          </a:xfrm>
-        </p:grpSpPr>
-        <p:sp>
-          <p:nvSpPr>
-            <p:cNvPr id="45" name="Google Shape;2374;p28"/>
-            <p:cNvSpPr/>
-            <p:nvPr/>
-          </p:nvSpPr>
-          <p:spPr>
-            <a:xfrm>
-              <a:off x="2723350" y="2481000"/>
-              <a:ext cx="2155100" cy="1295300"/>
-            </a:xfrm>
-            <a:custGeom>
-              <a:avLst/>
-              <a:gdLst/>
-              <a:ahLst/>
-              <a:cxnLst/>
-              <a:rect l="l" t="t" r="r" b="b"/>
-              <a:pathLst>
-                <a:path w="86204" h="51812" extrusionOk="0">
-                  <a:moveTo>
-                    <a:pt x="1995" y="1"/>
-                  </a:moveTo>
-                  <a:cubicBezTo>
-                    <a:pt x="887" y="1"/>
-                    <a:pt x="0" y="919"/>
-                    <a:pt x="0" y="2028"/>
-                  </a:cubicBezTo>
-                  <a:lnTo>
-                    <a:pt x="0" y="49784"/>
-                  </a:lnTo>
-                  <a:cubicBezTo>
-                    <a:pt x="0" y="50925"/>
-                    <a:pt x="887" y="51811"/>
-                    <a:pt x="1995" y="51811"/>
-                  </a:cubicBezTo>
-                  <a:lnTo>
-                    <a:pt x="84208" y="51811"/>
-                  </a:lnTo>
-                  <a:cubicBezTo>
-                    <a:pt x="85317" y="51811"/>
-                    <a:pt x="86203" y="50925"/>
-                    <a:pt x="86203" y="49784"/>
-                  </a:cubicBezTo>
-                  <a:lnTo>
-                    <a:pt x="86203" y="2028"/>
-                  </a:lnTo>
-                  <a:cubicBezTo>
-                    <a:pt x="86203" y="919"/>
-                    <a:pt x="85317" y="1"/>
-                    <a:pt x="84208" y="1"/>
-                  </a:cubicBezTo>
-                  <a:close/>
-                </a:path>
-              </a:pathLst>
-            </a:custGeom>
-            <a:solidFill>
-              <a:srgbClr val="222831"/>
-            </a:solidFill>
-            <a:ln>
-              <a:noFill/>
-            </a:ln>
-          </p:spPr>
-          <p:txBody>
-            <a:bodyPr spcFirstLastPara="1" wrap="square" lIns="91425" tIns="91425" rIns="91425" bIns="91425" anchor="ctr" anchorCtr="0">
-              <a:noAutofit/>
-            </a:bodyPr>
-            <a:lstStyle/>
-            <a:p>
-              <a:pPr marL="0" lvl="0" indent="0" algn="l" rtl="0">
-                <a:spcBef>
-                  <a:spcPts val="0"/>
-                </a:spcBef>
-                <a:spcAft>
-                  <a:spcPts val="0"/>
-                </a:spcAft>
-                <a:buNone/>
-              </a:pPr>
-              <a:endParaRPr/>
-            </a:p>
-          </p:txBody>
-        </p:sp>
-        <p:sp>
-          <p:nvSpPr>
-            <p:cNvPr id="46" name="Google Shape;2375;p28"/>
-            <p:cNvSpPr/>
-            <p:nvPr/>
-          </p:nvSpPr>
-          <p:spPr>
-            <a:xfrm>
-              <a:off x="2644950" y="3776275"/>
-              <a:ext cx="2311875" cy="152025"/>
-            </a:xfrm>
-            <a:custGeom>
-              <a:avLst/>
-              <a:gdLst/>
-              <a:ahLst/>
-              <a:cxnLst/>
-              <a:rect l="l" t="t" r="r" b="b"/>
-              <a:pathLst>
-                <a:path w="92475" h="6081" extrusionOk="0">
-                  <a:moveTo>
-                    <a:pt x="951" y="0"/>
-                  </a:moveTo>
-                  <a:cubicBezTo>
-                    <a:pt x="413" y="0"/>
-                    <a:pt x="1" y="412"/>
-                    <a:pt x="1" y="950"/>
-                  </a:cubicBezTo>
-                  <a:cubicBezTo>
-                    <a:pt x="1" y="3769"/>
-                    <a:pt x="2281" y="6081"/>
-                    <a:pt x="5131" y="6081"/>
-                  </a:cubicBezTo>
-                  <a:lnTo>
-                    <a:pt x="87344" y="6081"/>
-                  </a:lnTo>
-                  <a:cubicBezTo>
-                    <a:pt x="90194" y="6081"/>
-                    <a:pt x="92475" y="3769"/>
-                    <a:pt x="92475" y="950"/>
-                  </a:cubicBezTo>
-                  <a:cubicBezTo>
-                    <a:pt x="92475" y="412"/>
-                    <a:pt x="92063" y="0"/>
-                    <a:pt x="91525" y="0"/>
-                  </a:cubicBezTo>
-                  <a:close/>
-                </a:path>
-              </a:pathLst>
-            </a:custGeom>
-            <a:solidFill>
-              <a:srgbClr val="1B1F26"/>
-            </a:solidFill>
-            <a:ln>
-              <a:noFill/>
-            </a:ln>
-          </p:spPr>
-          <p:txBody>
-            <a:bodyPr spcFirstLastPara="1" wrap="square" lIns="91425" tIns="91425" rIns="91425" bIns="91425" anchor="ctr" anchorCtr="0">
-              <a:noAutofit/>
-            </a:bodyPr>
-            <a:lstStyle/>
-            <a:p>
-              <a:pPr marL="0" lvl="0" indent="0" algn="l" rtl="0">
-                <a:spcBef>
-                  <a:spcPts val="0"/>
-                </a:spcBef>
-                <a:spcAft>
-                  <a:spcPts val="0"/>
-                </a:spcAft>
-                <a:buNone/>
-              </a:pPr>
-              <a:endParaRPr/>
-            </a:p>
-          </p:txBody>
-        </p:sp>
-        <p:sp>
-          <p:nvSpPr>
-            <p:cNvPr id="48" name="Google Shape;2381;p28"/>
-            <p:cNvSpPr/>
-            <p:nvPr/>
-          </p:nvSpPr>
-          <p:spPr>
-            <a:xfrm>
-              <a:off x="5317050" y="2171450"/>
-              <a:ext cx="165475" cy="279500"/>
-            </a:xfrm>
-            <a:custGeom>
-              <a:avLst/>
-              <a:gdLst/>
-              <a:ahLst/>
-              <a:cxnLst/>
-              <a:rect l="l" t="t" r="r" b="b"/>
-              <a:pathLst>
-                <a:path w="6619" h="11180" extrusionOk="0">
-                  <a:moveTo>
-                    <a:pt x="4845" y="760"/>
-                  </a:moveTo>
-                  <a:cubicBezTo>
-                    <a:pt x="5384" y="760"/>
-                    <a:pt x="5859" y="1204"/>
-                    <a:pt x="5859" y="1774"/>
-                  </a:cubicBezTo>
-                  <a:lnTo>
-                    <a:pt x="5859" y="9406"/>
-                  </a:lnTo>
-                  <a:cubicBezTo>
-                    <a:pt x="5859" y="9944"/>
-                    <a:pt x="5384" y="10419"/>
-                    <a:pt x="4845" y="10419"/>
-                  </a:cubicBezTo>
-                  <a:lnTo>
-                    <a:pt x="1774" y="10419"/>
-                  </a:lnTo>
-                  <a:cubicBezTo>
-                    <a:pt x="1235" y="10419"/>
-                    <a:pt x="760" y="9944"/>
-                    <a:pt x="760" y="9406"/>
-                  </a:cubicBezTo>
-                  <a:lnTo>
-                    <a:pt x="760" y="1774"/>
-                  </a:lnTo>
-                  <a:cubicBezTo>
-                    <a:pt x="760" y="1204"/>
-                    <a:pt x="1204" y="760"/>
-                    <a:pt x="1774" y="760"/>
-                  </a:cubicBezTo>
-                  <a:close/>
-                  <a:moveTo>
-                    <a:pt x="1774" y="0"/>
-                  </a:moveTo>
-                  <a:cubicBezTo>
-                    <a:pt x="792" y="0"/>
-                    <a:pt x="0" y="792"/>
-                    <a:pt x="0" y="1774"/>
-                  </a:cubicBezTo>
-                  <a:lnTo>
-                    <a:pt x="0" y="9374"/>
-                  </a:lnTo>
-                  <a:cubicBezTo>
-                    <a:pt x="0" y="10356"/>
-                    <a:pt x="792" y="11180"/>
-                    <a:pt x="1774" y="11180"/>
-                  </a:cubicBezTo>
-                  <a:lnTo>
-                    <a:pt x="4845" y="11180"/>
-                  </a:lnTo>
-                  <a:cubicBezTo>
-                    <a:pt x="5827" y="11180"/>
-                    <a:pt x="6619" y="10356"/>
-                    <a:pt x="6619" y="9374"/>
-                  </a:cubicBezTo>
-                  <a:lnTo>
-                    <a:pt x="6619" y="1774"/>
-                  </a:lnTo>
-                  <a:cubicBezTo>
-                    <a:pt x="6619" y="792"/>
-                    <a:pt x="5827" y="0"/>
-                    <a:pt x="4845" y="0"/>
-                  </a:cubicBezTo>
-                  <a:close/>
-                </a:path>
-              </a:pathLst>
-            </a:custGeom>
-            <a:solidFill>
-              <a:srgbClr val="FFFFFF"/>
-            </a:solidFill>
-            <a:ln>
-              <a:noFill/>
-            </a:ln>
-          </p:spPr>
-          <p:txBody>
-            <a:bodyPr spcFirstLastPara="1" wrap="square" lIns="91425" tIns="91425" rIns="91425" bIns="91425" anchor="ctr" anchorCtr="0">
-              <a:noAutofit/>
-            </a:bodyPr>
-            <a:lstStyle/>
-            <a:p>
-              <a:pPr marL="0" lvl="0" indent="0" algn="l" rtl="0">
-                <a:spcBef>
-                  <a:spcPts val="0"/>
-                </a:spcBef>
-                <a:spcAft>
-                  <a:spcPts val="0"/>
-                </a:spcAft>
-                <a:buNone/>
-              </a:pPr>
-              <a:endParaRPr/>
-            </a:p>
-          </p:txBody>
-        </p:sp>
-        <p:sp>
-          <p:nvSpPr>
-            <p:cNvPr id="49" name="Google Shape;2382;p28"/>
-            <p:cNvSpPr/>
-            <p:nvPr/>
-          </p:nvSpPr>
-          <p:spPr>
-            <a:xfrm>
-              <a:off x="5320200" y="2209450"/>
-              <a:ext cx="159175" cy="19025"/>
-            </a:xfrm>
-            <a:custGeom>
-              <a:avLst/>
-              <a:gdLst/>
-              <a:ahLst/>
-              <a:cxnLst/>
-              <a:rect l="l" t="t" r="r" b="b"/>
-              <a:pathLst>
-                <a:path w="6367" h="761" extrusionOk="0">
-                  <a:moveTo>
-                    <a:pt x="381" y="1"/>
-                  </a:moveTo>
-                  <a:cubicBezTo>
-                    <a:pt x="191" y="1"/>
-                    <a:pt x="1" y="159"/>
-                    <a:pt x="1" y="381"/>
-                  </a:cubicBezTo>
-                  <a:cubicBezTo>
-                    <a:pt x="1" y="602"/>
-                    <a:pt x="191" y="761"/>
-                    <a:pt x="381" y="761"/>
-                  </a:cubicBezTo>
-                  <a:lnTo>
-                    <a:pt x="5986" y="761"/>
-                  </a:lnTo>
-                  <a:cubicBezTo>
-                    <a:pt x="6176" y="761"/>
-                    <a:pt x="6366" y="602"/>
-                    <a:pt x="6366" y="381"/>
-                  </a:cubicBezTo>
-                  <a:cubicBezTo>
-                    <a:pt x="6366" y="159"/>
-                    <a:pt x="6176" y="1"/>
-                    <a:pt x="5986" y="1"/>
-                  </a:cubicBezTo>
-                  <a:close/>
-                </a:path>
-              </a:pathLst>
-            </a:custGeom>
-            <a:solidFill>
-              <a:srgbClr val="FFFFFF"/>
-            </a:solidFill>
-            <a:ln>
-              <a:noFill/>
-            </a:ln>
-          </p:spPr>
-          <p:txBody>
-            <a:bodyPr spcFirstLastPara="1" wrap="square" lIns="91425" tIns="91425" rIns="91425" bIns="91425" anchor="ctr" anchorCtr="0">
-              <a:noAutofit/>
-            </a:bodyPr>
-            <a:lstStyle/>
-            <a:p>
-              <a:pPr marL="0" lvl="0" indent="0" algn="l" rtl="0">
-                <a:spcBef>
-                  <a:spcPts val="0"/>
-                </a:spcBef>
-                <a:spcAft>
-                  <a:spcPts val="0"/>
-                </a:spcAft>
-                <a:buNone/>
-              </a:pPr>
-              <a:endParaRPr/>
-            </a:p>
-          </p:txBody>
-        </p:sp>
-        <p:sp>
-          <p:nvSpPr>
-            <p:cNvPr id="50" name="Google Shape;2383;p28"/>
-            <p:cNvSpPr/>
-            <p:nvPr/>
-          </p:nvSpPr>
-          <p:spPr>
-            <a:xfrm>
-              <a:off x="5320200" y="2380450"/>
-              <a:ext cx="159175" cy="19050"/>
-            </a:xfrm>
-            <a:custGeom>
-              <a:avLst/>
-              <a:gdLst/>
-              <a:ahLst/>
-              <a:cxnLst/>
-              <a:rect l="l" t="t" r="r" b="b"/>
-              <a:pathLst>
-                <a:path w="6367" h="762" extrusionOk="0">
-                  <a:moveTo>
-                    <a:pt x="381" y="1"/>
-                  </a:moveTo>
-                  <a:cubicBezTo>
-                    <a:pt x="191" y="1"/>
-                    <a:pt x="1" y="191"/>
-                    <a:pt x="1" y="381"/>
-                  </a:cubicBezTo>
-                  <a:cubicBezTo>
-                    <a:pt x="1" y="603"/>
-                    <a:pt x="191" y="761"/>
-                    <a:pt x="381" y="761"/>
-                  </a:cubicBezTo>
-                  <a:lnTo>
-                    <a:pt x="5986" y="761"/>
-                  </a:lnTo>
-                  <a:cubicBezTo>
-                    <a:pt x="6176" y="761"/>
-                    <a:pt x="6366" y="603"/>
-                    <a:pt x="6366" y="381"/>
-                  </a:cubicBezTo>
-                  <a:cubicBezTo>
-                    <a:pt x="6366" y="191"/>
-                    <a:pt x="6176" y="1"/>
-                    <a:pt x="5986" y="1"/>
-                  </a:cubicBezTo>
-                  <a:close/>
-                </a:path>
-              </a:pathLst>
-            </a:custGeom>
-            <a:solidFill>
-              <a:srgbClr val="FFFFFF"/>
-            </a:solidFill>
-            <a:ln>
-              <a:noFill/>
-            </a:ln>
-          </p:spPr>
-          <p:txBody>
-            <a:bodyPr spcFirstLastPara="1" wrap="square" lIns="91425" tIns="91425" rIns="91425" bIns="91425" anchor="ctr" anchorCtr="0">
-              <a:noAutofit/>
-            </a:bodyPr>
-            <a:lstStyle/>
-            <a:p>
-              <a:pPr marL="0" lvl="0" indent="0" algn="l" rtl="0">
-                <a:spcBef>
-                  <a:spcPts val="0"/>
-                </a:spcBef>
-                <a:spcAft>
-                  <a:spcPts val="0"/>
-                </a:spcAft>
-                <a:buNone/>
-              </a:pPr>
-              <a:endParaRPr/>
-            </a:p>
-          </p:txBody>
-        </p:sp>
-        <p:sp>
-          <p:nvSpPr>
-            <p:cNvPr id="51" name="Google Shape;2384;p28"/>
-            <p:cNvSpPr/>
-            <p:nvPr/>
-          </p:nvSpPr>
-          <p:spPr>
-            <a:xfrm>
-              <a:off x="5389875" y="2405800"/>
-              <a:ext cx="19025" cy="19025"/>
-            </a:xfrm>
-            <a:custGeom>
-              <a:avLst/>
-              <a:gdLst/>
-              <a:ahLst/>
-              <a:cxnLst/>
-              <a:rect l="l" t="t" r="r" b="b"/>
-              <a:pathLst>
-                <a:path w="761" h="761" extrusionOk="0">
-                  <a:moveTo>
-                    <a:pt x="381" y="0"/>
-                  </a:moveTo>
-                  <a:cubicBezTo>
-                    <a:pt x="191" y="0"/>
-                    <a:pt x="1" y="190"/>
-                    <a:pt x="1" y="380"/>
-                  </a:cubicBezTo>
-                  <a:cubicBezTo>
-                    <a:pt x="1" y="602"/>
-                    <a:pt x="191" y="760"/>
-                    <a:pt x="381" y="760"/>
-                  </a:cubicBezTo>
-                  <a:cubicBezTo>
-                    <a:pt x="602" y="760"/>
-                    <a:pt x="761" y="602"/>
-                    <a:pt x="761" y="380"/>
-                  </a:cubicBezTo>
-                  <a:cubicBezTo>
-                    <a:pt x="761" y="190"/>
-                    <a:pt x="602" y="0"/>
-                    <a:pt x="381" y="0"/>
-                  </a:cubicBezTo>
-                  <a:close/>
-                </a:path>
-              </a:pathLst>
-            </a:custGeom>
-            <a:solidFill>
-              <a:srgbClr val="FFFFFF"/>
-            </a:solidFill>
-            <a:ln>
-              <a:noFill/>
-            </a:ln>
-          </p:spPr>
-          <p:txBody>
-            <a:bodyPr spcFirstLastPara="1" wrap="square" lIns="91425" tIns="91425" rIns="91425" bIns="91425" anchor="ctr" anchorCtr="0">
-              <a:noAutofit/>
-            </a:bodyPr>
-            <a:lstStyle/>
-            <a:p>
-              <a:pPr marL="0" lvl="0" indent="0" algn="l" rtl="0">
-                <a:spcBef>
-                  <a:spcPts val="0"/>
-                </a:spcBef>
-                <a:spcAft>
-                  <a:spcPts val="0"/>
-                </a:spcAft>
-                <a:buNone/>
-              </a:pPr>
-              <a:endParaRPr/>
-            </a:p>
-          </p:txBody>
-        </p:sp>
-        <p:sp>
-          <p:nvSpPr>
-            <p:cNvPr id="53" name="Google Shape;2386;p28"/>
-            <p:cNvSpPr/>
-            <p:nvPr/>
-          </p:nvSpPr>
-          <p:spPr>
-            <a:xfrm>
-              <a:off x="5266375" y="3118350"/>
-              <a:ext cx="279500" cy="209025"/>
-            </a:xfrm>
-            <a:custGeom>
-              <a:avLst/>
-              <a:gdLst/>
-              <a:ahLst/>
-              <a:cxnLst/>
-              <a:rect l="l" t="t" r="r" b="b"/>
-              <a:pathLst>
-                <a:path w="11180" h="8361" extrusionOk="0">
-                  <a:moveTo>
-                    <a:pt x="5574" y="0"/>
-                  </a:moveTo>
-                  <a:cubicBezTo>
-                    <a:pt x="3452" y="0"/>
-                    <a:pt x="2629" y="1235"/>
-                    <a:pt x="2375" y="2154"/>
-                  </a:cubicBezTo>
-                  <a:cubicBezTo>
-                    <a:pt x="1330" y="2439"/>
-                    <a:pt x="0" y="3294"/>
-                    <a:pt x="0" y="5067"/>
-                  </a:cubicBezTo>
-                  <a:cubicBezTo>
-                    <a:pt x="0" y="7696"/>
-                    <a:pt x="2502" y="8361"/>
-                    <a:pt x="3801" y="8361"/>
-                  </a:cubicBezTo>
-                  <a:lnTo>
-                    <a:pt x="4054" y="8361"/>
-                  </a:lnTo>
-                  <a:lnTo>
-                    <a:pt x="4054" y="7601"/>
-                  </a:lnTo>
-                  <a:lnTo>
-                    <a:pt x="3801" y="7601"/>
-                  </a:lnTo>
-                  <a:cubicBezTo>
-                    <a:pt x="3801" y="7601"/>
-                    <a:pt x="760" y="7601"/>
-                    <a:pt x="760" y="5067"/>
-                  </a:cubicBezTo>
-                  <a:cubicBezTo>
-                    <a:pt x="760" y="3041"/>
-                    <a:pt x="3040" y="2787"/>
-                    <a:pt x="3040" y="2787"/>
-                  </a:cubicBezTo>
-                  <a:cubicBezTo>
-                    <a:pt x="3040" y="2787"/>
-                    <a:pt x="3040" y="760"/>
-                    <a:pt x="5574" y="760"/>
-                  </a:cubicBezTo>
-                  <a:cubicBezTo>
-                    <a:pt x="8139" y="760"/>
-                    <a:pt x="8393" y="3801"/>
-                    <a:pt x="8393" y="3801"/>
-                  </a:cubicBezTo>
-                  <a:lnTo>
-                    <a:pt x="8583" y="3801"/>
-                  </a:lnTo>
-                  <a:cubicBezTo>
-                    <a:pt x="9121" y="3801"/>
-                    <a:pt x="10419" y="3959"/>
-                    <a:pt x="10419" y="5574"/>
-                  </a:cubicBezTo>
-                  <a:cubicBezTo>
-                    <a:pt x="10419" y="7601"/>
-                    <a:pt x="7347" y="7601"/>
-                    <a:pt x="7347" y="7601"/>
-                  </a:cubicBezTo>
-                  <a:lnTo>
-                    <a:pt x="6841" y="7601"/>
-                  </a:lnTo>
-                  <a:lnTo>
-                    <a:pt x="6841" y="8361"/>
-                  </a:lnTo>
-                  <a:lnTo>
-                    <a:pt x="7347" y="8361"/>
-                  </a:lnTo>
-                  <a:cubicBezTo>
-                    <a:pt x="8678" y="8361"/>
-                    <a:pt x="11179" y="7791"/>
-                    <a:pt x="11179" y="5574"/>
-                  </a:cubicBezTo>
-                  <a:cubicBezTo>
-                    <a:pt x="11179" y="3927"/>
-                    <a:pt x="10103" y="3199"/>
-                    <a:pt x="9026" y="3072"/>
-                  </a:cubicBezTo>
-                  <a:cubicBezTo>
-                    <a:pt x="8709" y="1742"/>
-                    <a:pt x="7759" y="0"/>
-                    <a:pt x="5574" y="0"/>
-                  </a:cubicBezTo>
-                  <a:close/>
-                </a:path>
-              </a:pathLst>
-            </a:custGeom>
-            <a:solidFill>
-              <a:srgbClr val="FFFFFF"/>
-            </a:solidFill>
-            <a:ln>
-              <a:noFill/>
-            </a:ln>
-          </p:spPr>
-          <p:txBody>
-            <a:bodyPr spcFirstLastPara="1" wrap="square" lIns="91425" tIns="91425" rIns="91425" bIns="91425" anchor="ctr" anchorCtr="0">
-              <a:noAutofit/>
-            </a:bodyPr>
-            <a:lstStyle/>
-            <a:p>
-              <a:pPr marL="0" lvl="0" indent="0" algn="l" rtl="0">
-                <a:spcBef>
-                  <a:spcPts val="0"/>
-                </a:spcBef>
-                <a:spcAft>
-                  <a:spcPts val="0"/>
-                </a:spcAft>
-                <a:buNone/>
-              </a:pPr>
-              <a:endParaRPr/>
-            </a:p>
-          </p:txBody>
-        </p:sp>
-        <p:sp>
-          <p:nvSpPr>
-            <p:cNvPr id="54" name="Google Shape;2387;p28"/>
-            <p:cNvSpPr/>
-            <p:nvPr/>
-          </p:nvSpPr>
-          <p:spPr>
-            <a:xfrm>
-              <a:off x="5393050" y="3347150"/>
-              <a:ext cx="19025" cy="15875"/>
-            </a:xfrm>
-            <a:custGeom>
-              <a:avLst/>
-              <a:gdLst/>
-              <a:ahLst/>
-              <a:cxnLst/>
-              <a:rect l="l" t="t" r="r" b="b"/>
-              <a:pathLst>
-                <a:path w="761" h="635" extrusionOk="0">
-                  <a:moveTo>
-                    <a:pt x="0" y="1"/>
-                  </a:moveTo>
-                  <a:lnTo>
-                    <a:pt x="0" y="254"/>
-                  </a:lnTo>
-                  <a:cubicBezTo>
-                    <a:pt x="0" y="444"/>
-                    <a:pt x="190" y="634"/>
-                    <a:pt x="380" y="634"/>
-                  </a:cubicBezTo>
-                  <a:cubicBezTo>
-                    <a:pt x="602" y="634"/>
-                    <a:pt x="760" y="444"/>
-                    <a:pt x="760" y="254"/>
-                  </a:cubicBezTo>
-                  <a:lnTo>
-                    <a:pt x="760" y="1"/>
-                  </a:lnTo>
-                  <a:close/>
-                </a:path>
-              </a:pathLst>
-            </a:custGeom>
-            <a:solidFill>
-              <a:srgbClr val="FFFFFF"/>
-            </a:solidFill>
-            <a:ln>
-              <a:noFill/>
-            </a:ln>
-          </p:spPr>
-          <p:txBody>
-            <a:bodyPr spcFirstLastPara="1" wrap="square" lIns="91425" tIns="91425" rIns="91425" bIns="91425" anchor="ctr" anchorCtr="0">
-              <a:noAutofit/>
-            </a:bodyPr>
-            <a:lstStyle/>
-            <a:p>
-              <a:pPr marL="0" lvl="0" indent="0" algn="l" rtl="0">
-                <a:spcBef>
-                  <a:spcPts val="0"/>
-                </a:spcBef>
-                <a:spcAft>
-                  <a:spcPts val="0"/>
-                </a:spcAft>
-                <a:buNone/>
-              </a:pPr>
-              <a:endParaRPr/>
-            </a:p>
-          </p:txBody>
-        </p:sp>
-        <p:sp>
-          <p:nvSpPr>
-            <p:cNvPr id="55" name="Google Shape;2388;p28"/>
-            <p:cNvSpPr/>
-            <p:nvPr/>
-          </p:nvSpPr>
-          <p:spPr>
-            <a:xfrm>
-              <a:off x="5393050" y="3327350"/>
-              <a:ext cx="19025" cy="19050"/>
-            </a:xfrm>
-            <a:custGeom>
-              <a:avLst/>
-              <a:gdLst/>
-              <a:ahLst/>
-              <a:cxnLst/>
-              <a:rect l="l" t="t" r="r" b="b"/>
-              <a:pathLst>
-                <a:path w="761" h="762" extrusionOk="0">
-                  <a:moveTo>
-                    <a:pt x="0" y="1"/>
-                  </a:moveTo>
-                  <a:lnTo>
-                    <a:pt x="0" y="761"/>
-                  </a:lnTo>
-                  <a:lnTo>
-                    <a:pt x="760" y="761"/>
-                  </a:lnTo>
-                  <a:lnTo>
-                    <a:pt x="760" y="1"/>
-                  </a:lnTo>
-                  <a:close/>
-                </a:path>
-              </a:pathLst>
-            </a:custGeom>
-            <a:solidFill>
-              <a:srgbClr val="FFFFFF"/>
-            </a:solidFill>
-            <a:ln>
-              <a:noFill/>
-            </a:ln>
-          </p:spPr>
-          <p:txBody>
-            <a:bodyPr spcFirstLastPara="1" wrap="square" lIns="91425" tIns="91425" rIns="91425" bIns="91425" anchor="ctr" anchorCtr="0">
-              <a:noAutofit/>
-            </a:bodyPr>
-            <a:lstStyle/>
-            <a:p>
-              <a:pPr marL="0" lvl="0" indent="0" algn="l" rtl="0">
-                <a:spcBef>
-                  <a:spcPts val="0"/>
-                </a:spcBef>
-                <a:spcAft>
-                  <a:spcPts val="0"/>
-                </a:spcAft>
-                <a:buNone/>
-              </a:pPr>
-              <a:endParaRPr/>
-            </a:p>
-          </p:txBody>
-        </p:sp>
-        <p:sp>
-          <p:nvSpPr>
-            <p:cNvPr id="56" name="Google Shape;2389;p28"/>
-            <p:cNvSpPr/>
-            <p:nvPr/>
-          </p:nvSpPr>
-          <p:spPr>
-            <a:xfrm>
-              <a:off x="5393050" y="3289350"/>
-              <a:ext cx="19025" cy="19025"/>
-            </a:xfrm>
-            <a:custGeom>
-              <a:avLst/>
-              <a:gdLst/>
-              <a:ahLst/>
-              <a:cxnLst/>
-              <a:rect l="l" t="t" r="r" b="b"/>
-              <a:pathLst>
-                <a:path w="761" h="761" extrusionOk="0">
-                  <a:moveTo>
-                    <a:pt x="0" y="1"/>
-                  </a:moveTo>
-                  <a:lnTo>
-                    <a:pt x="0" y="761"/>
-                  </a:lnTo>
-                  <a:lnTo>
-                    <a:pt x="760" y="761"/>
-                  </a:lnTo>
-                  <a:lnTo>
-                    <a:pt x="760" y="1"/>
-                  </a:lnTo>
-                  <a:close/>
-                </a:path>
-              </a:pathLst>
-            </a:custGeom>
-            <a:solidFill>
-              <a:srgbClr val="FFFFFF"/>
-            </a:solidFill>
-            <a:ln>
-              <a:noFill/>
-            </a:ln>
-          </p:spPr>
-          <p:txBody>
-            <a:bodyPr spcFirstLastPara="1" wrap="square" lIns="91425" tIns="91425" rIns="91425" bIns="91425" anchor="ctr" anchorCtr="0">
-              <a:noAutofit/>
-            </a:bodyPr>
-            <a:lstStyle/>
-            <a:p>
-              <a:pPr marL="0" lvl="0" indent="0" algn="l" rtl="0">
-                <a:spcBef>
-                  <a:spcPts val="0"/>
-                </a:spcBef>
-                <a:spcAft>
-                  <a:spcPts val="0"/>
-                </a:spcAft>
-                <a:buNone/>
-              </a:pPr>
-              <a:endParaRPr/>
-            </a:p>
-          </p:txBody>
-        </p:sp>
-        <p:sp>
-          <p:nvSpPr>
-            <p:cNvPr id="57" name="Google Shape;2390;p28"/>
-            <p:cNvSpPr/>
-            <p:nvPr/>
-          </p:nvSpPr>
-          <p:spPr>
-            <a:xfrm>
-              <a:off x="5393050" y="3308350"/>
-              <a:ext cx="19025" cy="19025"/>
-            </a:xfrm>
-            <a:custGeom>
-              <a:avLst/>
-              <a:gdLst/>
-              <a:ahLst/>
-              <a:cxnLst/>
-              <a:rect l="l" t="t" r="r" b="b"/>
-              <a:pathLst>
-                <a:path w="761" h="761" extrusionOk="0">
-                  <a:moveTo>
-                    <a:pt x="0" y="1"/>
-                  </a:moveTo>
-                  <a:lnTo>
-                    <a:pt x="0" y="761"/>
-                  </a:lnTo>
-                  <a:lnTo>
-                    <a:pt x="760" y="761"/>
-                  </a:lnTo>
-                  <a:lnTo>
-                    <a:pt x="760" y="1"/>
-                  </a:lnTo>
-                  <a:close/>
-                </a:path>
-              </a:pathLst>
-            </a:custGeom>
-            <a:solidFill>
-              <a:srgbClr val="FFFFFF"/>
-            </a:solidFill>
-            <a:ln>
-              <a:noFill/>
-            </a:ln>
-          </p:spPr>
-          <p:txBody>
-            <a:bodyPr spcFirstLastPara="1" wrap="square" lIns="91425" tIns="91425" rIns="91425" bIns="91425" anchor="ctr" anchorCtr="0">
-              <a:noAutofit/>
-            </a:bodyPr>
-            <a:lstStyle/>
-            <a:p>
-              <a:pPr marL="0" lvl="0" indent="0" algn="l" rtl="0">
-                <a:spcBef>
-                  <a:spcPts val="0"/>
-                </a:spcBef>
-                <a:spcAft>
-                  <a:spcPts val="0"/>
-                </a:spcAft>
-                <a:buNone/>
-              </a:pPr>
-              <a:endParaRPr/>
-            </a:p>
-          </p:txBody>
-        </p:sp>
-        <p:sp>
-          <p:nvSpPr>
-            <p:cNvPr id="58" name="Google Shape;2391;p28"/>
-            <p:cNvSpPr/>
-            <p:nvPr/>
-          </p:nvSpPr>
-          <p:spPr>
-            <a:xfrm>
-              <a:off x="5351075" y="3186150"/>
-              <a:ext cx="105325" cy="103225"/>
-            </a:xfrm>
-            <a:custGeom>
-              <a:avLst/>
-              <a:gdLst/>
-              <a:ahLst/>
-              <a:cxnLst/>
-              <a:rect l="l" t="t" r="r" b="b"/>
-              <a:pathLst>
-                <a:path w="4213" h="4129" extrusionOk="0">
-                  <a:moveTo>
-                    <a:pt x="2065" y="1"/>
-                  </a:moveTo>
-                  <a:cubicBezTo>
-                    <a:pt x="1970" y="1"/>
-                    <a:pt x="1879" y="42"/>
-                    <a:pt x="1806" y="139"/>
-                  </a:cubicBezTo>
-                  <a:lnTo>
-                    <a:pt x="159" y="1817"/>
-                  </a:lnTo>
-                  <a:cubicBezTo>
-                    <a:pt x="1" y="1944"/>
-                    <a:pt x="1" y="2197"/>
-                    <a:pt x="159" y="2355"/>
-                  </a:cubicBezTo>
-                  <a:cubicBezTo>
-                    <a:pt x="238" y="2419"/>
-                    <a:pt x="333" y="2450"/>
-                    <a:pt x="428" y="2450"/>
-                  </a:cubicBezTo>
-                  <a:cubicBezTo>
-                    <a:pt x="523" y="2450"/>
-                    <a:pt x="618" y="2419"/>
-                    <a:pt x="698" y="2355"/>
-                  </a:cubicBezTo>
-                  <a:lnTo>
-                    <a:pt x="1679" y="1310"/>
-                  </a:lnTo>
-                  <a:lnTo>
-                    <a:pt x="1679" y="4129"/>
-                  </a:lnTo>
-                  <a:lnTo>
-                    <a:pt x="2439" y="4129"/>
-                  </a:lnTo>
-                  <a:lnTo>
-                    <a:pt x="2439" y="1152"/>
-                  </a:lnTo>
-                  <a:lnTo>
-                    <a:pt x="3484" y="2292"/>
-                  </a:lnTo>
-                  <a:cubicBezTo>
-                    <a:pt x="3579" y="2387"/>
-                    <a:pt x="3674" y="2419"/>
-                    <a:pt x="3769" y="2419"/>
-                  </a:cubicBezTo>
-                  <a:cubicBezTo>
-                    <a:pt x="3864" y="2419"/>
-                    <a:pt x="3959" y="2387"/>
-                    <a:pt x="4023" y="2324"/>
-                  </a:cubicBezTo>
-                  <a:cubicBezTo>
-                    <a:pt x="4213" y="2165"/>
-                    <a:pt x="4213" y="1944"/>
-                    <a:pt x="4054" y="1785"/>
-                  </a:cubicBezTo>
-                  <a:lnTo>
-                    <a:pt x="2534" y="139"/>
-                  </a:lnTo>
-                  <a:cubicBezTo>
-                    <a:pt x="2462" y="42"/>
-                    <a:pt x="2352" y="1"/>
-                    <a:pt x="2248" y="1"/>
-                  </a:cubicBezTo>
-                  <a:cubicBezTo>
-                    <a:pt x="2216" y="1"/>
-                    <a:pt x="2184" y="4"/>
-                    <a:pt x="2154" y="12"/>
-                  </a:cubicBezTo>
-                  <a:cubicBezTo>
-                    <a:pt x="2124" y="4"/>
-                    <a:pt x="2095" y="1"/>
-                    <a:pt x="2065" y="1"/>
-                  </a:cubicBezTo>
-                  <a:close/>
-                </a:path>
-              </a:pathLst>
-            </a:custGeom>
-            <a:solidFill>
-              <a:srgbClr val="FFFFFF"/>
-            </a:solidFill>
-            <a:ln>
-              <a:noFill/>
-            </a:ln>
-          </p:spPr>
-          <p:txBody>
-            <a:bodyPr spcFirstLastPara="1" wrap="square" lIns="91425" tIns="91425" rIns="91425" bIns="91425" anchor="ctr" anchorCtr="0">
-              <a:noAutofit/>
-            </a:bodyPr>
-            <a:lstStyle/>
-            <a:p>
-              <a:pPr marL="0" lvl="0" indent="0" algn="l" rtl="0">
-                <a:spcBef>
-                  <a:spcPts val="0"/>
-                </a:spcBef>
-                <a:spcAft>
-                  <a:spcPts val="0"/>
-                </a:spcAft>
-                <a:buNone/>
-              </a:pPr>
-              <a:endParaRPr/>
-            </a:p>
-          </p:txBody>
-        </p:sp>
-        <p:sp>
-          <p:nvSpPr>
-            <p:cNvPr id="60" name="Google Shape;2393;p28"/>
-            <p:cNvSpPr/>
-            <p:nvPr/>
-          </p:nvSpPr>
-          <p:spPr>
-            <a:xfrm>
-              <a:off x="5351875" y="4160150"/>
-              <a:ext cx="155200" cy="154525"/>
-            </a:xfrm>
-            <a:custGeom>
-              <a:avLst/>
-              <a:gdLst/>
-              <a:ahLst/>
-              <a:cxnLst/>
-              <a:rect l="l" t="t" r="r" b="b"/>
-              <a:pathLst>
-                <a:path w="6208" h="6181" extrusionOk="0">
-                  <a:moveTo>
-                    <a:pt x="1824" y="1"/>
-                  </a:moveTo>
-                  <a:cubicBezTo>
-                    <a:pt x="1807" y="1"/>
-                    <a:pt x="1790" y="2"/>
-                    <a:pt x="1774" y="5"/>
-                  </a:cubicBezTo>
-                  <a:cubicBezTo>
-                    <a:pt x="1331" y="100"/>
-                    <a:pt x="919" y="290"/>
-                    <a:pt x="602" y="606"/>
-                  </a:cubicBezTo>
-                  <a:cubicBezTo>
-                    <a:pt x="222" y="986"/>
-                    <a:pt x="1" y="1525"/>
-                    <a:pt x="1" y="2095"/>
-                  </a:cubicBezTo>
-                  <a:cubicBezTo>
-                    <a:pt x="1" y="2633"/>
-                    <a:pt x="222" y="3172"/>
-                    <a:pt x="602" y="3552"/>
-                  </a:cubicBezTo>
-                  <a:lnTo>
-                    <a:pt x="2629" y="5578"/>
-                  </a:lnTo>
-                  <a:cubicBezTo>
-                    <a:pt x="3041" y="5990"/>
-                    <a:pt x="3579" y="6180"/>
-                    <a:pt x="4117" y="6180"/>
-                  </a:cubicBezTo>
-                  <a:cubicBezTo>
-                    <a:pt x="4656" y="6180"/>
-                    <a:pt x="5163" y="5990"/>
-                    <a:pt x="5574" y="5578"/>
-                  </a:cubicBezTo>
-                  <a:cubicBezTo>
-                    <a:pt x="5986" y="5198"/>
-                    <a:pt x="6208" y="4660"/>
-                    <a:pt x="6208" y="4090"/>
-                  </a:cubicBezTo>
-                  <a:cubicBezTo>
-                    <a:pt x="6208" y="3552"/>
-                    <a:pt x="5986" y="3013"/>
-                    <a:pt x="5574" y="2633"/>
-                  </a:cubicBezTo>
-                  <a:lnTo>
-                    <a:pt x="4529" y="1556"/>
-                  </a:lnTo>
-                  <a:cubicBezTo>
-                    <a:pt x="4450" y="1477"/>
-                    <a:pt x="4347" y="1438"/>
-                    <a:pt x="4248" y="1438"/>
-                  </a:cubicBezTo>
-                  <a:cubicBezTo>
-                    <a:pt x="4149" y="1438"/>
-                    <a:pt x="4054" y="1477"/>
-                    <a:pt x="3991" y="1556"/>
-                  </a:cubicBezTo>
-                  <a:cubicBezTo>
-                    <a:pt x="3832" y="1715"/>
-                    <a:pt x="3832" y="1936"/>
-                    <a:pt x="3991" y="2095"/>
-                  </a:cubicBezTo>
-                  <a:lnTo>
-                    <a:pt x="5036" y="3172"/>
-                  </a:lnTo>
-                  <a:cubicBezTo>
-                    <a:pt x="5289" y="3393"/>
-                    <a:pt x="5448" y="3742"/>
-                    <a:pt x="5448" y="4090"/>
-                  </a:cubicBezTo>
-                  <a:cubicBezTo>
-                    <a:pt x="5448" y="4438"/>
-                    <a:pt x="5289" y="4787"/>
-                    <a:pt x="5036" y="5040"/>
-                  </a:cubicBezTo>
-                  <a:cubicBezTo>
-                    <a:pt x="4783" y="5293"/>
-                    <a:pt x="4442" y="5420"/>
-                    <a:pt x="4102" y="5420"/>
-                  </a:cubicBezTo>
-                  <a:cubicBezTo>
-                    <a:pt x="3761" y="5420"/>
-                    <a:pt x="3421" y="5293"/>
-                    <a:pt x="3167" y="5040"/>
-                  </a:cubicBezTo>
-                  <a:lnTo>
-                    <a:pt x="1141" y="3013"/>
-                  </a:lnTo>
-                  <a:cubicBezTo>
-                    <a:pt x="919" y="2760"/>
-                    <a:pt x="761" y="2443"/>
-                    <a:pt x="761" y="2095"/>
-                  </a:cubicBezTo>
-                  <a:cubicBezTo>
-                    <a:pt x="761" y="1715"/>
-                    <a:pt x="919" y="1398"/>
-                    <a:pt x="1141" y="1145"/>
-                  </a:cubicBezTo>
-                  <a:cubicBezTo>
-                    <a:pt x="1362" y="955"/>
-                    <a:pt x="1616" y="828"/>
-                    <a:pt x="1901" y="765"/>
-                  </a:cubicBezTo>
-                  <a:cubicBezTo>
-                    <a:pt x="2091" y="733"/>
-                    <a:pt x="2249" y="543"/>
-                    <a:pt x="2217" y="321"/>
-                  </a:cubicBezTo>
-                  <a:cubicBezTo>
-                    <a:pt x="2188" y="148"/>
-                    <a:pt x="2001" y="1"/>
-                    <a:pt x="1824" y="1"/>
-                  </a:cubicBezTo>
-                  <a:close/>
-                </a:path>
-              </a:pathLst>
-            </a:custGeom>
-            <a:solidFill>
-              <a:srgbClr val="FFFFFF"/>
-            </a:solidFill>
-            <a:ln>
-              <a:noFill/>
-            </a:ln>
-          </p:spPr>
-          <p:txBody>
-            <a:bodyPr spcFirstLastPara="1" wrap="square" lIns="91425" tIns="91425" rIns="91425" bIns="91425" anchor="ctr" anchorCtr="0">
-              <a:noAutofit/>
-            </a:bodyPr>
-            <a:lstStyle/>
-            <a:p>
-              <a:pPr marL="0" lvl="0" indent="0" algn="l" rtl="0">
-                <a:spcBef>
-                  <a:spcPts val="0"/>
-                </a:spcBef>
-                <a:spcAft>
-                  <a:spcPts val="0"/>
-                </a:spcAft>
-                <a:buNone/>
-              </a:pPr>
-              <a:endParaRPr/>
-            </a:p>
-          </p:txBody>
-        </p:sp>
-        <p:sp>
-          <p:nvSpPr>
-            <p:cNvPr id="61" name="Google Shape;2394;p28"/>
-            <p:cNvSpPr/>
-            <p:nvPr/>
-          </p:nvSpPr>
-          <p:spPr>
-            <a:xfrm>
-              <a:off x="5287750" y="4066425"/>
-              <a:ext cx="159950" cy="154825"/>
-            </a:xfrm>
-            <a:custGeom>
-              <a:avLst/>
-              <a:gdLst/>
-              <a:ahLst/>
-              <a:cxnLst/>
-              <a:rect l="l" t="t" r="r" b="b"/>
-              <a:pathLst>
-                <a:path w="6398" h="6193" extrusionOk="0">
-                  <a:moveTo>
-                    <a:pt x="2280" y="1"/>
-                  </a:moveTo>
-                  <a:cubicBezTo>
-                    <a:pt x="1742" y="1"/>
-                    <a:pt x="1204" y="207"/>
-                    <a:pt x="792" y="618"/>
-                  </a:cubicBezTo>
-                  <a:cubicBezTo>
-                    <a:pt x="0" y="1442"/>
-                    <a:pt x="0" y="2772"/>
-                    <a:pt x="792" y="3595"/>
-                  </a:cubicBezTo>
-                  <a:lnTo>
-                    <a:pt x="1869" y="4640"/>
-                  </a:lnTo>
-                  <a:cubicBezTo>
-                    <a:pt x="1948" y="4720"/>
-                    <a:pt x="2043" y="4759"/>
-                    <a:pt x="2138" y="4759"/>
-                  </a:cubicBezTo>
-                  <a:cubicBezTo>
-                    <a:pt x="2233" y="4759"/>
-                    <a:pt x="2328" y="4720"/>
-                    <a:pt x="2407" y="4640"/>
-                  </a:cubicBezTo>
-                  <a:cubicBezTo>
-                    <a:pt x="2566" y="4514"/>
-                    <a:pt x="2566" y="4260"/>
-                    <a:pt x="2407" y="4102"/>
-                  </a:cubicBezTo>
-                  <a:lnTo>
-                    <a:pt x="1330" y="3057"/>
-                  </a:lnTo>
-                  <a:cubicBezTo>
-                    <a:pt x="824" y="2519"/>
-                    <a:pt x="824" y="1695"/>
-                    <a:pt x="1330" y="1157"/>
-                  </a:cubicBezTo>
-                  <a:cubicBezTo>
-                    <a:pt x="1600" y="903"/>
-                    <a:pt x="1940" y="777"/>
-                    <a:pt x="2280" y="777"/>
-                  </a:cubicBezTo>
-                  <a:cubicBezTo>
-                    <a:pt x="2621" y="777"/>
-                    <a:pt x="2961" y="903"/>
-                    <a:pt x="3231" y="1157"/>
-                  </a:cubicBezTo>
-                  <a:lnTo>
-                    <a:pt x="5226" y="3184"/>
-                  </a:lnTo>
-                  <a:cubicBezTo>
-                    <a:pt x="5479" y="3437"/>
-                    <a:pt x="5637" y="3754"/>
-                    <a:pt x="5637" y="4102"/>
-                  </a:cubicBezTo>
-                  <a:cubicBezTo>
-                    <a:pt x="5637" y="4450"/>
-                    <a:pt x="5479" y="4799"/>
-                    <a:pt x="5226" y="5052"/>
-                  </a:cubicBezTo>
-                  <a:cubicBezTo>
-                    <a:pt x="5036" y="5242"/>
-                    <a:pt x="4782" y="5369"/>
-                    <a:pt x="4497" y="5432"/>
-                  </a:cubicBezTo>
-                  <a:cubicBezTo>
-                    <a:pt x="4307" y="5464"/>
-                    <a:pt x="4149" y="5654"/>
-                    <a:pt x="4181" y="5875"/>
-                  </a:cubicBezTo>
-                  <a:cubicBezTo>
-                    <a:pt x="4212" y="6065"/>
-                    <a:pt x="4371" y="6192"/>
-                    <a:pt x="4561" y="6192"/>
-                  </a:cubicBezTo>
-                  <a:lnTo>
-                    <a:pt x="4624" y="6192"/>
-                  </a:lnTo>
-                  <a:cubicBezTo>
-                    <a:pt x="5067" y="6129"/>
-                    <a:pt x="5479" y="5907"/>
-                    <a:pt x="5764" y="5590"/>
-                  </a:cubicBezTo>
-                  <a:cubicBezTo>
-                    <a:pt x="6176" y="5210"/>
-                    <a:pt x="6397" y="4672"/>
-                    <a:pt x="6397" y="4102"/>
-                  </a:cubicBezTo>
-                  <a:cubicBezTo>
-                    <a:pt x="6397" y="3564"/>
-                    <a:pt x="6176" y="3025"/>
-                    <a:pt x="5764" y="2645"/>
-                  </a:cubicBezTo>
-                  <a:lnTo>
-                    <a:pt x="3769" y="618"/>
-                  </a:lnTo>
-                  <a:cubicBezTo>
-                    <a:pt x="3357" y="207"/>
-                    <a:pt x="2819" y="1"/>
-                    <a:pt x="2280" y="1"/>
-                  </a:cubicBezTo>
-                  <a:close/>
-                </a:path>
-              </a:pathLst>
-            </a:custGeom>
-            <a:solidFill>
-              <a:srgbClr val="FFFFFF"/>
-            </a:solidFill>
-            <a:ln>
-              <a:noFill/>
-            </a:ln>
-          </p:spPr>
-          <p:txBody>
-            <a:bodyPr spcFirstLastPara="1" wrap="square" lIns="91425" tIns="91425" rIns="91425" bIns="91425" anchor="ctr" anchorCtr="0">
-              <a:noAutofit/>
-            </a:bodyPr>
-            <a:lstStyle/>
-            <a:p>
-              <a:pPr marL="0" lvl="0" indent="0" algn="l" rtl="0">
-                <a:spcBef>
-                  <a:spcPts val="0"/>
-                </a:spcBef>
-                <a:spcAft>
-                  <a:spcPts val="0"/>
-                </a:spcAft>
-                <a:buNone/>
-              </a:pPr>
-              <a:endParaRPr/>
-            </a:p>
-          </p:txBody>
-        </p:sp>
-        <p:sp>
-          <p:nvSpPr>
-            <p:cNvPr id="63" name="Google Shape;2396;p28"/>
-            <p:cNvSpPr/>
-            <p:nvPr/>
-          </p:nvSpPr>
-          <p:spPr>
-            <a:xfrm>
-              <a:off x="2142225" y="2098600"/>
-              <a:ext cx="120350" cy="101375"/>
-            </a:xfrm>
-            <a:custGeom>
-              <a:avLst/>
-              <a:gdLst/>
-              <a:ahLst/>
-              <a:cxnLst/>
-              <a:rect l="l" t="t" r="r" b="b"/>
-              <a:pathLst>
-                <a:path w="4814" h="4055" extrusionOk="0">
-                  <a:moveTo>
-                    <a:pt x="2407" y="1"/>
-                  </a:moveTo>
-                  <a:cubicBezTo>
-                    <a:pt x="1077" y="1"/>
-                    <a:pt x="0" y="1078"/>
-                    <a:pt x="0" y="2408"/>
-                  </a:cubicBezTo>
-                  <a:lnTo>
-                    <a:pt x="0" y="3674"/>
-                  </a:lnTo>
-                  <a:cubicBezTo>
-                    <a:pt x="0" y="3864"/>
-                    <a:pt x="158" y="4054"/>
-                    <a:pt x="380" y="4054"/>
-                  </a:cubicBezTo>
-                  <a:cubicBezTo>
-                    <a:pt x="570" y="4054"/>
-                    <a:pt x="760" y="3864"/>
-                    <a:pt x="760" y="3674"/>
-                  </a:cubicBezTo>
-                  <a:lnTo>
-                    <a:pt x="760" y="2408"/>
-                  </a:lnTo>
-                  <a:cubicBezTo>
-                    <a:pt x="760" y="1489"/>
-                    <a:pt x="1489" y="761"/>
-                    <a:pt x="2407" y="761"/>
-                  </a:cubicBezTo>
-                  <a:cubicBezTo>
-                    <a:pt x="3294" y="761"/>
-                    <a:pt x="4054" y="1489"/>
-                    <a:pt x="4054" y="2408"/>
-                  </a:cubicBezTo>
-                  <a:lnTo>
-                    <a:pt x="4054" y="3674"/>
-                  </a:lnTo>
-                  <a:cubicBezTo>
-                    <a:pt x="4054" y="3864"/>
-                    <a:pt x="4212" y="4054"/>
-                    <a:pt x="4434" y="4054"/>
-                  </a:cubicBezTo>
-                  <a:cubicBezTo>
-                    <a:pt x="4624" y="4054"/>
-                    <a:pt x="4814" y="3864"/>
-                    <a:pt x="4814" y="3674"/>
-                  </a:cubicBezTo>
-                  <a:lnTo>
-                    <a:pt x="4814" y="2408"/>
-                  </a:lnTo>
-                  <a:cubicBezTo>
-                    <a:pt x="4814" y="1078"/>
-                    <a:pt x="3737" y="1"/>
-                    <a:pt x="2407" y="1"/>
-                  </a:cubicBezTo>
-                  <a:close/>
-                </a:path>
-              </a:pathLst>
-            </a:custGeom>
-            <a:solidFill>
-              <a:srgbClr val="FFFFFF"/>
-            </a:solidFill>
-            <a:ln>
-              <a:noFill/>
-            </a:ln>
-          </p:spPr>
-          <p:txBody>
-            <a:bodyPr spcFirstLastPara="1" wrap="square" lIns="91425" tIns="91425" rIns="91425" bIns="91425" anchor="ctr" anchorCtr="0">
-              <a:noAutofit/>
-            </a:bodyPr>
-            <a:lstStyle/>
-            <a:p>
-              <a:pPr marL="0" lvl="0" indent="0" algn="l" rtl="0">
-                <a:spcBef>
-                  <a:spcPts val="0"/>
-                </a:spcBef>
-                <a:spcAft>
-                  <a:spcPts val="0"/>
-                </a:spcAft>
-                <a:buNone/>
-              </a:pPr>
-              <a:endParaRPr/>
-            </a:p>
-          </p:txBody>
-        </p:sp>
-        <p:sp>
-          <p:nvSpPr>
-            <p:cNvPr id="64" name="Google Shape;2397;p28"/>
-            <p:cNvSpPr/>
-            <p:nvPr/>
-          </p:nvSpPr>
-          <p:spPr>
-            <a:xfrm>
-              <a:off x="2093925" y="2184125"/>
-              <a:ext cx="216150" cy="164700"/>
-            </a:xfrm>
-            <a:custGeom>
-              <a:avLst/>
-              <a:gdLst/>
-              <a:ahLst/>
-              <a:cxnLst/>
-              <a:rect l="l" t="t" r="r" b="b"/>
-              <a:pathLst>
-                <a:path w="8646" h="6588" extrusionOk="0">
-                  <a:moveTo>
-                    <a:pt x="7886" y="760"/>
-                  </a:moveTo>
-                  <a:lnTo>
-                    <a:pt x="7886" y="5827"/>
-                  </a:lnTo>
-                  <a:lnTo>
-                    <a:pt x="760" y="5827"/>
-                  </a:lnTo>
-                  <a:lnTo>
-                    <a:pt x="760" y="760"/>
-                  </a:lnTo>
-                  <a:close/>
-                  <a:moveTo>
-                    <a:pt x="760" y="0"/>
-                  </a:moveTo>
-                  <a:cubicBezTo>
-                    <a:pt x="349" y="0"/>
-                    <a:pt x="0" y="348"/>
-                    <a:pt x="0" y="760"/>
-                  </a:cubicBezTo>
-                  <a:lnTo>
-                    <a:pt x="0" y="5827"/>
-                  </a:lnTo>
-                  <a:cubicBezTo>
-                    <a:pt x="0" y="6239"/>
-                    <a:pt x="349" y="6587"/>
-                    <a:pt x="760" y="6587"/>
-                  </a:cubicBezTo>
-                  <a:lnTo>
-                    <a:pt x="7886" y="6587"/>
-                  </a:lnTo>
-                  <a:cubicBezTo>
-                    <a:pt x="8298" y="6587"/>
-                    <a:pt x="8646" y="6239"/>
-                    <a:pt x="8646" y="5827"/>
-                  </a:cubicBezTo>
-                  <a:lnTo>
-                    <a:pt x="8646" y="760"/>
-                  </a:lnTo>
-                  <a:cubicBezTo>
-                    <a:pt x="8646" y="348"/>
-                    <a:pt x="8298" y="0"/>
-                    <a:pt x="7886" y="0"/>
-                  </a:cubicBezTo>
-                  <a:close/>
-                </a:path>
-              </a:pathLst>
-            </a:custGeom>
-            <a:solidFill>
-              <a:srgbClr val="FFFFFF"/>
-            </a:solidFill>
-            <a:ln>
-              <a:noFill/>
-            </a:ln>
-          </p:spPr>
-          <p:txBody>
-            <a:bodyPr spcFirstLastPara="1" wrap="square" lIns="91425" tIns="91425" rIns="91425" bIns="91425" anchor="ctr" anchorCtr="0">
-              <a:noAutofit/>
-            </a:bodyPr>
-            <a:lstStyle/>
-            <a:p>
-              <a:pPr marL="0" lvl="0" indent="0" algn="l" rtl="0">
-                <a:spcBef>
-                  <a:spcPts val="0"/>
-                </a:spcBef>
-                <a:spcAft>
-                  <a:spcPts val="0"/>
-                </a:spcAft>
-                <a:buNone/>
-              </a:pPr>
-              <a:endParaRPr/>
-            </a:p>
-          </p:txBody>
-        </p:sp>
-        <p:sp>
-          <p:nvSpPr>
-            <p:cNvPr id="66" name="Google Shape;2399;p28"/>
-            <p:cNvSpPr/>
-            <p:nvPr/>
-          </p:nvSpPr>
-          <p:spPr>
-            <a:xfrm>
-              <a:off x="1995750" y="2396300"/>
-              <a:ext cx="57025" cy="57025"/>
-            </a:xfrm>
-            <a:custGeom>
-              <a:avLst/>
-              <a:gdLst/>
-              <a:ahLst/>
-              <a:cxnLst/>
-              <a:rect l="l" t="t" r="r" b="b"/>
-              <a:pathLst>
-                <a:path w="2281" h="2281" extrusionOk="0">
-                  <a:moveTo>
-                    <a:pt x="1140" y="760"/>
-                  </a:moveTo>
-                  <a:cubicBezTo>
-                    <a:pt x="1362" y="760"/>
-                    <a:pt x="1520" y="919"/>
-                    <a:pt x="1520" y="1140"/>
-                  </a:cubicBezTo>
-                  <a:cubicBezTo>
-                    <a:pt x="1520" y="1330"/>
-                    <a:pt x="1362" y="1520"/>
-                    <a:pt x="1140" y="1520"/>
-                  </a:cubicBezTo>
-                  <a:cubicBezTo>
-                    <a:pt x="919" y="1520"/>
-                    <a:pt x="760" y="1330"/>
-                    <a:pt x="760" y="1140"/>
-                  </a:cubicBezTo>
-                  <a:cubicBezTo>
-                    <a:pt x="760" y="919"/>
-                    <a:pt x="919" y="760"/>
-                    <a:pt x="1140" y="760"/>
-                  </a:cubicBezTo>
-                  <a:close/>
-                  <a:moveTo>
-                    <a:pt x="1140" y="0"/>
-                  </a:moveTo>
-                  <a:cubicBezTo>
-                    <a:pt x="507" y="0"/>
-                    <a:pt x="0" y="507"/>
-                    <a:pt x="0" y="1140"/>
-                  </a:cubicBezTo>
-                  <a:cubicBezTo>
-                    <a:pt x="0" y="1742"/>
-                    <a:pt x="507" y="2281"/>
-                    <a:pt x="1140" y="2281"/>
-                  </a:cubicBezTo>
-                  <a:cubicBezTo>
-                    <a:pt x="1774" y="2281"/>
-                    <a:pt x="2281" y="1742"/>
-                    <a:pt x="2281" y="1140"/>
-                  </a:cubicBezTo>
-                  <a:cubicBezTo>
-                    <a:pt x="2281" y="507"/>
-                    <a:pt x="1774" y="0"/>
-                    <a:pt x="1140" y="0"/>
-                  </a:cubicBezTo>
-                  <a:close/>
-                </a:path>
-              </a:pathLst>
-            </a:custGeom>
-            <a:solidFill>
-              <a:srgbClr val="FFFFFF"/>
-            </a:solidFill>
-            <a:ln>
-              <a:noFill/>
-            </a:ln>
-          </p:spPr>
-          <p:txBody>
-            <a:bodyPr spcFirstLastPara="1" wrap="square" lIns="91425" tIns="91425" rIns="91425" bIns="91425" anchor="ctr" anchorCtr="0">
-              <a:noAutofit/>
-            </a:bodyPr>
-            <a:lstStyle/>
-            <a:p>
-              <a:pPr marL="0" lvl="0" indent="0" algn="l" rtl="0">
-                <a:spcBef>
-                  <a:spcPts val="0"/>
-                </a:spcBef>
-                <a:spcAft>
-                  <a:spcPts val="0"/>
-                </a:spcAft>
-                <a:buNone/>
-              </a:pPr>
-              <a:endParaRPr/>
-            </a:p>
-          </p:txBody>
-        </p:sp>
-        <p:sp>
-          <p:nvSpPr>
-            <p:cNvPr id="67" name="Google Shape;2400;p28"/>
-            <p:cNvSpPr/>
-            <p:nvPr/>
-          </p:nvSpPr>
-          <p:spPr>
-            <a:xfrm>
-              <a:off x="2084425" y="2396300"/>
-              <a:ext cx="57025" cy="57025"/>
-            </a:xfrm>
-            <a:custGeom>
-              <a:avLst/>
-              <a:gdLst/>
-              <a:ahLst/>
-              <a:cxnLst/>
-              <a:rect l="l" t="t" r="r" b="b"/>
-              <a:pathLst>
-                <a:path w="2281" h="2281" extrusionOk="0">
-                  <a:moveTo>
-                    <a:pt x="1140" y="760"/>
-                  </a:moveTo>
-                  <a:cubicBezTo>
-                    <a:pt x="1362" y="760"/>
-                    <a:pt x="1520" y="919"/>
-                    <a:pt x="1520" y="1140"/>
-                  </a:cubicBezTo>
-                  <a:cubicBezTo>
-                    <a:pt x="1520" y="1330"/>
-                    <a:pt x="1362" y="1520"/>
-                    <a:pt x="1140" y="1520"/>
-                  </a:cubicBezTo>
-                  <a:cubicBezTo>
-                    <a:pt x="950" y="1520"/>
-                    <a:pt x="760" y="1330"/>
-                    <a:pt x="760" y="1140"/>
-                  </a:cubicBezTo>
-                  <a:cubicBezTo>
-                    <a:pt x="760" y="919"/>
-                    <a:pt x="950" y="760"/>
-                    <a:pt x="1140" y="760"/>
-                  </a:cubicBezTo>
-                  <a:close/>
-                  <a:moveTo>
-                    <a:pt x="1140" y="0"/>
-                  </a:moveTo>
-                  <a:cubicBezTo>
-                    <a:pt x="507" y="0"/>
-                    <a:pt x="0" y="507"/>
-                    <a:pt x="0" y="1140"/>
-                  </a:cubicBezTo>
-                  <a:cubicBezTo>
-                    <a:pt x="0" y="1742"/>
-                    <a:pt x="507" y="2281"/>
-                    <a:pt x="1140" y="2281"/>
-                  </a:cubicBezTo>
-                  <a:cubicBezTo>
-                    <a:pt x="1774" y="2281"/>
-                    <a:pt x="2280" y="1742"/>
-                    <a:pt x="2280" y="1140"/>
-                  </a:cubicBezTo>
-                  <a:cubicBezTo>
-                    <a:pt x="2280" y="507"/>
-                    <a:pt x="1774" y="0"/>
-                    <a:pt x="1140" y="0"/>
-                  </a:cubicBezTo>
-                  <a:close/>
-                </a:path>
-              </a:pathLst>
-            </a:custGeom>
-            <a:solidFill>
-              <a:srgbClr val="FFFFFF"/>
-            </a:solidFill>
-            <a:ln>
-              <a:noFill/>
-            </a:ln>
-          </p:spPr>
-          <p:txBody>
-            <a:bodyPr spcFirstLastPara="1" wrap="square" lIns="91425" tIns="91425" rIns="91425" bIns="91425" anchor="ctr" anchorCtr="0">
-              <a:noAutofit/>
-            </a:bodyPr>
-            <a:lstStyle/>
-            <a:p>
-              <a:pPr marL="0" lvl="0" indent="0" algn="l" rtl="0">
-                <a:spcBef>
-                  <a:spcPts val="0"/>
-                </a:spcBef>
-                <a:spcAft>
-                  <a:spcPts val="0"/>
-                </a:spcAft>
-                <a:buNone/>
-              </a:pPr>
-              <a:endParaRPr/>
-            </a:p>
-          </p:txBody>
-        </p:sp>
-        <p:sp>
-          <p:nvSpPr>
-            <p:cNvPr id="69" name="Google Shape;2402;p28"/>
-            <p:cNvSpPr/>
-            <p:nvPr/>
-          </p:nvSpPr>
-          <p:spPr>
-            <a:xfrm>
-              <a:off x="2262550" y="2396300"/>
-              <a:ext cx="57025" cy="57025"/>
-            </a:xfrm>
-            <a:custGeom>
-              <a:avLst/>
-              <a:gdLst/>
-              <a:ahLst/>
-              <a:cxnLst/>
-              <a:rect l="l" t="t" r="r" b="b"/>
-              <a:pathLst>
-                <a:path w="2281" h="2281" extrusionOk="0">
-                  <a:moveTo>
-                    <a:pt x="1141" y="760"/>
-                  </a:moveTo>
-                  <a:cubicBezTo>
-                    <a:pt x="1363" y="760"/>
-                    <a:pt x="1521" y="919"/>
-                    <a:pt x="1521" y="1140"/>
-                  </a:cubicBezTo>
-                  <a:cubicBezTo>
-                    <a:pt x="1521" y="1330"/>
-                    <a:pt x="1363" y="1520"/>
-                    <a:pt x="1141" y="1520"/>
-                  </a:cubicBezTo>
-                  <a:cubicBezTo>
-                    <a:pt x="919" y="1520"/>
-                    <a:pt x="761" y="1330"/>
-                    <a:pt x="761" y="1140"/>
-                  </a:cubicBezTo>
-                  <a:cubicBezTo>
-                    <a:pt x="761" y="919"/>
-                    <a:pt x="919" y="760"/>
-                    <a:pt x="1141" y="760"/>
-                  </a:cubicBezTo>
-                  <a:close/>
-                  <a:moveTo>
-                    <a:pt x="1141" y="0"/>
-                  </a:moveTo>
-                  <a:cubicBezTo>
-                    <a:pt x="508" y="0"/>
-                    <a:pt x="1" y="507"/>
-                    <a:pt x="1" y="1140"/>
-                  </a:cubicBezTo>
-                  <a:cubicBezTo>
-                    <a:pt x="1" y="1742"/>
-                    <a:pt x="508" y="2281"/>
-                    <a:pt x="1141" y="2281"/>
-                  </a:cubicBezTo>
-                  <a:cubicBezTo>
-                    <a:pt x="1774" y="2281"/>
-                    <a:pt x="2281" y="1742"/>
-                    <a:pt x="2281" y="1140"/>
-                  </a:cubicBezTo>
-                  <a:cubicBezTo>
-                    <a:pt x="2281" y="507"/>
-                    <a:pt x="1774" y="0"/>
-                    <a:pt x="1141" y="0"/>
-                  </a:cubicBezTo>
-                  <a:close/>
-                </a:path>
-              </a:pathLst>
-            </a:custGeom>
-            <a:solidFill>
-              <a:srgbClr val="FFFFFF"/>
-            </a:solidFill>
-            <a:ln>
-              <a:noFill/>
-            </a:ln>
-          </p:spPr>
-          <p:txBody>
-            <a:bodyPr spcFirstLastPara="1" wrap="square" lIns="91425" tIns="91425" rIns="91425" bIns="91425" anchor="ctr" anchorCtr="0">
-              <a:noAutofit/>
-            </a:bodyPr>
-            <a:lstStyle/>
-            <a:p>
-              <a:pPr marL="0" lvl="0" indent="0" algn="l" rtl="0">
-                <a:spcBef>
-                  <a:spcPts val="0"/>
-                </a:spcBef>
-                <a:spcAft>
-                  <a:spcPts val="0"/>
-                </a:spcAft>
-                <a:buNone/>
-              </a:pPr>
-              <a:endParaRPr/>
-            </a:p>
-          </p:txBody>
-        </p:sp>
-        <p:sp>
-          <p:nvSpPr>
-            <p:cNvPr id="70" name="Google Shape;2403;p28"/>
-            <p:cNvSpPr/>
-            <p:nvPr/>
-          </p:nvSpPr>
-          <p:spPr>
-            <a:xfrm>
-              <a:off x="2351225" y="2396300"/>
-              <a:ext cx="57025" cy="57025"/>
-            </a:xfrm>
-            <a:custGeom>
-              <a:avLst/>
-              <a:gdLst/>
-              <a:ahLst/>
-              <a:cxnLst/>
-              <a:rect l="l" t="t" r="r" b="b"/>
-              <a:pathLst>
-                <a:path w="2281" h="2281" extrusionOk="0">
-                  <a:moveTo>
-                    <a:pt x="1141" y="760"/>
-                  </a:moveTo>
-                  <a:cubicBezTo>
-                    <a:pt x="1363" y="760"/>
-                    <a:pt x="1521" y="919"/>
-                    <a:pt x="1521" y="1140"/>
-                  </a:cubicBezTo>
-                  <a:cubicBezTo>
-                    <a:pt x="1521" y="1330"/>
-                    <a:pt x="1363" y="1520"/>
-                    <a:pt x="1141" y="1520"/>
-                  </a:cubicBezTo>
-                  <a:cubicBezTo>
-                    <a:pt x="951" y="1520"/>
-                    <a:pt x="761" y="1330"/>
-                    <a:pt x="761" y="1140"/>
-                  </a:cubicBezTo>
-                  <a:cubicBezTo>
-                    <a:pt x="761" y="919"/>
-                    <a:pt x="951" y="760"/>
-                    <a:pt x="1141" y="760"/>
-                  </a:cubicBezTo>
-                  <a:close/>
-                  <a:moveTo>
-                    <a:pt x="1141" y="0"/>
-                  </a:moveTo>
-                  <a:cubicBezTo>
-                    <a:pt x="507" y="0"/>
-                    <a:pt x="1" y="507"/>
-                    <a:pt x="1" y="1140"/>
-                  </a:cubicBezTo>
-                  <a:cubicBezTo>
-                    <a:pt x="1" y="1742"/>
-                    <a:pt x="507" y="2281"/>
-                    <a:pt x="1141" y="2281"/>
-                  </a:cubicBezTo>
-                  <a:cubicBezTo>
-                    <a:pt x="1774" y="2281"/>
-                    <a:pt x="2281" y="1742"/>
-                    <a:pt x="2281" y="1140"/>
-                  </a:cubicBezTo>
-                  <a:cubicBezTo>
-                    <a:pt x="2281" y="507"/>
-                    <a:pt x="1774" y="0"/>
-                    <a:pt x="1141" y="0"/>
-                  </a:cubicBezTo>
-                  <a:close/>
-                </a:path>
-              </a:pathLst>
-            </a:custGeom>
-            <a:solidFill>
-              <a:srgbClr val="FFFFFF"/>
-            </a:solidFill>
-            <a:ln>
-              <a:noFill/>
-            </a:ln>
-          </p:spPr>
-          <p:txBody>
-            <a:bodyPr spcFirstLastPara="1" wrap="square" lIns="91425" tIns="91425" rIns="91425" bIns="91425" anchor="ctr" anchorCtr="0">
-              <a:noAutofit/>
-            </a:bodyPr>
-            <a:lstStyle/>
-            <a:p>
-              <a:pPr marL="0" lvl="0" indent="0" algn="l" rtl="0">
-                <a:spcBef>
-                  <a:spcPts val="0"/>
-                </a:spcBef>
-                <a:spcAft>
-                  <a:spcPts val="0"/>
-                </a:spcAft>
-                <a:buNone/>
-              </a:pPr>
-              <a:endParaRPr/>
-            </a:p>
-          </p:txBody>
-        </p:sp>
-        <p:sp>
-          <p:nvSpPr>
-            <p:cNvPr id="72" name="Google Shape;2405;p28"/>
-            <p:cNvSpPr/>
-            <p:nvPr/>
-          </p:nvSpPr>
-          <p:spPr>
-            <a:xfrm>
-              <a:off x="2081250" y="4037525"/>
-              <a:ext cx="241500" cy="299300"/>
-            </a:xfrm>
-            <a:custGeom>
-              <a:avLst/>
-              <a:gdLst/>
-              <a:ahLst/>
-              <a:cxnLst/>
-              <a:rect l="l" t="t" r="r" b="b"/>
-              <a:pathLst>
-                <a:path w="9660" h="11972" extrusionOk="0">
-                  <a:moveTo>
-                    <a:pt x="4814" y="1"/>
-                  </a:moveTo>
-                  <a:cubicBezTo>
-                    <a:pt x="4820" y="1"/>
-                    <a:pt x="4825" y="1"/>
-                    <a:pt x="4830" y="1"/>
-                  </a:cubicBezTo>
-                  <a:lnTo>
-                    <a:pt x="4830" y="1"/>
-                  </a:lnTo>
-                  <a:cubicBezTo>
-                    <a:pt x="4835" y="1"/>
-                    <a:pt x="4841" y="1"/>
-                    <a:pt x="4846" y="1"/>
-                  </a:cubicBezTo>
-                  <a:close/>
-                  <a:moveTo>
-                    <a:pt x="4846" y="761"/>
-                  </a:moveTo>
-                  <a:cubicBezTo>
-                    <a:pt x="6239" y="2376"/>
-                    <a:pt x="7823" y="2598"/>
-                    <a:pt x="8520" y="2598"/>
-                  </a:cubicBezTo>
-                  <a:cubicBezTo>
-                    <a:pt x="8773" y="2598"/>
-                    <a:pt x="8900" y="2566"/>
-                    <a:pt x="8900" y="2566"/>
-                  </a:cubicBezTo>
-                  <a:lnTo>
-                    <a:pt x="8900" y="5955"/>
-                  </a:lnTo>
-                  <a:cubicBezTo>
-                    <a:pt x="8900" y="7792"/>
-                    <a:pt x="7918" y="9470"/>
-                    <a:pt x="6303" y="10357"/>
-                  </a:cubicBezTo>
-                  <a:lnTo>
-                    <a:pt x="4846" y="11212"/>
-                  </a:lnTo>
-                  <a:lnTo>
-                    <a:pt x="3358" y="10357"/>
-                  </a:lnTo>
-                  <a:cubicBezTo>
-                    <a:pt x="1774" y="9470"/>
-                    <a:pt x="761" y="7792"/>
-                    <a:pt x="761" y="5955"/>
-                  </a:cubicBezTo>
-                  <a:lnTo>
-                    <a:pt x="761" y="2566"/>
-                  </a:lnTo>
-                  <a:cubicBezTo>
-                    <a:pt x="761" y="2566"/>
-                    <a:pt x="919" y="2598"/>
-                    <a:pt x="1204" y="2598"/>
-                  </a:cubicBezTo>
-                  <a:cubicBezTo>
-                    <a:pt x="1901" y="2598"/>
-                    <a:pt x="3421" y="2376"/>
-                    <a:pt x="4846" y="761"/>
-                  </a:cubicBezTo>
-                  <a:close/>
-                  <a:moveTo>
-                    <a:pt x="4830" y="1"/>
-                  </a:moveTo>
-                  <a:cubicBezTo>
-                    <a:pt x="4614" y="6"/>
-                    <a:pt x="4400" y="100"/>
-                    <a:pt x="4276" y="254"/>
-                  </a:cubicBezTo>
-                  <a:cubicBezTo>
-                    <a:pt x="3041" y="1648"/>
-                    <a:pt x="1837" y="1838"/>
-                    <a:pt x="1204" y="1838"/>
-                  </a:cubicBezTo>
-                  <a:lnTo>
-                    <a:pt x="919" y="1838"/>
-                  </a:lnTo>
-                  <a:cubicBezTo>
-                    <a:pt x="856" y="1806"/>
-                    <a:pt x="824" y="1806"/>
-                    <a:pt x="761" y="1806"/>
-                  </a:cubicBezTo>
-                  <a:cubicBezTo>
-                    <a:pt x="602" y="1806"/>
-                    <a:pt x="412" y="1869"/>
-                    <a:pt x="286" y="1996"/>
-                  </a:cubicBezTo>
-                  <a:cubicBezTo>
-                    <a:pt x="96" y="2123"/>
-                    <a:pt x="1" y="2344"/>
-                    <a:pt x="1" y="2566"/>
-                  </a:cubicBezTo>
-                  <a:lnTo>
-                    <a:pt x="1" y="5955"/>
-                  </a:lnTo>
-                  <a:cubicBezTo>
-                    <a:pt x="1" y="8045"/>
-                    <a:pt x="1141" y="10008"/>
-                    <a:pt x="2977" y="11053"/>
-                  </a:cubicBezTo>
-                  <a:lnTo>
-                    <a:pt x="4466" y="11877"/>
-                  </a:lnTo>
-                  <a:cubicBezTo>
-                    <a:pt x="4593" y="11940"/>
-                    <a:pt x="4719" y="11972"/>
-                    <a:pt x="4846" y="11972"/>
-                  </a:cubicBezTo>
-                  <a:cubicBezTo>
-                    <a:pt x="4973" y="11972"/>
-                    <a:pt x="5099" y="11940"/>
-                    <a:pt x="5194" y="11877"/>
-                  </a:cubicBezTo>
-                  <a:lnTo>
-                    <a:pt x="6683" y="11053"/>
-                  </a:lnTo>
-                  <a:cubicBezTo>
-                    <a:pt x="8520" y="10008"/>
-                    <a:pt x="9660" y="8045"/>
-                    <a:pt x="9660" y="5955"/>
-                  </a:cubicBezTo>
-                  <a:lnTo>
-                    <a:pt x="9660" y="2566"/>
-                  </a:lnTo>
-                  <a:cubicBezTo>
-                    <a:pt x="9660" y="2344"/>
-                    <a:pt x="9565" y="2123"/>
-                    <a:pt x="9375" y="1996"/>
-                  </a:cubicBezTo>
-                  <a:cubicBezTo>
-                    <a:pt x="9248" y="1869"/>
-                    <a:pt x="9090" y="1806"/>
-                    <a:pt x="8900" y="1806"/>
-                  </a:cubicBezTo>
-                  <a:lnTo>
-                    <a:pt x="8773" y="1806"/>
-                  </a:lnTo>
-                  <a:cubicBezTo>
-                    <a:pt x="8773" y="1806"/>
-                    <a:pt x="8678" y="1838"/>
-                    <a:pt x="8520" y="1838"/>
-                  </a:cubicBezTo>
-                  <a:cubicBezTo>
-                    <a:pt x="7981" y="1838"/>
-                    <a:pt x="6619" y="1679"/>
-                    <a:pt x="5416" y="254"/>
-                  </a:cubicBezTo>
-                  <a:cubicBezTo>
-                    <a:pt x="5261" y="100"/>
-                    <a:pt x="5046" y="6"/>
-                    <a:pt x="4830" y="1"/>
-                  </a:cubicBezTo>
-                  <a:close/>
-                </a:path>
-              </a:pathLst>
-            </a:custGeom>
-            <a:solidFill>
-              <a:srgbClr val="FFFFFF"/>
-            </a:solidFill>
-            <a:ln>
-              <a:noFill/>
-            </a:ln>
-          </p:spPr>
-          <p:txBody>
-            <a:bodyPr spcFirstLastPara="1" wrap="square" lIns="91425" tIns="91425" rIns="91425" bIns="91425" anchor="ctr" anchorCtr="0">
-              <a:noAutofit/>
-            </a:bodyPr>
-            <a:lstStyle/>
-            <a:p>
-              <a:pPr marL="0" lvl="0" indent="0" algn="l" rtl="0">
-                <a:spcBef>
-                  <a:spcPts val="0"/>
-                </a:spcBef>
-                <a:spcAft>
-                  <a:spcPts val="0"/>
-                </a:spcAft>
-                <a:buNone/>
-              </a:pPr>
-              <a:endParaRPr/>
-            </a:p>
-          </p:txBody>
-        </p:sp>
-        <p:sp>
-          <p:nvSpPr>
-            <p:cNvPr id="73" name="Google Shape;2406;p28"/>
-            <p:cNvSpPr/>
-            <p:nvPr/>
-          </p:nvSpPr>
-          <p:spPr>
-            <a:xfrm>
-              <a:off x="2192875" y="4042275"/>
-              <a:ext cx="19025" cy="288225"/>
-            </a:xfrm>
-            <a:custGeom>
-              <a:avLst/>
-              <a:gdLst/>
-              <a:ahLst/>
-              <a:cxnLst/>
-              <a:rect l="l" t="t" r="r" b="b"/>
-              <a:pathLst>
-                <a:path w="761" h="11529" extrusionOk="0">
-                  <a:moveTo>
-                    <a:pt x="381" y="1"/>
-                  </a:moveTo>
-                  <a:cubicBezTo>
-                    <a:pt x="159" y="1"/>
-                    <a:pt x="1" y="159"/>
-                    <a:pt x="1" y="381"/>
-                  </a:cubicBezTo>
-                  <a:lnTo>
-                    <a:pt x="1" y="11148"/>
-                  </a:lnTo>
-                  <a:cubicBezTo>
-                    <a:pt x="1" y="11370"/>
-                    <a:pt x="159" y="11528"/>
-                    <a:pt x="381" y="11528"/>
-                  </a:cubicBezTo>
-                  <a:cubicBezTo>
-                    <a:pt x="571" y="11528"/>
-                    <a:pt x="761" y="11370"/>
-                    <a:pt x="761" y="11148"/>
-                  </a:cubicBezTo>
-                  <a:lnTo>
-                    <a:pt x="761" y="381"/>
-                  </a:lnTo>
-                  <a:cubicBezTo>
-                    <a:pt x="761" y="159"/>
-                    <a:pt x="571" y="1"/>
-                    <a:pt x="381" y="1"/>
-                  </a:cubicBezTo>
-                  <a:close/>
-                </a:path>
-              </a:pathLst>
-            </a:custGeom>
-            <a:solidFill>
-              <a:srgbClr val="FFFFFF"/>
-            </a:solidFill>
-            <a:ln>
-              <a:noFill/>
-            </a:ln>
-          </p:spPr>
-          <p:txBody>
-            <a:bodyPr spcFirstLastPara="1" wrap="square" lIns="91425" tIns="91425" rIns="91425" bIns="91425" anchor="ctr" anchorCtr="0">
-              <a:noAutofit/>
-            </a:bodyPr>
-            <a:lstStyle/>
-            <a:p>
-              <a:pPr marL="0" lvl="0" indent="0" algn="l" rtl="0">
-                <a:spcBef>
-                  <a:spcPts val="0"/>
-                </a:spcBef>
-                <a:spcAft>
-                  <a:spcPts val="0"/>
-                </a:spcAft>
-                <a:buNone/>
-              </a:pPr>
-              <a:endParaRPr/>
-            </a:p>
-          </p:txBody>
-        </p:sp>
-        <p:sp>
-          <p:nvSpPr>
-            <p:cNvPr id="75" name="Google Shape;2408;p28"/>
-            <p:cNvSpPr/>
-            <p:nvPr/>
-          </p:nvSpPr>
-          <p:spPr>
-            <a:xfrm>
-              <a:off x="2255425" y="3324400"/>
-              <a:ext cx="77625" cy="76625"/>
-            </a:xfrm>
-            <a:custGeom>
-              <a:avLst/>
-              <a:gdLst/>
-              <a:ahLst/>
-              <a:cxnLst/>
-              <a:rect l="l" t="t" r="r" b="b"/>
-              <a:pathLst>
-                <a:path w="3105" h="3065" extrusionOk="0">
-                  <a:moveTo>
-                    <a:pt x="397" y="0"/>
-                  </a:moveTo>
-                  <a:cubicBezTo>
-                    <a:pt x="302" y="0"/>
-                    <a:pt x="207" y="40"/>
-                    <a:pt x="127" y="119"/>
-                  </a:cubicBezTo>
-                  <a:cubicBezTo>
-                    <a:pt x="1" y="277"/>
-                    <a:pt x="1" y="499"/>
-                    <a:pt x="127" y="657"/>
-                  </a:cubicBezTo>
-                  <a:lnTo>
-                    <a:pt x="2408" y="2938"/>
-                  </a:lnTo>
-                  <a:cubicBezTo>
-                    <a:pt x="2503" y="3033"/>
-                    <a:pt x="2598" y="3064"/>
-                    <a:pt x="2693" y="3064"/>
-                  </a:cubicBezTo>
-                  <a:cubicBezTo>
-                    <a:pt x="2788" y="3064"/>
-                    <a:pt x="2883" y="3001"/>
-                    <a:pt x="2946" y="2938"/>
-                  </a:cubicBezTo>
-                  <a:cubicBezTo>
-                    <a:pt x="3104" y="2779"/>
-                    <a:pt x="3104" y="2557"/>
-                    <a:pt x="2946" y="2399"/>
-                  </a:cubicBezTo>
-                  <a:lnTo>
-                    <a:pt x="666" y="119"/>
-                  </a:lnTo>
-                  <a:cubicBezTo>
-                    <a:pt x="587" y="40"/>
-                    <a:pt x="492" y="0"/>
-                    <a:pt x="397" y="0"/>
-                  </a:cubicBezTo>
-                  <a:close/>
-                </a:path>
-              </a:pathLst>
-            </a:custGeom>
-            <a:solidFill>
-              <a:srgbClr val="FFFFFF"/>
-            </a:solidFill>
-            <a:ln>
-              <a:noFill/>
-            </a:ln>
-          </p:spPr>
-          <p:txBody>
-            <a:bodyPr spcFirstLastPara="1" wrap="square" lIns="91425" tIns="91425" rIns="91425" bIns="91425" anchor="ctr" anchorCtr="0">
-              <a:noAutofit/>
-            </a:bodyPr>
-            <a:lstStyle/>
-            <a:p>
-              <a:pPr marL="0" lvl="0" indent="0" algn="l" rtl="0">
-                <a:spcBef>
-                  <a:spcPts val="0"/>
-                </a:spcBef>
-                <a:spcAft>
-                  <a:spcPts val="0"/>
-                </a:spcAft>
-                <a:buNone/>
-              </a:pPr>
-              <a:endParaRPr/>
-            </a:p>
-          </p:txBody>
-        </p:sp>
-        <p:sp>
-          <p:nvSpPr>
-            <p:cNvPr id="76" name="Google Shape;2409;p28"/>
-            <p:cNvSpPr/>
-            <p:nvPr/>
-          </p:nvSpPr>
-          <p:spPr>
-            <a:xfrm>
-              <a:off x="2070950" y="3324400"/>
-              <a:ext cx="78425" cy="76625"/>
-            </a:xfrm>
-            <a:custGeom>
-              <a:avLst/>
-              <a:gdLst/>
-              <a:ahLst/>
-              <a:cxnLst/>
-              <a:rect l="l" t="t" r="r" b="b"/>
-              <a:pathLst>
-                <a:path w="3137" h="3065" extrusionOk="0">
-                  <a:moveTo>
-                    <a:pt x="2709" y="0"/>
-                  </a:moveTo>
-                  <a:cubicBezTo>
-                    <a:pt x="2614" y="0"/>
-                    <a:pt x="2519" y="40"/>
-                    <a:pt x="2439" y="119"/>
-                  </a:cubicBezTo>
-                  <a:lnTo>
-                    <a:pt x="159" y="2399"/>
-                  </a:lnTo>
-                  <a:cubicBezTo>
-                    <a:pt x="1" y="2557"/>
-                    <a:pt x="1" y="2779"/>
-                    <a:pt x="159" y="2938"/>
-                  </a:cubicBezTo>
-                  <a:cubicBezTo>
-                    <a:pt x="223" y="3033"/>
-                    <a:pt x="318" y="3064"/>
-                    <a:pt x="413" y="3064"/>
-                  </a:cubicBezTo>
-                  <a:cubicBezTo>
-                    <a:pt x="508" y="3064"/>
-                    <a:pt x="603" y="3001"/>
-                    <a:pt x="698" y="2938"/>
-                  </a:cubicBezTo>
-                  <a:lnTo>
-                    <a:pt x="2978" y="657"/>
-                  </a:lnTo>
-                  <a:cubicBezTo>
-                    <a:pt x="3136" y="499"/>
-                    <a:pt x="3136" y="277"/>
-                    <a:pt x="2978" y="119"/>
-                  </a:cubicBezTo>
-                  <a:cubicBezTo>
-                    <a:pt x="2899" y="40"/>
-                    <a:pt x="2804" y="0"/>
-                    <a:pt x="2709" y="0"/>
-                  </a:cubicBezTo>
-                  <a:close/>
-                </a:path>
-              </a:pathLst>
-            </a:custGeom>
-            <a:solidFill>
-              <a:srgbClr val="FFFFFF"/>
-            </a:solidFill>
-            <a:ln>
-              <a:noFill/>
-            </a:ln>
-          </p:spPr>
-          <p:txBody>
-            <a:bodyPr spcFirstLastPara="1" wrap="square" lIns="91425" tIns="91425" rIns="91425" bIns="91425" anchor="ctr" anchorCtr="0">
-              <a:noAutofit/>
-            </a:bodyPr>
-            <a:lstStyle/>
-            <a:p>
-              <a:pPr marL="0" lvl="0" indent="0" algn="l" rtl="0">
-                <a:spcBef>
-                  <a:spcPts val="0"/>
-                </a:spcBef>
-                <a:spcAft>
-                  <a:spcPts val="0"/>
-                </a:spcAft>
-                <a:buNone/>
-              </a:pPr>
-              <a:endParaRPr/>
-            </a:p>
-          </p:txBody>
-        </p:sp>
-        <p:sp>
-          <p:nvSpPr>
-            <p:cNvPr id="77" name="Google Shape;2410;p28"/>
-            <p:cNvSpPr/>
-            <p:nvPr/>
-          </p:nvSpPr>
-          <p:spPr>
-            <a:xfrm>
-              <a:off x="2064625" y="3229600"/>
-              <a:ext cx="275550" cy="114425"/>
-            </a:xfrm>
-            <a:custGeom>
-              <a:avLst/>
-              <a:gdLst/>
-              <a:ahLst/>
-              <a:cxnLst/>
-              <a:rect l="l" t="t" r="r" b="b"/>
-              <a:pathLst>
-                <a:path w="11022" h="4577" extrusionOk="0">
-                  <a:moveTo>
-                    <a:pt x="414" y="1"/>
-                  </a:moveTo>
-                  <a:cubicBezTo>
-                    <a:pt x="307" y="1"/>
-                    <a:pt x="201" y="50"/>
-                    <a:pt x="127" y="142"/>
-                  </a:cubicBezTo>
-                  <a:cubicBezTo>
-                    <a:pt x="1" y="301"/>
-                    <a:pt x="32" y="554"/>
-                    <a:pt x="191" y="681"/>
-                  </a:cubicBezTo>
-                  <a:lnTo>
-                    <a:pt x="5258" y="4481"/>
-                  </a:lnTo>
-                  <a:cubicBezTo>
-                    <a:pt x="5321" y="4544"/>
-                    <a:pt x="5384" y="4576"/>
-                    <a:pt x="5479" y="4576"/>
-                  </a:cubicBezTo>
-                  <a:cubicBezTo>
-                    <a:pt x="5543" y="4576"/>
-                    <a:pt x="5638" y="4544"/>
-                    <a:pt x="5701" y="4481"/>
-                  </a:cubicBezTo>
-                  <a:lnTo>
-                    <a:pt x="10800" y="681"/>
-                  </a:lnTo>
-                  <a:cubicBezTo>
-                    <a:pt x="10990" y="554"/>
-                    <a:pt x="11021" y="301"/>
-                    <a:pt x="10895" y="142"/>
-                  </a:cubicBezTo>
-                  <a:cubicBezTo>
-                    <a:pt x="10821" y="50"/>
-                    <a:pt x="10704" y="1"/>
-                    <a:pt x="10588" y="1"/>
-                  </a:cubicBezTo>
-                  <a:cubicBezTo>
-                    <a:pt x="10505" y="1"/>
-                    <a:pt x="10422" y="26"/>
-                    <a:pt x="10356" y="79"/>
-                  </a:cubicBezTo>
-                  <a:lnTo>
-                    <a:pt x="5479" y="3721"/>
-                  </a:lnTo>
-                  <a:lnTo>
-                    <a:pt x="634" y="79"/>
-                  </a:lnTo>
-                  <a:cubicBezTo>
-                    <a:pt x="568" y="26"/>
-                    <a:pt x="491" y="1"/>
-                    <a:pt x="414" y="1"/>
-                  </a:cubicBezTo>
-                  <a:close/>
-                </a:path>
-              </a:pathLst>
-            </a:custGeom>
-            <a:solidFill>
-              <a:srgbClr val="FFFFFF"/>
-            </a:solidFill>
-            <a:ln>
-              <a:noFill/>
-            </a:ln>
-          </p:spPr>
-          <p:txBody>
-            <a:bodyPr spcFirstLastPara="1" wrap="square" lIns="91425" tIns="91425" rIns="91425" bIns="91425" anchor="ctr" anchorCtr="0">
-              <a:noAutofit/>
-            </a:bodyPr>
-            <a:lstStyle/>
-            <a:p>
-              <a:pPr marL="0" lvl="0" indent="0" algn="l" rtl="0">
-                <a:spcBef>
-                  <a:spcPts val="0"/>
-                </a:spcBef>
-                <a:spcAft>
-                  <a:spcPts val="0"/>
-                </a:spcAft>
-                <a:buNone/>
-              </a:pPr>
-              <a:endParaRPr/>
-            </a:p>
-          </p:txBody>
-        </p:sp>
-        <p:sp>
-          <p:nvSpPr>
-            <p:cNvPr id="78" name="Google Shape;2411;p28"/>
-            <p:cNvSpPr/>
-            <p:nvPr/>
-          </p:nvSpPr>
-          <p:spPr>
-            <a:xfrm>
-              <a:off x="2092325" y="3046300"/>
-              <a:ext cx="219350" cy="220125"/>
-            </a:xfrm>
-            <a:custGeom>
-              <a:avLst/>
-              <a:gdLst/>
-              <a:ahLst/>
-              <a:cxnLst/>
-              <a:rect l="l" t="t" r="r" b="b"/>
-              <a:pathLst>
-                <a:path w="8774" h="8805" extrusionOk="0">
-                  <a:moveTo>
-                    <a:pt x="413" y="1"/>
-                  </a:moveTo>
-                  <a:cubicBezTo>
-                    <a:pt x="191" y="1"/>
-                    <a:pt x="1" y="159"/>
-                    <a:pt x="1" y="381"/>
-                  </a:cubicBezTo>
-                  <a:lnTo>
-                    <a:pt x="1" y="8424"/>
-                  </a:lnTo>
-                  <a:cubicBezTo>
-                    <a:pt x="1" y="8646"/>
-                    <a:pt x="191" y="8804"/>
-                    <a:pt x="413" y="8804"/>
-                  </a:cubicBezTo>
-                  <a:cubicBezTo>
-                    <a:pt x="634" y="8804"/>
-                    <a:pt x="793" y="8646"/>
-                    <a:pt x="793" y="8424"/>
-                  </a:cubicBezTo>
-                  <a:lnTo>
-                    <a:pt x="793" y="761"/>
-                  </a:lnTo>
-                  <a:lnTo>
-                    <a:pt x="7982" y="761"/>
-                  </a:lnTo>
-                  <a:lnTo>
-                    <a:pt x="7982" y="8393"/>
-                  </a:lnTo>
-                  <a:cubicBezTo>
-                    <a:pt x="7982" y="8614"/>
-                    <a:pt x="8172" y="8804"/>
-                    <a:pt x="8393" y="8804"/>
-                  </a:cubicBezTo>
-                  <a:cubicBezTo>
-                    <a:pt x="8583" y="8804"/>
-                    <a:pt x="8773" y="8614"/>
-                    <a:pt x="8773" y="8393"/>
-                  </a:cubicBezTo>
-                  <a:lnTo>
-                    <a:pt x="8773" y="381"/>
-                  </a:lnTo>
-                  <a:cubicBezTo>
-                    <a:pt x="8773" y="159"/>
-                    <a:pt x="8583" y="1"/>
-                    <a:pt x="8393" y="1"/>
-                  </a:cubicBezTo>
-                  <a:close/>
-                </a:path>
-              </a:pathLst>
-            </a:custGeom>
-            <a:solidFill>
-              <a:srgbClr val="FFFFFF"/>
-            </a:solidFill>
-            <a:ln>
-              <a:noFill/>
-            </a:ln>
-          </p:spPr>
-          <p:txBody>
-            <a:bodyPr spcFirstLastPara="1" wrap="square" lIns="91425" tIns="91425" rIns="91425" bIns="91425" anchor="ctr" anchorCtr="0">
-              <a:noAutofit/>
-            </a:bodyPr>
-            <a:lstStyle/>
-            <a:p>
-              <a:pPr marL="0" lvl="0" indent="0" algn="l" rtl="0">
-                <a:spcBef>
-                  <a:spcPts val="0"/>
-                </a:spcBef>
-                <a:spcAft>
-                  <a:spcPts val="0"/>
-                </a:spcAft>
-                <a:buNone/>
-              </a:pPr>
-              <a:endParaRPr/>
-            </a:p>
-          </p:txBody>
-        </p:sp>
-        <p:sp>
-          <p:nvSpPr>
-            <p:cNvPr id="79" name="Google Shape;2412;p28"/>
-            <p:cNvSpPr/>
-            <p:nvPr/>
-          </p:nvSpPr>
-          <p:spPr>
-            <a:xfrm>
-              <a:off x="2062250" y="3165850"/>
-              <a:ext cx="279500" cy="244675"/>
-            </a:xfrm>
-            <a:custGeom>
-              <a:avLst/>
-              <a:gdLst/>
-              <a:ahLst/>
-              <a:cxnLst/>
-              <a:rect l="l" t="t" r="r" b="b"/>
-              <a:pathLst>
-                <a:path w="11180" h="9787" extrusionOk="0">
-                  <a:moveTo>
-                    <a:pt x="2027" y="1"/>
-                  </a:moveTo>
-                  <a:lnTo>
-                    <a:pt x="286" y="1299"/>
-                  </a:lnTo>
-                  <a:cubicBezTo>
-                    <a:pt x="254" y="1331"/>
-                    <a:pt x="222" y="1362"/>
-                    <a:pt x="191" y="1426"/>
-                  </a:cubicBezTo>
-                  <a:cubicBezTo>
-                    <a:pt x="64" y="1552"/>
-                    <a:pt x="1" y="1711"/>
-                    <a:pt x="1" y="1901"/>
-                  </a:cubicBezTo>
-                  <a:lnTo>
-                    <a:pt x="1" y="8995"/>
-                  </a:lnTo>
-                  <a:cubicBezTo>
-                    <a:pt x="1" y="9438"/>
-                    <a:pt x="349" y="9786"/>
-                    <a:pt x="761" y="9786"/>
-                  </a:cubicBezTo>
-                  <a:lnTo>
-                    <a:pt x="10420" y="9786"/>
-                  </a:lnTo>
-                  <a:cubicBezTo>
-                    <a:pt x="10831" y="9786"/>
-                    <a:pt x="11180" y="9438"/>
-                    <a:pt x="11180" y="8995"/>
-                  </a:cubicBezTo>
-                  <a:lnTo>
-                    <a:pt x="11180" y="1901"/>
-                  </a:lnTo>
-                  <a:cubicBezTo>
-                    <a:pt x="11180" y="1711"/>
-                    <a:pt x="11116" y="1552"/>
-                    <a:pt x="11021" y="1426"/>
-                  </a:cubicBezTo>
-                  <a:cubicBezTo>
-                    <a:pt x="10990" y="1362"/>
-                    <a:pt x="10958" y="1331"/>
-                    <a:pt x="10895" y="1299"/>
-                  </a:cubicBezTo>
-                  <a:lnTo>
-                    <a:pt x="9185" y="1"/>
-                  </a:lnTo>
-                  <a:lnTo>
-                    <a:pt x="9185" y="951"/>
-                  </a:lnTo>
-                  <a:lnTo>
-                    <a:pt x="9406" y="1141"/>
-                  </a:lnTo>
-                  <a:lnTo>
-                    <a:pt x="10420" y="1901"/>
-                  </a:lnTo>
-                  <a:lnTo>
-                    <a:pt x="10420" y="8995"/>
-                  </a:lnTo>
-                  <a:lnTo>
-                    <a:pt x="761" y="8995"/>
-                  </a:lnTo>
-                  <a:lnTo>
-                    <a:pt x="761" y="1901"/>
-                  </a:lnTo>
-                  <a:lnTo>
-                    <a:pt x="1774" y="1141"/>
-                  </a:lnTo>
-                  <a:lnTo>
-                    <a:pt x="2027" y="951"/>
-                  </a:lnTo>
-                  <a:lnTo>
-                    <a:pt x="2027" y="1"/>
-                  </a:lnTo>
-                  <a:close/>
-                </a:path>
-              </a:pathLst>
-            </a:custGeom>
-            <a:solidFill>
-              <a:srgbClr val="FFFFFF"/>
-            </a:solidFill>
-            <a:ln>
-              <a:noFill/>
-            </a:ln>
-          </p:spPr>
-          <p:txBody>
-            <a:bodyPr spcFirstLastPara="1" wrap="square" lIns="91425" tIns="91425" rIns="91425" bIns="91425" anchor="ctr" anchorCtr="0">
-              <a:noAutofit/>
-            </a:bodyPr>
-            <a:lstStyle/>
-            <a:p>
-              <a:pPr marL="0" lvl="0" indent="0" algn="l" rtl="0">
-                <a:spcBef>
-                  <a:spcPts val="0"/>
-                </a:spcBef>
-                <a:spcAft>
-                  <a:spcPts val="0"/>
-                </a:spcAft>
-                <a:buNone/>
-              </a:pPr>
-              <a:endParaRPr/>
-            </a:p>
-          </p:txBody>
-        </p:sp>
-        <p:sp>
-          <p:nvSpPr>
-            <p:cNvPr id="80" name="Google Shape;2413;p28"/>
-            <p:cNvSpPr/>
-            <p:nvPr/>
-          </p:nvSpPr>
-          <p:spPr>
-            <a:xfrm>
-              <a:off x="2134300" y="3089050"/>
-              <a:ext cx="140950" cy="19025"/>
-            </a:xfrm>
-            <a:custGeom>
-              <a:avLst/>
-              <a:gdLst/>
-              <a:ahLst/>
-              <a:cxnLst/>
-              <a:rect l="l" t="t" r="r" b="b"/>
-              <a:pathLst>
-                <a:path w="5638" h="761" extrusionOk="0">
-                  <a:moveTo>
-                    <a:pt x="380" y="1"/>
-                  </a:moveTo>
-                  <a:cubicBezTo>
-                    <a:pt x="190" y="1"/>
-                    <a:pt x="0" y="159"/>
-                    <a:pt x="0" y="381"/>
-                  </a:cubicBezTo>
-                  <a:cubicBezTo>
-                    <a:pt x="0" y="602"/>
-                    <a:pt x="190" y="761"/>
-                    <a:pt x="380" y="761"/>
-                  </a:cubicBezTo>
-                  <a:lnTo>
-                    <a:pt x="5257" y="761"/>
-                  </a:lnTo>
-                  <a:cubicBezTo>
-                    <a:pt x="5448" y="761"/>
-                    <a:pt x="5638" y="602"/>
-                    <a:pt x="5638" y="381"/>
-                  </a:cubicBezTo>
-                  <a:cubicBezTo>
-                    <a:pt x="5638" y="159"/>
-                    <a:pt x="5448" y="1"/>
-                    <a:pt x="5257" y="1"/>
-                  </a:cubicBezTo>
-                  <a:close/>
-                </a:path>
-              </a:pathLst>
-            </a:custGeom>
-            <a:solidFill>
-              <a:srgbClr val="FFFFFF"/>
-            </a:solidFill>
-            <a:ln>
-              <a:noFill/>
-            </a:ln>
-          </p:spPr>
-          <p:txBody>
-            <a:bodyPr spcFirstLastPara="1" wrap="square" lIns="91425" tIns="91425" rIns="91425" bIns="91425" anchor="ctr" anchorCtr="0">
-              <a:noAutofit/>
-            </a:bodyPr>
-            <a:lstStyle/>
-            <a:p>
-              <a:pPr marL="0" lvl="0" indent="0" algn="l" rtl="0">
-                <a:spcBef>
-                  <a:spcPts val="0"/>
-                </a:spcBef>
-                <a:spcAft>
-                  <a:spcPts val="0"/>
-                </a:spcAft>
-                <a:buNone/>
-              </a:pPr>
-              <a:endParaRPr/>
-            </a:p>
-          </p:txBody>
-        </p:sp>
-        <p:sp>
-          <p:nvSpPr>
-            <p:cNvPr id="81" name="Google Shape;2414;p28"/>
-            <p:cNvSpPr/>
-            <p:nvPr/>
-          </p:nvSpPr>
-          <p:spPr>
-            <a:xfrm>
-              <a:off x="2134300" y="3131800"/>
-              <a:ext cx="140950" cy="19025"/>
-            </a:xfrm>
-            <a:custGeom>
-              <a:avLst/>
-              <a:gdLst/>
-              <a:ahLst/>
-              <a:cxnLst/>
-              <a:rect l="l" t="t" r="r" b="b"/>
-              <a:pathLst>
-                <a:path w="5638" h="761" extrusionOk="0">
-                  <a:moveTo>
-                    <a:pt x="380" y="1"/>
-                  </a:moveTo>
-                  <a:cubicBezTo>
-                    <a:pt x="190" y="1"/>
-                    <a:pt x="0" y="191"/>
-                    <a:pt x="0" y="381"/>
-                  </a:cubicBezTo>
-                  <a:cubicBezTo>
-                    <a:pt x="0" y="602"/>
-                    <a:pt x="190" y="761"/>
-                    <a:pt x="380" y="761"/>
-                  </a:cubicBezTo>
-                  <a:lnTo>
-                    <a:pt x="5257" y="761"/>
-                  </a:lnTo>
-                  <a:cubicBezTo>
-                    <a:pt x="5448" y="761"/>
-                    <a:pt x="5638" y="602"/>
-                    <a:pt x="5638" y="381"/>
-                  </a:cubicBezTo>
-                  <a:cubicBezTo>
-                    <a:pt x="5638" y="191"/>
-                    <a:pt x="5448" y="1"/>
-                    <a:pt x="5257" y="1"/>
-                  </a:cubicBezTo>
-                  <a:close/>
-                </a:path>
-              </a:pathLst>
-            </a:custGeom>
-            <a:solidFill>
-              <a:srgbClr val="FFFFFF"/>
-            </a:solidFill>
-            <a:ln>
-              <a:noFill/>
-            </a:ln>
-          </p:spPr>
-          <p:txBody>
-            <a:bodyPr spcFirstLastPara="1" wrap="square" lIns="91425" tIns="91425" rIns="91425" bIns="91425" anchor="ctr" anchorCtr="0">
-              <a:noAutofit/>
-            </a:bodyPr>
-            <a:lstStyle/>
-            <a:p>
-              <a:pPr marL="0" lvl="0" indent="0" algn="l" rtl="0">
-                <a:spcBef>
-                  <a:spcPts val="0"/>
-                </a:spcBef>
-                <a:spcAft>
-                  <a:spcPts val="0"/>
-                </a:spcAft>
-                <a:buNone/>
-              </a:pPr>
-              <a:endParaRPr/>
-            </a:p>
-          </p:txBody>
-        </p:sp>
-        <p:sp>
-          <p:nvSpPr>
-            <p:cNvPr id="82" name="Google Shape;2415;p28"/>
-            <p:cNvSpPr/>
-            <p:nvPr/>
-          </p:nvSpPr>
-          <p:spPr>
-            <a:xfrm>
-              <a:off x="2134300" y="3174550"/>
-              <a:ext cx="140950" cy="19025"/>
-            </a:xfrm>
-            <a:custGeom>
-              <a:avLst/>
-              <a:gdLst/>
-              <a:ahLst/>
-              <a:cxnLst/>
-              <a:rect l="l" t="t" r="r" b="b"/>
-              <a:pathLst>
-                <a:path w="5638" h="761" extrusionOk="0">
-                  <a:moveTo>
-                    <a:pt x="380" y="1"/>
-                  </a:moveTo>
-                  <a:cubicBezTo>
-                    <a:pt x="190" y="1"/>
-                    <a:pt x="0" y="191"/>
-                    <a:pt x="0" y="381"/>
-                  </a:cubicBezTo>
-                  <a:cubicBezTo>
-                    <a:pt x="0" y="603"/>
-                    <a:pt x="190" y="761"/>
-                    <a:pt x="380" y="761"/>
-                  </a:cubicBezTo>
-                  <a:lnTo>
-                    <a:pt x="5257" y="761"/>
-                  </a:lnTo>
-                  <a:cubicBezTo>
-                    <a:pt x="5448" y="761"/>
-                    <a:pt x="5638" y="603"/>
-                    <a:pt x="5638" y="381"/>
-                  </a:cubicBezTo>
-                  <a:cubicBezTo>
-                    <a:pt x="5638" y="191"/>
-                    <a:pt x="5448" y="1"/>
-                    <a:pt x="5257" y="1"/>
-                  </a:cubicBezTo>
-                  <a:close/>
-                </a:path>
-              </a:pathLst>
-            </a:custGeom>
-            <a:solidFill>
-              <a:srgbClr val="FFFFFF"/>
-            </a:solidFill>
-            <a:ln>
-              <a:noFill/>
-            </a:ln>
-          </p:spPr>
-          <p:txBody>
-            <a:bodyPr spcFirstLastPara="1" wrap="square" lIns="91425" tIns="91425" rIns="91425" bIns="91425" anchor="ctr" anchorCtr="0">
-              <a:noAutofit/>
-            </a:bodyPr>
-            <a:lstStyle/>
-            <a:p>
-              <a:pPr marL="0" lvl="0" indent="0" algn="l" rtl="0">
-                <a:spcBef>
-                  <a:spcPts val="0"/>
-                </a:spcBef>
-                <a:spcAft>
-                  <a:spcPts val="0"/>
-                </a:spcAft>
-                <a:buNone/>
-              </a:pPr>
-              <a:endParaRPr/>
-            </a:p>
-          </p:txBody>
-        </p:sp>
-        <p:sp>
-          <p:nvSpPr>
-            <p:cNvPr id="83" name="Google Shape;2416;p28"/>
-            <p:cNvSpPr/>
-            <p:nvPr/>
-          </p:nvSpPr>
-          <p:spPr>
-            <a:xfrm>
-              <a:off x="2134300" y="3217325"/>
-              <a:ext cx="140950" cy="19025"/>
-            </a:xfrm>
-            <a:custGeom>
-              <a:avLst/>
-              <a:gdLst/>
-              <a:ahLst/>
-              <a:cxnLst/>
-              <a:rect l="l" t="t" r="r" b="b"/>
-              <a:pathLst>
-                <a:path w="5638" h="761" extrusionOk="0">
-                  <a:moveTo>
-                    <a:pt x="380" y="0"/>
-                  </a:moveTo>
-                  <a:cubicBezTo>
-                    <a:pt x="190" y="0"/>
-                    <a:pt x="0" y="190"/>
-                    <a:pt x="0" y="380"/>
-                  </a:cubicBezTo>
-                  <a:cubicBezTo>
-                    <a:pt x="0" y="602"/>
-                    <a:pt x="190" y="760"/>
-                    <a:pt x="380" y="760"/>
-                  </a:cubicBezTo>
-                  <a:lnTo>
-                    <a:pt x="5257" y="760"/>
-                  </a:lnTo>
-                  <a:cubicBezTo>
-                    <a:pt x="5448" y="760"/>
-                    <a:pt x="5638" y="602"/>
-                    <a:pt x="5638" y="380"/>
-                  </a:cubicBezTo>
-                  <a:cubicBezTo>
-                    <a:pt x="5638" y="190"/>
-                    <a:pt x="5448" y="0"/>
-                    <a:pt x="5257" y="0"/>
-                  </a:cubicBezTo>
-                  <a:close/>
-                </a:path>
-              </a:pathLst>
-            </a:custGeom>
-            <a:solidFill>
-              <a:srgbClr val="FFFFFF"/>
-            </a:solidFill>
-            <a:ln>
-              <a:noFill/>
-            </a:ln>
-          </p:spPr>
-          <p:txBody>
-            <a:bodyPr spcFirstLastPara="1" wrap="square" lIns="91425" tIns="91425" rIns="91425" bIns="91425" anchor="ctr" anchorCtr="0">
-              <a:noAutofit/>
-            </a:bodyPr>
-            <a:lstStyle/>
-            <a:p>
-              <a:pPr marL="0" lvl="0" indent="0" algn="l" rtl="0">
-                <a:spcBef>
-                  <a:spcPts val="0"/>
-                </a:spcBef>
-                <a:spcAft>
-                  <a:spcPts val="0"/>
-                </a:spcAft>
-                <a:buNone/>
-              </a:pPr>
-              <a:endParaRPr/>
-            </a:p>
-          </p:txBody>
-        </p:sp>
-      </p:grpSp>
-      <p:pic>
-        <p:nvPicPr>
           <p:cNvPr id="2" name="Imagem 1"/>
           <p:cNvPicPr>
             <a:picLocks/>
@@ -24073,7 +21024,7 @@
 </p:sld>
 </file>
 
-<file path=ppt/slides/slide13.xml><?xml version="1.0" encoding="utf-8"?>
+<file path=ppt/slides/slide12.xml><?xml version="1.0" encoding="utf-8"?>
 <p:sld xmlns:a="http://schemas.openxmlformats.org/drawingml/2006/main" xmlns:r="http://schemas.openxmlformats.org/officeDocument/2006/relationships" xmlns:p="http://schemas.openxmlformats.org/presentationml/2006/main">
   <p:cSld>
     <p:spTree>
@@ -24125,7 +21076,7 @@
               <a:buNone/>
             </a:pPr>
             <a:r>
-              <a:rPr lang="pt-BR" sz="2800" dirty="0" smtClean="0">
+              <a:rPr lang="pt-BR" sz="2800" dirty="0">
                 <a:latin typeface="Fira Sans Medium"/>
                 <a:ea typeface="Fira Sans Medium"/>
                 <a:cs typeface="Fira Sans Medium"/>
@@ -24181,17 +21132,7 @@
                 <a:sym typeface="Fira Sans Medium"/>
                 <a:hlinkClick r:id="rId3"/>
               </a:rPr>
-              <a:t>https://</a:t>
-            </a:r>
-            <a:r>
-              <a:rPr lang="pt-BR" sz="1800" dirty="0" smtClean="0">
-                <a:latin typeface="Fira Sans Medium"/>
-                <a:ea typeface="Fira Sans Medium"/>
-                <a:cs typeface="Fira Sans Medium"/>
-                <a:sym typeface="Fira Sans Medium"/>
-                <a:hlinkClick r:id="rId3"/>
-              </a:rPr>
-              <a:t>dhg1h5j42swfq.cloudfront.net/2018/06/28174439/teruel-evandro-carlos.pdf</a:t>
+              <a:t>https://dhg1h5j42swfq.cloudfront.net/2018/06/28174439/teruel-evandro-carlos.pdf</a:t>
             </a:r>
             <a:r>
               <a:rPr lang="pt-BR" sz="1800" dirty="0">
@@ -24237,25 +21178,7 @@
                 <a:cs typeface="Fira Sans Medium"/>
                 <a:sym typeface="Fira Sans Medium"/>
               </a:rPr>
-              <a:t> </a:t>
-            </a:r>
-            <a:r>
-              <a:rPr lang="pt-BR" sz="1800" dirty="0" smtClean="0">
-                <a:latin typeface="Fira Sans Medium"/>
-                <a:ea typeface="Fira Sans Medium"/>
-                <a:cs typeface="Fira Sans Medium"/>
-                <a:sym typeface="Fira Sans Medium"/>
-              </a:rPr>
-              <a:t>com </a:t>
-            </a:r>
-            <a:r>
-              <a:rPr lang="pt-BR" sz="1800" dirty="0">
-                <a:latin typeface="Fira Sans Medium"/>
-                <a:ea typeface="Fira Sans Medium"/>
-                <a:cs typeface="Fira Sans Medium"/>
-                <a:sym typeface="Fira Sans Medium"/>
-              </a:rPr>
-              <a:t>o ACL - Parte 1. Disponível em: </a:t>
+              <a:t> com o ACL - Parte 1. Disponível em: </a:t>
             </a:r>
             <a:r>
               <a:rPr lang="pt-BR" sz="1800" dirty="0">
@@ -24345,7 +21268,7 @@
               <a:buNone/>
             </a:pPr>
             <a:r>
-              <a:rPr lang="en" sz="1500" dirty="0" smtClean="0">
+              <a:rPr lang="en" sz="1500" dirty="0">
                 <a:latin typeface="Fira Sans Medium"/>
                 <a:ea typeface="Fira Sans Medium"/>
                 <a:cs typeface="Fira Sans Medium"/>
@@ -24391,7 +21314,7 @@
               <a:buNone/>
             </a:pPr>
             <a:r>
-              <a:rPr lang="en" sz="1500" dirty="0" smtClean="0">
+              <a:rPr lang="en" sz="1500" dirty="0">
                 <a:latin typeface="Fira Sans Medium"/>
                 <a:ea typeface="Fira Sans Medium"/>
                 <a:cs typeface="Fira Sans Medium"/>
@@ -24443,7 +21366,7 @@
               <a:buNone/>
             </a:pPr>
             <a:r>
-              <a:rPr lang="en" sz="2800" dirty="0" smtClean="0">
+              <a:rPr lang="en" sz="2800" dirty="0">
                 <a:latin typeface="Fira Sans Medium"/>
                 <a:ea typeface="Fira Sans Medium"/>
                 <a:cs typeface="Fira Sans Medium"/>
@@ -24495,7 +21418,7 @@
               <a:buNone/>
             </a:pPr>
             <a:r>
-              <a:rPr lang="en" sz="1500" dirty="0" smtClean="0">
+              <a:rPr lang="en" sz="1500" dirty="0">
                 <a:latin typeface="Fira Sans Medium"/>
                 <a:ea typeface="Fira Sans Medium"/>
                 <a:cs typeface="Fira Sans Medium"/>
@@ -24547,7 +21470,7 @@
               <a:buNone/>
             </a:pPr>
             <a:r>
-              <a:rPr lang="en" sz="1500" dirty="0" smtClean="0">
+              <a:rPr lang="en" sz="1500" dirty="0">
                 <a:latin typeface="Fira Sans Medium"/>
                 <a:ea typeface="Fira Sans Medium"/>
                 <a:cs typeface="Fira Sans Medium"/>
@@ -24599,7 +21522,7 @@
               <a:buNone/>
             </a:pPr>
             <a:r>
-              <a:rPr lang="en" sz="1500" dirty="0" smtClean="0">
+              <a:rPr lang="en" sz="1500" dirty="0">
                 <a:latin typeface="Fira Sans Medium"/>
                 <a:ea typeface="Fira Sans Medium"/>
                 <a:cs typeface="Fira Sans Medium"/>
@@ -38246,7 +35169,7 @@
               </a:spcAft>
               <a:buNone/>
             </a:pPr>
-            <a:endParaRPr lang="en" sz="1200" dirty="0" smtClean="0">
+            <a:endParaRPr lang="en" sz="1200" dirty="0">
               <a:latin typeface="Fira Sans"/>
               <a:ea typeface="Fira Sans"/>
               <a:cs typeface="Fira Sans"/>
@@ -38264,7 +35187,7 @@
               <a:buNone/>
             </a:pPr>
             <a:r>
-              <a:rPr lang="en" sz="1200" dirty="0" smtClean="0">
+              <a:rPr lang="en" sz="1200" dirty="0">
                 <a:latin typeface="Fira Sans"/>
                 <a:ea typeface="Fira Sans"/>
                 <a:cs typeface="Fira Sans"/>
@@ -38354,7 +35277,7 @@
           <a:p>
             <a:pPr lvl="0" algn="ctr"/>
             <a:r>
-              <a:rPr lang="pt-BR" sz="1200" dirty="0" smtClean="0">
+              <a:rPr lang="pt-BR" sz="1200" dirty="0">
                 <a:latin typeface="Fira Sans"/>
                 <a:ea typeface="Fira Sans"/>
                 <a:cs typeface="Fira Sans"/>
@@ -38448,7 +35371,7 @@
               <a:buNone/>
             </a:pPr>
             <a:r>
-              <a:rPr lang="en" sz="1200" dirty="0" smtClean="0">
+              <a:rPr lang="en" sz="1200" dirty="0">
                 <a:latin typeface="Fira Sans"/>
                 <a:ea typeface="Fira Sans"/>
                 <a:cs typeface="Fira Sans"/>
@@ -38542,7 +35465,7 @@
               <a:buNone/>
             </a:pPr>
             <a:r>
-              <a:rPr lang="pt-BR" sz="1200" dirty="0" smtClean="0">
+              <a:rPr lang="pt-BR" sz="1200" dirty="0">
                 <a:latin typeface="Fira Sans"/>
                 <a:ea typeface="Fira Sans"/>
                 <a:cs typeface="Fira Sans"/>
@@ -38594,7 +35517,7 @@
               <a:buNone/>
             </a:pPr>
             <a:r>
-              <a:rPr lang="pt-BR" sz="2800" dirty="0" smtClean="0">
+              <a:rPr lang="pt-BR" sz="2800" dirty="0">
                 <a:latin typeface="Fira Sans Medium"/>
                 <a:ea typeface="Fira Sans Medium"/>
                 <a:cs typeface="Fira Sans Medium"/>
@@ -42789,7 +39712,7 @@
               <a:buNone/>
             </a:pPr>
             <a:r>
-              <a:rPr lang="en" sz="2800" dirty="0" smtClean="0">
+              <a:rPr lang="en" sz="2800" dirty="0">
                 <a:latin typeface="Fira Sans Medium"/>
                 <a:ea typeface="Fira Sans Medium"/>
                 <a:cs typeface="Fira Sans Medium"/>
@@ -42893,7 +39816,7 @@
               <a:buNone/>
             </a:pPr>
             <a:r>
-              <a:rPr lang="en" sz="1200" dirty="0" smtClean="0">
+              <a:rPr lang="en" sz="1200" dirty="0">
                 <a:latin typeface="Fira Sans"/>
                 <a:ea typeface="Fira Sans"/>
                 <a:cs typeface="Fira Sans"/>
@@ -43003,7 +39926,7 @@
               <a:buNone/>
             </a:pPr>
             <a:r>
-              <a:rPr lang="en" sz="1200" dirty="0" smtClean="0">
+              <a:rPr lang="en" sz="1200" dirty="0">
                 <a:latin typeface="Fira Sans"/>
                 <a:ea typeface="Fira Sans"/>
                 <a:cs typeface="Fira Sans"/>
@@ -43113,7 +40036,7 @@
               <a:buNone/>
             </a:pPr>
             <a:r>
-              <a:rPr lang="en" sz="1200" dirty="0" smtClean="0">
+              <a:rPr lang="en" sz="1200" dirty="0">
                 <a:latin typeface="Fira Sans"/>
                 <a:ea typeface="Fira Sans"/>
                 <a:cs typeface="Fira Sans"/>
@@ -43223,7 +40146,7 @@
               <a:buNone/>
             </a:pPr>
             <a:r>
-              <a:rPr lang="en" sz="1200" dirty="0" smtClean="0">
+              <a:rPr lang="en" sz="1200" dirty="0">
                 <a:latin typeface="Fira Sans"/>
                 <a:ea typeface="Fira Sans"/>
                 <a:cs typeface="Fira Sans"/>
@@ -52463,7 +49386,7 @@
         <p:nvPicPr>
           <p:cNvPr id="2" name="Imagem 1"/>
           <p:cNvPicPr>
-            <a:picLocks noChangeAspect="1"/>
+            <a:picLocks/>
           </p:cNvPicPr>
           <p:nvPr/>
         </p:nvPicPr>
@@ -52475,8 +49398,8 @@
         </p:blipFill>
         <p:spPr>
           <a:xfrm>
-            <a:off x="513124" y="299134"/>
-            <a:ext cx="8006400" cy="4069482"/>
+            <a:off x="512800" y="277829"/>
+            <a:ext cx="8054321" cy="4087843"/>
           </a:xfrm>
           <a:prstGeom prst="rect">
             <a:avLst/>
@@ -52486,7 +49409,7 @@
     </p:spTree>
     <p:extLst>
       <p:ext uri="{BB962C8B-B14F-4D97-AF65-F5344CB8AC3E}">
-        <p14:creationId xmlns:p14="http://schemas.microsoft.com/office/powerpoint/2010/main" val="2456957074"/>
+        <p14:creationId xmlns:p14="http://schemas.microsoft.com/office/powerpoint/2010/main" val="4130023110"/>
       </p:ext>
     </p:extLst>
   </p:cSld>
@@ -55523,8 +52446,8 @@
         </p:blipFill>
         <p:spPr>
           <a:xfrm>
-            <a:off x="512800" y="277829"/>
-            <a:ext cx="8054321" cy="4087843"/>
+            <a:off x="536761" y="268751"/>
+            <a:ext cx="8006400" cy="4071600"/>
           </a:xfrm>
           <a:prstGeom prst="rect">
             <a:avLst/>
@@ -55534,7 +52457,7 @@
     </p:spTree>
     <p:extLst>
       <p:ext uri="{BB962C8B-B14F-4D97-AF65-F5344CB8AC3E}">
-        <p14:creationId xmlns:p14="http://schemas.microsoft.com/office/powerpoint/2010/main" val="4130023110"/>
+        <p14:creationId xmlns:p14="http://schemas.microsoft.com/office/powerpoint/2010/main" val="197980233"/>
       </p:ext>
     </p:extLst>
   </p:cSld>
@@ -58557,7 +55480,7 @@
       </p:grpSp>
       <p:pic>
         <p:nvPicPr>
-          <p:cNvPr id="2" name="Imagem 1"/>
+          <p:cNvPr id="3" name="Imagem 2"/>
           <p:cNvPicPr>
             <a:picLocks/>
           </p:cNvPicPr>
@@ -58571,7 +55494,7 @@
         </p:blipFill>
         <p:spPr>
           <a:xfrm>
-            <a:off x="536761" y="268751"/>
+            <a:off x="536761" y="317918"/>
             <a:ext cx="8006400" cy="4071600"/>
           </a:xfrm>
           <a:prstGeom prst="rect">
@@ -58582,7 +55505,7 @@
     </p:spTree>
     <p:extLst>
       <p:ext uri="{BB962C8B-B14F-4D97-AF65-F5344CB8AC3E}">
-        <p14:creationId xmlns:p14="http://schemas.microsoft.com/office/powerpoint/2010/main" val="197980233"/>
+        <p14:creationId xmlns:p14="http://schemas.microsoft.com/office/powerpoint/2010/main" val="535839666"/>
       </p:ext>
     </p:extLst>
   </p:cSld>

--- a/unit/acl-audit.pptx
+++ b/unit/acl-audit.pptx
@@ -5,7 +5,7 @@
     <p:sldMasterId id="2147483659" r:id="rId1"/>
   </p:sldMasterIdLst>
   <p:notesMasterIdLst>
-    <p:notesMasterId r:id="rId14"/>
+    <p:notesMasterId r:id="rId15"/>
   </p:notesMasterIdLst>
   <p:sldIdLst>
     <p:sldId id="256" r:id="rId2"/>
@@ -14,12 +14,13 @@
     <p:sldId id="261" r:id="rId5"/>
     <p:sldId id="288" r:id="rId6"/>
     <p:sldId id="289" r:id="rId7"/>
-    <p:sldId id="291" r:id="rId8"/>
-    <p:sldId id="292" r:id="rId9"/>
-    <p:sldId id="293" r:id="rId10"/>
-    <p:sldId id="294" r:id="rId11"/>
-    <p:sldId id="295" r:id="rId12"/>
-    <p:sldId id="287" r:id="rId13"/>
+    <p:sldId id="297" r:id="rId8"/>
+    <p:sldId id="291" r:id="rId9"/>
+    <p:sldId id="292" r:id="rId10"/>
+    <p:sldId id="293" r:id="rId11"/>
+    <p:sldId id="294" r:id="rId12"/>
+    <p:sldId id="295" r:id="rId13"/>
+    <p:sldId id="287" r:id="rId14"/>
   </p:sldIdLst>
   <p:sldSz cx="9144000" cy="5143500" type="screen16x9"/>
   <p:notesSz cx="6858000" cy="9144000"/>
@@ -17955,8 +17956,8 @@
         </p:blipFill>
         <p:spPr>
           <a:xfrm>
-            <a:off x="513126" y="281462"/>
-            <a:ext cx="8071849" cy="4080577"/>
+            <a:off x="536761" y="317918"/>
+            <a:ext cx="8006400" cy="4071600"/>
           </a:xfrm>
           <a:prstGeom prst="rect">
             <a:avLst/>
@@ -17966,7 +17967,7 @@
     </p:spTree>
     <p:extLst>
       <p:ext uri="{BB962C8B-B14F-4D97-AF65-F5344CB8AC3E}">
-        <p14:creationId xmlns:p14="http://schemas.microsoft.com/office/powerpoint/2010/main" val="3802261501"/>
+        <p14:creationId xmlns:p14="http://schemas.microsoft.com/office/powerpoint/2010/main" val="535839666"/>
       </p:ext>
     </p:extLst>
   </p:cSld>
@@ -20989,6 +20990,3054 @@
       </p:grpSp>
       <p:pic>
         <p:nvPicPr>
+          <p:cNvPr id="3" name="Imagem 2"/>
+          <p:cNvPicPr>
+            <a:picLocks/>
+          </p:cNvPicPr>
+          <p:nvPr/>
+        </p:nvPicPr>
+        <p:blipFill>
+          <a:blip r:embed="rId2"/>
+          <a:stretch>
+            <a:fillRect/>
+          </a:stretch>
+        </p:blipFill>
+        <p:spPr>
+          <a:xfrm>
+            <a:off x="513126" y="281462"/>
+            <a:ext cx="8071849" cy="4080577"/>
+          </a:xfrm>
+          <a:prstGeom prst="rect">
+            <a:avLst/>
+          </a:prstGeom>
+        </p:spPr>
+      </p:pic>
+    </p:spTree>
+    <p:extLst>
+      <p:ext uri="{BB962C8B-B14F-4D97-AF65-F5344CB8AC3E}">
+        <p14:creationId xmlns:p14="http://schemas.microsoft.com/office/powerpoint/2010/main" val="3802261501"/>
+      </p:ext>
+    </p:extLst>
+  </p:cSld>
+  <p:clrMapOvr>
+    <a:masterClrMapping/>
+  </p:clrMapOvr>
+</p:sld>
+</file>
+
+<file path=ppt/slides/slide12.xml><?xml version="1.0" encoding="utf-8"?>
+<p:sld xmlns:a="http://schemas.openxmlformats.org/drawingml/2006/main" xmlns:r="http://schemas.openxmlformats.org/officeDocument/2006/relationships" xmlns:p="http://schemas.openxmlformats.org/presentationml/2006/main">
+  <p:cSld>
+    <p:spTree>
+      <p:nvGrpSpPr>
+        <p:cNvPr id="1" name=""/>
+        <p:cNvGrpSpPr/>
+        <p:nvPr/>
+      </p:nvGrpSpPr>
+      <p:grpSpPr>
+        <a:xfrm>
+          <a:off x="0" y="0"/>
+          <a:ext cx="0" cy="0"/>
+          <a:chOff x="0" y="0"/>
+          <a:chExt cx="0" cy="0"/>
+        </a:xfrm>
+      </p:grpSpPr>
+      <p:grpSp>
+        <p:nvGrpSpPr>
+          <p:cNvPr id="44" name="Google Shape;2373;p28"/>
+          <p:cNvGrpSpPr/>
+          <p:nvPr/>
+        </p:nvGrpSpPr>
+        <p:grpSpPr>
+          <a:xfrm>
+            <a:off x="-2389239" y="-1150373"/>
+            <a:ext cx="13627509" cy="7521676"/>
+            <a:chOff x="1995750" y="2098600"/>
+            <a:chExt cx="3550125" cy="2238225"/>
+          </a:xfrm>
+        </p:grpSpPr>
+        <p:sp>
+          <p:nvSpPr>
+            <p:cNvPr id="45" name="Google Shape;2374;p28"/>
+            <p:cNvSpPr/>
+            <p:nvPr/>
+          </p:nvSpPr>
+          <p:spPr>
+            <a:xfrm>
+              <a:off x="2723350" y="2481000"/>
+              <a:ext cx="2155100" cy="1295300"/>
+            </a:xfrm>
+            <a:custGeom>
+              <a:avLst/>
+              <a:gdLst/>
+              <a:ahLst/>
+              <a:cxnLst/>
+              <a:rect l="l" t="t" r="r" b="b"/>
+              <a:pathLst>
+                <a:path w="86204" h="51812" extrusionOk="0">
+                  <a:moveTo>
+                    <a:pt x="1995" y="1"/>
+                  </a:moveTo>
+                  <a:cubicBezTo>
+                    <a:pt x="887" y="1"/>
+                    <a:pt x="0" y="919"/>
+                    <a:pt x="0" y="2028"/>
+                  </a:cubicBezTo>
+                  <a:lnTo>
+                    <a:pt x="0" y="49784"/>
+                  </a:lnTo>
+                  <a:cubicBezTo>
+                    <a:pt x="0" y="50925"/>
+                    <a:pt x="887" y="51811"/>
+                    <a:pt x="1995" y="51811"/>
+                  </a:cubicBezTo>
+                  <a:lnTo>
+                    <a:pt x="84208" y="51811"/>
+                  </a:lnTo>
+                  <a:cubicBezTo>
+                    <a:pt x="85317" y="51811"/>
+                    <a:pt x="86203" y="50925"/>
+                    <a:pt x="86203" y="49784"/>
+                  </a:cubicBezTo>
+                  <a:lnTo>
+                    <a:pt x="86203" y="2028"/>
+                  </a:lnTo>
+                  <a:cubicBezTo>
+                    <a:pt x="86203" y="919"/>
+                    <a:pt x="85317" y="1"/>
+                    <a:pt x="84208" y="1"/>
+                  </a:cubicBezTo>
+                  <a:close/>
+                </a:path>
+              </a:pathLst>
+            </a:custGeom>
+            <a:solidFill>
+              <a:srgbClr val="222831"/>
+            </a:solidFill>
+            <a:ln>
+              <a:noFill/>
+            </a:ln>
+          </p:spPr>
+          <p:txBody>
+            <a:bodyPr spcFirstLastPara="1" wrap="square" lIns="91425" tIns="91425" rIns="91425" bIns="91425" anchor="ctr" anchorCtr="0">
+              <a:noAutofit/>
+            </a:bodyPr>
+            <a:lstStyle/>
+            <a:p>
+              <a:pPr marL="0" lvl="0" indent="0" algn="l" rtl="0">
+                <a:spcBef>
+                  <a:spcPts val="0"/>
+                </a:spcBef>
+                <a:spcAft>
+                  <a:spcPts val="0"/>
+                </a:spcAft>
+                <a:buNone/>
+              </a:pPr>
+              <a:endParaRPr/>
+            </a:p>
+          </p:txBody>
+        </p:sp>
+        <p:sp>
+          <p:nvSpPr>
+            <p:cNvPr id="46" name="Google Shape;2375;p28"/>
+            <p:cNvSpPr/>
+            <p:nvPr/>
+          </p:nvSpPr>
+          <p:spPr>
+            <a:xfrm>
+              <a:off x="2644950" y="3776275"/>
+              <a:ext cx="2311875" cy="152025"/>
+            </a:xfrm>
+            <a:custGeom>
+              <a:avLst/>
+              <a:gdLst/>
+              <a:ahLst/>
+              <a:cxnLst/>
+              <a:rect l="l" t="t" r="r" b="b"/>
+              <a:pathLst>
+                <a:path w="92475" h="6081" extrusionOk="0">
+                  <a:moveTo>
+                    <a:pt x="951" y="0"/>
+                  </a:moveTo>
+                  <a:cubicBezTo>
+                    <a:pt x="413" y="0"/>
+                    <a:pt x="1" y="412"/>
+                    <a:pt x="1" y="950"/>
+                  </a:cubicBezTo>
+                  <a:cubicBezTo>
+                    <a:pt x="1" y="3769"/>
+                    <a:pt x="2281" y="6081"/>
+                    <a:pt x="5131" y="6081"/>
+                  </a:cubicBezTo>
+                  <a:lnTo>
+                    <a:pt x="87344" y="6081"/>
+                  </a:lnTo>
+                  <a:cubicBezTo>
+                    <a:pt x="90194" y="6081"/>
+                    <a:pt x="92475" y="3769"/>
+                    <a:pt x="92475" y="950"/>
+                  </a:cubicBezTo>
+                  <a:cubicBezTo>
+                    <a:pt x="92475" y="412"/>
+                    <a:pt x="92063" y="0"/>
+                    <a:pt x="91525" y="0"/>
+                  </a:cubicBezTo>
+                  <a:close/>
+                </a:path>
+              </a:pathLst>
+            </a:custGeom>
+            <a:solidFill>
+              <a:srgbClr val="1B1F26"/>
+            </a:solidFill>
+            <a:ln>
+              <a:noFill/>
+            </a:ln>
+          </p:spPr>
+          <p:txBody>
+            <a:bodyPr spcFirstLastPara="1" wrap="square" lIns="91425" tIns="91425" rIns="91425" bIns="91425" anchor="ctr" anchorCtr="0">
+              <a:noAutofit/>
+            </a:bodyPr>
+            <a:lstStyle/>
+            <a:p>
+              <a:pPr marL="0" lvl="0" indent="0" algn="l" rtl="0">
+                <a:spcBef>
+                  <a:spcPts val="0"/>
+                </a:spcBef>
+                <a:spcAft>
+                  <a:spcPts val="0"/>
+                </a:spcAft>
+                <a:buNone/>
+              </a:pPr>
+              <a:endParaRPr/>
+            </a:p>
+          </p:txBody>
+        </p:sp>
+        <p:sp>
+          <p:nvSpPr>
+            <p:cNvPr id="48" name="Google Shape;2381;p28"/>
+            <p:cNvSpPr/>
+            <p:nvPr/>
+          </p:nvSpPr>
+          <p:spPr>
+            <a:xfrm>
+              <a:off x="5317050" y="2171450"/>
+              <a:ext cx="165475" cy="279500"/>
+            </a:xfrm>
+            <a:custGeom>
+              <a:avLst/>
+              <a:gdLst/>
+              <a:ahLst/>
+              <a:cxnLst/>
+              <a:rect l="l" t="t" r="r" b="b"/>
+              <a:pathLst>
+                <a:path w="6619" h="11180" extrusionOk="0">
+                  <a:moveTo>
+                    <a:pt x="4845" y="760"/>
+                  </a:moveTo>
+                  <a:cubicBezTo>
+                    <a:pt x="5384" y="760"/>
+                    <a:pt x="5859" y="1204"/>
+                    <a:pt x="5859" y="1774"/>
+                  </a:cubicBezTo>
+                  <a:lnTo>
+                    <a:pt x="5859" y="9406"/>
+                  </a:lnTo>
+                  <a:cubicBezTo>
+                    <a:pt x="5859" y="9944"/>
+                    <a:pt x="5384" y="10419"/>
+                    <a:pt x="4845" y="10419"/>
+                  </a:cubicBezTo>
+                  <a:lnTo>
+                    <a:pt x="1774" y="10419"/>
+                  </a:lnTo>
+                  <a:cubicBezTo>
+                    <a:pt x="1235" y="10419"/>
+                    <a:pt x="760" y="9944"/>
+                    <a:pt x="760" y="9406"/>
+                  </a:cubicBezTo>
+                  <a:lnTo>
+                    <a:pt x="760" y="1774"/>
+                  </a:lnTo>
+                  <a:cubicBezTo>
+                    <a:pt x="760" y="1204"/>
+                    <a:pt x="1204" y="760"/>
+                    <a:pt x="1774" y="760"/>
+                  </a:cubicBezTo>
+                  <a:close/>
+                  <a:moveTo>
+                    <a:pt x="1774" y="0"/>
+                  </a:moveTo>
+                  <a:cubicBezTo>
+                    <a:pt x="792" y="0"/>
+                    <a:pt x="0" y="792"/>
+                    <a:pt x="0" y="1774"/>
+                  </a:cubicBezTo>
+                  <a:lnTo>
+                    <a:pt x="0" y="9374"/>
+                  </a:lnTo>
+                  <a:cubicBezTo>
+                    <a:pt x="0" y="10356"/>
+                    <a:pt x="792" y="11180"/>
+                    <a:pt x="1774" y="11180"/>
+                  </a:cubicBezTo>
+                  <a:lnTo>
+                    <a:pt x="4845" y="11180"/>
+                  </a:lnTo>
+                  <a:cubicBezTo>
+                    <a:pt x="5827" y="11180"/>
+                    <a:pt x="6619" y="10356"/>
+                    <a:pt x="6619" y="9374"/>
+                  </a:cubicBezTo>
+                  <a:lnTo>
+                    <a:pt x="6619" y="1774"/>
+                  </a:lnTo>
+                  <a:cubicBezTo>
+                    <a:pt x="6619" y="792"/>
+                    <a:pt x="5827" y="0"/>
+                    <a:pt x="4845" y="0"/>
+                  </a:cubicBezTo>
+                  <a:close/>
+                </a:path>
+              </a:pathLst>
+            </a:custGeom>
+            <a:solidFill>
+              <a:srgbClr val="FFFFFF"/>
+            </a:solidFill>
+            <a:ln>
+              <a:noFill/>
+            </a:ln>
+          </p:spPr>
+          <p:txBody>
+            <a:bodyPr spcFirstLastPara="1" wrap="square" lIns="91425" tIns="91425" rIns="91425" bIns="91425" anchor="ctr" anchorCtr="0">
+              <a:noAutofit/>
+            </a:bodyPr>
+            <a:lstStyle/>
+            <a:p>
+              <a:pPr marL="0" lvl="0" indent="0" algn="l" rtl="0">
+                <a:spcBef>
+                  <a:spcPts val="0"/>
+                </a:spcBef>
+                <a:spcAft>
+                  <a:spcPts val="0"/>
+                </a:spcAft>
+                <a:buNone/>
+              </a:pPr>
+              <a:endParaRPr/>
+            </a:p>
+          </p:txBody>
+        </p:sp>
+        <p:sp>
+          <p:nvSpPr>
+            <p:cNvPr id="49" name="Google Shape;2382;p28"/>
+            <p:cNvSpPr/>
+            <p:nvPr/>
+          </p:nvSpPr>
+          <p:spPr>
+            <a:xfrm>
+              <a:off x="5320200" y="2209450"/>
+              <a:ext cx="159175" cy="19025"/>
+            </a:xfrm>
+            <a:custGeom>
+              <a:avLst/>
+              <a:gdLst/>
+              <a:ahLst/>
+              <a:cxnLst/>
+              <a:rect l="l" t="t" r="r" b="b"/>
+              <a:pathLst>
+                <a:path w="6367" h="761" extrusionOk="0">
+                  <a:moveTo>
+                    <a:pt x="381" y="1"/>
+                  </a:moveTo>
+                  <a:cubicBezTo>
+                    <a:pt x="191" y="1"/>
+                    <a:pt x="1" y="159"/>
+                    <a:pt x="1" y="381"/>
+                  </a:cubicBezTo>
+                  <a:cubicBezTo>
+                    <a:pt x="1" y="602"/>
+                    <a:pt x="191" y="761"/>
+                    <a:pt x="381" y="761"/>
+                  </a:cubicBezTo>
+                  <a:lnTo>
+                    <a:pt x="5986" y="761"/>
+                  </a:lnTo>
+                  <a:cubicBezTo>
+                    <a:pt x="6176" y="761"/>
+                    <a:pt x="6366" y="602"/>
+                    <a:pt x="6366" y="381"/>
+                  </a:cubicBezTo>
+                  <a:cubicBezTo>
+                    <a:pt x="6366" y="159"/>
+                    <a:pt x="6176" y="1"/>
+                    <a:pt x="5986" y="1"/>
+                  </a:cubicBezTo>
+                  <a:close/>
+                </a:path>
+              </a:pathLst>
+            </a:custGeom>
+            <a:solidFill>
+              <a:srgbClr val="FFFFFF"/>
+            </a:solidFill>
+            <a:ln>
+              <a:noFill/>
+            </a:ln>
+          </p:spPr>
+          <p:txBody>
+            <a:bodyPr spcFirstLastPara="1" wrap="square" lIns="91425" tIns="91425" rIns="91425" bIns="91425" anchor="ctr" anchorCtr="0">
+              <a:noAutofit/>
+            </a:bodyPr>
+            <a:lstStyle/>
+            <a:p>
+              <a:pPr marL="0" lvl="0" indent="0" algn="l" rtl="0">
+                <a:spcBef>
+                  <a:spcPts val="0"/>
+                </a:spcBef>
+                <a:spcAft>
+                  <a:spcPts val="0"/>
+                </a:spcAft>
+                <a:buNone/>
+              </a:pPr>
+              <a:endParaRPr/>
+            </a:p>
+          </p:txBody>
+        </p:sp>
+        <p:sp>
+          <p:nvSpPr>
+            <p:cNvPr id="50" name="Google Shape;2383;p28"/>
+            <p:cNvSpPr/>
+            <p:nvPr/>
+          </p:nvSpPr>
+          <p:spPr>
+            <a:xfrm>
+              <a:off x="5320200" y="2380450"/>
+              <a:ext cx="159175" cy="19050"/>
+            </a:xfrm>
+            <a:custGeom>
+              <a:avLst/>
+              <a:gdLst/>
+              <a:ahLst/>
+              <a:cxnLst/>
+              <a:rect l="l" t="t" r="r" b="b"/>
+              <a:pathLst>
+                <a:path w="6367" h="762" extrusionOk="0">
+                  <a:moveTo>
+                    <a:pt x="381" y="1"/>
+                  </a:moveTo>
+                  <a:cubicBezTo>
+                    <a:pt x="191" y="1"/>
+                    <a:pt x="1" y="191"/>
+                    <a:pt x="1" y="381"/>
+                  </a:cubicBezTo>
+                  <a:cubicBezTo>
+                    <a:pt x="1" y="603"/>
+                    <a:pt x="191" y="761"/>
+                    <a:pt x="381" y="761"/>
+                  </a:cubicBezTo>
+                  <a:lnTo>
+                    <a:pt x="5986" y="761"/>
+                  </a:lnTo>
+                  <a:cubicBezTo>
+                    <a:pt x="6176" y="761"/>
+                    <a:pt x="6366" y="603"/>
+                    <a:pt x="6366" y="381"/>
+                  </a:cubicBezTo>
+                  <a:cubicBezTo>
+                    <a:pt x="6366" y="191"/>
+                    <a:pt x="6176" y="1"/>
+                    <a:pt x="5986" y="1"/>
+                  </a:cubicBezTo>
+                  <a:close/>
+                </a:path>
+              </a:pathLst>
+            </a:custGeom>
+            <a:solidFill>
+              <a:srgbClr val="FFFFFF"/>
+            </a:solidFill>
+            <a:ln>
+              <a:noFill/>
+            </a:ln>
+          </p:spPr>
+          <p:txBody>
+            <a:bodyPr spcFirstLastPara="1" wrap="square" lIns="91425" tIns="91425" rIns="91425" bIns="91425" anchor="ctr" anchorCtr="0">
+              <a:noAutofit/>
+            </a:bodyPr>
+            <a:lstStyle/>
+            <a:p>
+              <a:pPr marL="0" lvl="0" indent="0" algn="l" rtl="0">
+                <a:spcBef>
+                  <a:spcPts val="0"/>
+                </a:spcBef>
+                <a:spcAft>
+                  <a:spcPts val="0"/>
+                </a:spcAft>
+                <a:buNone/>
+              </a:pPr>
+              <a:endParaRPr/>
+            </a:p>
+          </p:txBody>
+        </p:sp>
+        <p:sp>
+          <p:nvSpPr>
+            <p:cNvPr id="51" name="Google Shape;2384;p28"/>
+            <p:cNvSpPr/>
+            <p:nvPr/>
+          </p:nvSpPr>
+          <p:spPr>
+            <a:xfrm>
+              <a:off x="5389875" y="2405800"/>
+              <a:ext cx="19025" cy="19025"/>
+            </a:xfrm>
+            <a:custGeom>
+              <a:avLst/>
+              <a:gdLst/>
+              <a:ahLst/>
+              <a:cxnLst/>
+              <a:rect l="l" t="t" r="r" b="b"/>
+              <a:pathLst>
+                <a:path w="761" h="761" extrusionOk="0">
+                  <a:moveTo>
+                    <a:pt x="381" y="0"/>
+                  </a:moveTo>
+                  <a:cubicBezTo>
+                    <a:pt x="191" y="0"/>
+                    <a:pt x="1" y="190"/>
+                    <a:pt x="1" y="380"/>
+                  </a:cubicBezTo>
+                  <a:cubicBezTo>
+                    <a:pt x="1" y="602"/>
+                    <a:pt x="191" y="760"/>
+                    <a:pt x="381" y="760"/>
+                  </a:cubicBezTo>
+                  <a:cubicBezTo>
+                    <a:pt x="602" y="760"/>
+                    <a:pt x="761" y="602"/>
+                    <a:pt x="761" y="380"/>
+                  </a:cubicBezTo>
+                  <a:cubicBezTo>
+                    <a:pt x="761" y="190"/>
+                    <a:pt x="602" y="0"/>
+                    <a:pt x="381" y="0"/>
+                  </a:cubicBezTo>
+                  <a:close/>
+                </a:path>
+              </a:pathLst>
+            </a:custGeom>
+            <a:solidFill>
+              <a:srgbClr val="FFFFFF"/>
+            </a:solidFill>
+            <a:ln>
+              <a:noFill/>
+            </a:ln>
+          </p:spPr>
+          <p:txBody>
+            <a:bodyPr spcFirstLastPara="1" wrap="square" lIns="91425" tIns="91425" rIns="91425" bIns="91425" anchor="ctr" anchorCtr="0">
+              <a:noAutofit/>
+            </a:bodyPr>
+            <a:lstStyle/>
+            <a:p>
+              <a:pPr marL="0" lvl="0" indent="0" algn="l" rtl="0">
+                <a:spcBef>
+                  <a:spcPts val="0"/>
+                </a:spcBef>
+                <a:spcAft>
+                  <a:spcPts val="0"/>
+                </a:spcAft>
+                <a:buNone/>
+              </a:pPr>
+              <a:endParaRPr/>
+            </a:p>
+          </p:txBody>
+        </p:sp>
+        <p:sp>
+          <p:nvSpPr>
+            <p:cNvPr id="53" name="Google Shape;2386;p28"/>
+            <p:cNvSpPr/>
+            <p:nvPr/>
+          </p:nvSpPr>
+          <p:spPr>
+            <a:xfrm>
+              <a:off x="5266375" y="3118350"/>
+              <a:ext cx="279500" cy="209025"/>
+            </a:xfrm>
+            <a:custGeom>
+              <a:avLst/>
+              <a:gdLst/>
+              <a:ahLst/>
+              <a:cxnLst/>
+              <a:rect l="l" t="t" r="r" b="b"/>
+              <a:pathLst>
+                <a:path w="11180" h="8361" extrusionOk="0">
+                  <a:moveTo>
+                    <a:pt x="5574" y="0"/>
+                  </a:moveTo>
+                  <a:cubicBezTo>
+                    <a:pt x="3452" y="0"/>
+                    <a:pt x="2629" y="1235"/>
+                    <a:pt x="2375" y="2154"/>
+                  </a:cubicBezTo>
+                  <a:cubicBezTo>
+                    <a:pt x="1330" y="2439"/>
+                    <a:pt x="0" y="3294"/>
+                    <a:pt x="0" y="5067"/>
+                  </a:cubicBezTo>
+                  <a:cubicBezTo>
+                    <a:pt x="0" y="7696"/>
+                    <a:pt x="2502" y="8361"/>
+                    <a:pt x="3801" y="8361"/>
+                  </a:cubicBezTo>
+                  <a:lnTo>
+                    <a:pt x="4054" y="8361"/>
+                  </a:lnTo>
+                  <a:lnTo>
+                    <a:pt x="4054" y="7601"/>
+                  </a:lnTo>
+                  <a:lnTo>
+                    <a:pt x="3801" y="7601"/>
+                  </a:lnTo>
+                  <a:cubicBezTo>
+                    <a:pt x="3801" y="7601"/>
+                    <a:pt x="760" y="7601"/>
+                    <a:pt x="760" y="5067"/>
+                  </a:cubicBezTo>
+                  <a:cubicBezTo>
+                    <a:pt x="760" y="3041"/>
+                    <a:pt x="3040" y="2787"/>
+                    <a:pt x="3040" y="2787"/>
+                  </a:cubicBezTo>
+                  <a:cubicBezTo>
+                    <a:pt x="3040" y="2787"/>
+                    <a:pt x="3040" y="760"/>
+                    <a:pt x="5574" y="760"/>
+                  </a:cubicBezTo>
+                  <a:cubicBezTo>
+                    <a:pt x="8139" y="760"/>
+                    <a:pt x="8393" y="3801"/>
+                    <a:pt x="8393" y="3801"/>
+                  </a:cubicBezTo>
+                  <a:lnTo>
+                    <a:pt x="8583" y="3801"/>
+                  </a:lnTo>
+                  <a:cubicBezTo>
+                    <a:pt x="9121" y="3801"/>
+                    <a:pt x="10419" y="3959"/>
+                    <a:pt x="10419" y="5574"/>
+                  </a:cubicBezTo>
+                  <a:cubicBezTo>
+                    <a:pt x="10419" y="7601"/>
+                    <a:pt x="7347" y="7601"/>
+                    <a:pt x="7347" y="7601"/>
+                  </a:cubicBezTo>
+                  <a:lnTo>
+                    <a:pt x="6841" y="7601"/>
+                  </a:lnTo>
+                  <a:lnTo>
+                    <a:pt x="6841" y="8361"/>
+                  </a:lnTo>
+                  <a:lnTo>
+                    <a:pt x="7347" y="8361"/>
+                  </a:lnTo>
+                  <a:cubicBezTo>
+                    <a:pt x="8678" y="8361"/>
+                    <a:pt x="11179" y="7791"/>
+                    <a:pt x="11179" y="5574"/>
+                  </a:cubicBezTo>
+                  <a:cubicBezTo>
+                    <a:pt x="11179" y="3927"/>
+                    <a:pt x="10103" y="3199"/>
+                    <a:pt x="9026" y="3072"/>
+                  </a:cubicBezTo>
+                  <a:cubicBezTo>
+                    <a:pt x="8709" y="1742"/>
+                    <a:pt x="7759" y="0"/>
+                    <a:pt x="5574" y="0"/>
+                  </a:cubicBezTo>
+                  <a:close/>
+                </a:path>
+              </a:pathLst>
+            </a:custGeom>
+            <a:solidFill>
+              <a:srgbClr val="FFFFFF"/>
+            </a:solidFill>
+            <a:ln>
+              <a:noFill/>
+            </a:ln>
+          </p:spPr>
+          <p:txBody>
+            <a:bodyPr spcFirstLastPara="1" wrap="square" lIns="91425" tIns="91425" rIns="91425" bIns="91425" anchor="ctr" anchorCtr="0">
+              <a:noAutofit/>
+            </a:bodyPr>
+            <a:lstStyle/>
+            <a:p>
+              <a:pPr marL="0" lvl="0" indent="0" algn="l" rtl="0">
+                <a:spcBef>
+                  <a:spcPts val="0"/>
+                </a:spcBef>
+                <a:spcAft>
+                  <a:spcPts val="0"/>
+                </a:spcAft>
+                <a:buNone/>
+              </a:pPr>
+              <a:endParaRPr/>
+            </a:p>
+          </p:txBody>
+        </p:sp>
+        <p:sp>
+          <p:nvSpPr>
+            <p:cNvPr id="54" name="Google Shape;2387;p28"/>
+            <p:cNvSpPr/>
+            <p:nvPr/>
+          </p:nvSpPr>
+          <p:spPr>
+            <a:xfrm>
+              <a:off x="5393050" y="3347150"/>
+              <a:ext cx="19025" cy="15875"/>
+            </a:xfrm>
+            <a:custGeom>
+              <a:avLst/>
+              <a:gdLst/>
+              <a:ahLst/>
+              <a:cxnLst/>
+              <a:rect l="l" t="t" r="r" b="b"/>
+              <a:pathLst>
+                <a:path w="761" h="635" extrusionOk="0">
+                  <a:moveTo>
+                    <a:pt x="0" y="1"/>
+                  </a:moveTo>
+                  <a:lnTo>
+                    <a:pt x="0" y="254"/>
+                  </a:lnTo>
+                  <a:cubicBezTo>
+                    <a:pt x="0" y="444"/>
+                    <a:pt x="190" y="634"/>
+                    <a:pt x="380" y="634"/>
+                  </a:cubicBezTo>
+                  <a:cubicBezTo>
+                    <a:pt x="602" y="634"/>
+                    <a:pt x="760" y="444"/>
+                    <a:pt x="760" y="254"/>
+                  </a:cubicBezTo>
+                  <a:lnTo>
+                    <a:pt x="760" y="1"/>
+                  </a:lnTo>
+                  <a:close/>
+                </a:path>
+              </a:pathLst>
+            </a:custGeom>
+            <a:solidFill>
+              <a:srgbClr val="FFFFFF"/>
+            </a:solidFill>
+            <a:ln>
+              <a:noFill/>
+            </a:ln>
+          </p:spPr>
+          <p:txBody>
+            <a:bodyPr spcFirstLastPara="1" wrap="square" lIns="91425" tIns="91425" rIns="91425" bIns="91425" anchor="ctr" anchorCtr="0">
+              <a:noAutofit/>
+            </a:bodyPr>
+            <a:lstStyle/>
+            <a:p>
+              <a:pPr marL="0" lvl="0" indent="0" algn="l" rtl="0">
+                <a:spcBef>
+                  <a:spcPts val="0"/>
+                </a:spcBef>
+                <a:spcAft>
+                  <a:spcPts val="0"/>
+                </a:spcAft>
+                <a:buNone/>
+              </a:pPr>
+              <a:endParaRPr/>
+            </a:p>
+          </p:txBody>
+        </p:sp>
+        <p:sp>
+          <p:nvSpPr>
+            <p:cNvPr id="55" name="Google Shape;2388;p28"/>
+            <p:cNvSpPr/>
+            <p:nvPr/>
+          </p:nvSpPr>
+          <p:spPr>
+            <a:xfrm>
+              <a:off x="5393050" y="3327350"/>
+              <a:ext cx="19025" cy="19050"/>
+            </a:xfrm>
+            <a:custGeom>
+              <a:avLst/>
+              <a:gdLst/>
+              <a:ahLst/>
+              <a:cxnLst/>
+              <a:rect l="l" t="t" r="r" b="b"/>
+              <a:pathLst>
+                <a:path w="761" h="762" extrusionOk="0">
+                  <a:moveTo>
+                    <a:pt x="0" y="1"/>
+                  </a:moveTo>
+                  <a:lnTo>
+                    <a:pt x="0" y="761"/>
+                  </a:lnTo>
+                  <a:lnTo>
+                    <a:pt x="760" y="761"/>
+                  </a:lnTo>
+                  <a:lnTo>
+                    <a:pt x="760" y="1"/>
+                  </a:lnTo>
+                  <a:close/>
+                </a:path>
+              </a:pathLst>
+            </a:custGeom>
+            <a:solidFill>
+              <a:srgbClr val="FFFFFF"/>
+            </a:solidFill>
+            <a:ln>
+              <a:noFill/>
+            </a:ln>
+          </p:spPr>
+          <p:txBody>
+            <a:bodyPr spcFirstLastPara="1" wrap="square" lIns="91425" tIns="91425" rIns="91425" bIns="91425" anchor="ctr" anchorCtr="0">
+              <a:noAutofit/>
+            </a:bodyPr>
+            <a:lstStyle/>
+            <a:p>
+              <a:pPr marL="0" lvl="0" indent="0" algn="l" rtl="0">
+                <a:spcBef>
+                  <a:spcPts val="0"/>
+                </a:spcBef>
+                <a:spcAft>
+                  <a:spcPts val="0"/>
+                </a:spcAft>
+                <a:buNone/>
+              </a:pPr>
+              <a:endParaRPr/>
+            </a:p>
+          </p:txBody>
+        </p:sp>
+        <p:sp>
+          <p:nvSpPr>
+            <p:cNvPr id="56" name="Google Shape;2389;p28"/>
+            <p:cNvSpPr/>
+            <p:nvPr/>
+          </p:nvSpPr>
+          <p:spPr>
+            <a:xfrm>
+              <a:off x="5393050" y="3289350"/>
+              <a:ext cx="19025" cy="19025"/>
+            </a:xfrm>
+            <a:custGeom>
+              <a:avLst/>
+              <a:gdLst/>
+              <a:ahLst/>
+              <a:cxnLst/>
+              <a:rect l="l" t="t" r="r" b="b"/>
+              <a:pathLst>
+                <a:path w="761" h="761" extrusionOk="0">
+                  <a:moveTo>
+                    <a:pt x="0" y="1"/>
+                  </a:moveTo>
+                  <a:lnTo>
+                    <a:pt x="0" y="761"/>
+                  </a:lnTo>
+                  <a:lnTo>
+                    <a:pt x="760" y="761"/>
+                  </a:lnTo>
+                  <a:lnTo>
+                    <a:pt x="760" y="1"/>
+                  </a:lnTo>
+                  <a:close/>
+                </a:path>
+              </a:pathLst>
+            </a:custGeom>
+            <a:solidFill>
+              <a:srgbClr val="FFFFFF"/>
+            </a:solidFill>
+            <a:ln>
+              <a:noFill/>
+            </a:ln>
+          </p:spPr>
+          <p:txBody>
+            <a:bodyPr spcFirstLastPara="1" wrap="square" lIns="91425" tIns="91425" rIns="91425" bIns="91425" anchor="ctr" anchorCtr="0">
+              <a:noAutofit/>
+            </a:bodyPr>
+            <a:lstStyle/>
+            <a:p>
+              <a:pPr marL="0" lvl="0" indent="0" algn="l" rtl="0">
+                <a:spcBef>
+                  <a:spcPts val="0"/>
+                </a:spcBef>
+                <a:spcAft>
+                  <a:spcPts val="0"/>
+                </a:spcAft>
+                <a:buNone/>
+              </a:pPr>
+              <a:endParaRPr/>
+            </a:p>
+          </p:txBody>
+        </p:sp>
+        <p:sp>
+          <p:nvSpPr>
+            <p:cNvPr id="57" name="Google Shape;2390;p28"/>
+            <p:cNvSpPr/>
+            <p:nvPr/>
+          </p:nvSpPr>
+          <p:spPr>
+            <a:xfrm>
+              <a:off x="5393050" y="3308350"/>
+              <a:ext cx="19025" cy="19025"/>
+            </a:xfrm>
+            <a:custGeom>
+              <a:avLst/>
+              <a:gdLst/>
+              <a:ahLst/>
+              <a:cxnLst/>
+              <a:rect l="l" t="t" r="r" b="b"/>
+              <a:pathLst>
+                <a:path w="761" h="761" extrusionOk="0">
+                  <a:moveTo>
+                    <a:pt x="0" y="1"/>
+                  </a:moveTo>
+                  <a:lnTo>
+                    <a:pt x="0" y="761"/>
+                  </a:lnTo>
+                  <a:lnTo>
+                    <a:pt x="760" y="761"/>
+                  </a:lnTo>
+                  <a:lnTo>
+                    <a:pt x="760" y="1"/>
+                  </a:lnTo>
+                  <a:close/>
+                </a:path>
+              </a:pathLst>
+            </a:custGeom>
+            <a:solidFill>
+              <a:srgbClr val="FFFFFF"/>
+            </a:solidFill>
+            <a:ln>
+              <a:noFill/>
+            </a:ln>
+          </p:spPr>
+          <p:txBody>
+            <a:bodyPr spcFirstLastPara="1" wrap="square" lIns="91425" tIns="91425" rIns="91425" bIns="91425" anchor="ctr" anchorCtr="0">
+              <a:noAutofit/>
+            </a:bodyPr>
+            <a:lstStyle/>
+            <a:p>
+              <a:pPr marL="0" lvl="0" indent="0" algn="l" rtl="0">
+                <a:spcBef>
+                  <a:spcPts val="0"/>
+                </a:spcBef>
+                <a:spcAft>
+                  <a:spcPts val="0"/>
+                </a:spcAft>
+                <a:buNone/>
+              </a:pPr>
+              <a:endParaRPr/>
+            </a:p>
+          </p:txBody>
+        </p:sp>
+        <p:sp>
+          <p:nvSpPr>
+            <p:cNvPr id="58" name="Google Shape;2391;p28"/>
+            <p:cNvSpPr/>
+            <p:nvPr/>
+          </p:nvSpPr>
+          <p:spPr>
+            <a:xfrm>
+              <a:off x="5351075" y="3186150"/>
+              <a:ext cx="105325" cy="103225"/>
+            </a:xfrm>
+            <a:custGeom>
+              <a:avLst/>
+              <a:gdLst/>
+              <a:ahLst/>
+              <a:cxnLst/>
+              <a:rect l="l" t="t" r="r" b="b"/>
+              <a:pathLst>
+                <a:path w="4213" h="4129" extrusionOk="0">
+                  <a:moveTo>
+                    <a:pt x="2065" y="1"/>
+                  </a:moveTo>
+                  <a:cubicBezTo>
+                    <a:pt x="1970" y="1"/>
+                    <a:pt x="1879" y="42"/>
+                    <a:pt x="1806" y="139"/>
+                  </a:cubicBezTo>
+                  <a:lnTo>
+                    <a:pt x="159" y="1817"/>
+                  </a:lnTo>
+                  <a:cubicBezTo>
+                    <a:pt x="1" y="1944"/>
+                    <a:pt x="1" y="2197"/>
+                    <a:pt x="159" y="2355"/>
+                  </a:cubicBezTo>
+                  <a:cubicBezTo>
+                    <a:pt x="238" y="2419"/>
+                    <a:pt x="333" y="2450"/>
+                    <a:pt x="428" y="2450"/>
+                  </a:cubicBezTo>
+                  <a:cubicBezTo>
+                    <a:pt x="523" y="2450"/>
+                    <a:pt x="618" y="2419"/>
+                    <a:pt x="698" y="2355"/>
+                  </a:cubicBezTo>
+                  <a:lnTo>
+                    <a:pt x="1679" y="1310"/>
+                  </a:lnTo>
+                  <a:lnTo>
+                    <a:pt x="1679" y="4129"/>
+                  </a:lnTo>
+                  <a:lnTo>
+                    <a:pt x="2439" y="4129"/>
+                  </a:lnTo>
+                  <a:lnTo>
+                    <a:pt x="2439" y="1152"/>
+                  </a:lnTo>
+                  <a:lnTo>
+                    <a:pt x="3484" y="2292"/>
+                  </a:lnTo>
+                  <a:cubicBezTo>
+                    <a:pt x="3579" y="2387"/>
+                    <a:pt x="3674" y="2419"/>
+                    <a:pt x="3769" y="2419"/>
+                  </a:cubicBezTo>
+                  <a:cubicBezTo>
+                    <a:pt x="3864" y="2419"/>
+                    <a:pt x="3959" y="2387"/>
+                    <a:pt x="4023" y="2324"/>
+                  </a:cubicBezTo>
+                  <a:cubicBezTo>
+                    <a:pt x="4213" y="2165"/>
+                    <a:pt x="4213" y="1944"/>
+                    <a:pt x="4054" y="1785"/>
+                  </a:cubicBezTo>
+                  <a:lnTo>
+                    <a:pt x="2534" y="139"/>
+                  </a:lnTo>
+                  <a:cubicBezTo>
+                    <a:pt x="2462" y="42"/>
+                    <a:pt x="2352" y="1"/>
+                    <a:pt x="2248" y="1"/>
+                  </a:cubicBezTo>
+                  <a:cubicBezTo>
+                    <a:pt x="2216" y="1"/>
+                    <a:pt x="2184" y="4"/>
+                    <a:pt x="2154" y="12"/>
+                  </a:cubicBezTo>
+                  <a:cubicBezTo>
+                    <a:pt x="2124" y="4"/>
+                    <a:pt x="2095" y="1"/>
+                    <a:pt x="2065" y="1"/>
+                  </a:cubicBezTo>
+                  <a:close/>
+                </a:path>
+              </a:pathLst>
+            </a:custGeom>
+            <a:solidFill>
+              <a:srgbClr val="FFFFFF"/>
+            </a:solidFill>
+            <a:ln>
+              <a:noFill/>
+            </a:ln>
+          </p:spPr>
+          <p:txBody>
+            <a:bodyPr spcFirstLastPara="1" wrap="square" lIns="91425" tIns="91425" rIns="91425" bIns="91425" anchor="ctr" anchorCtr="0">
+              <a:noAutofit/>
+            </a:bodyPr>
+            <a:lstStyle/>
+            <a:p>
+              <a:pPr marL="0" lvl="0" indent="0" algn="l" rtl="0">
+                <a:spcBef>
+                  <a:spcPts val="0"/>
+                </a:spcBef>
+                <a:spcAft>
+                  <a:spcPts val="0"/>
+                </a:spcAft>
+                <a:buNone/>
+              </a:pPr>
+              <a:endParaRPr/>
+            </a:p>
+          </p:txBody>
+        </p:sp>
+        <p:sp>
+          <p:nvSpPr>
+            <p:cNvPr id="60" name="Google Shape;2393;p28"/>
+            <p:cNvSpPr/>
+            <p:nvPr/>
+          </p:nvSpPr>
+          <p:spPr>
+            <a:xfrm>
+              <a:off x="5351875" y="4160150"/>
+              <a:ext cx="155200" cy="154525"/>
+            </a:xfrm>
+            <a:custGeom>
+              <a:avLst/>
+              <a:gdLst/>
+              <a:ahLst/>
+              <a:cxnLst/>
+              <a:rect l="l" t="t" r="r" b="b"/>
+              <a:pathLst>
+                <a:path w="6208" h="6181" extrusionOk="0">
+                  <a:moveTo>
+                    <a:pt x="1824" y="1"/>
+                  </a:moveTo>
+                  <a:cubicBezTo>
+                    <a:pt x="1807" y="1"/>
+                    <a:pt x="1790" y="2"/>
+                    <a:pt x="1774" y="5"/>
+                  </a:cubicBezTo>
+                  <a:cubicBezTo>
+                    <a:pt x="1331" y="100"/>
+                    <a:pt x="919" y="290"/>
+                    <a:pt x="602" y="606"/>
+                  </a:cubicBezTo>
+                  <a:cubicBezTo>
+                    <a:pt x="222" y="986"/>
+                    <a:pt x="1" y="1525"/>
+                    <a:pt x="1" y="2095"/>
+                  </a:cubicBezTo>
+                  <a:cubicBezTo>
+                    <a:pt x="1" y="2633"/>
+                    <a:pt x="222" y="3172"/>
+                    <a:pt x="602" y="3552"/>
+                  </a:cubicBezTo>
+                  <a:lnTo>
+                    <a:pt x="2629" y="5578"/>
+                  </a:lnTo>
+                  <a:cubicBezTo>
+                    <a:pt x="3041" y="5990"/>
+                    <a:pt x="3579" y="6180"/>
+                    <a:pt x="4117" y="6180"/>
+                  </a:cubicBezTo>
+                  <a:cubicBezTo>
+                    <a:pt x="4656" y="6180"/>
+                    <a:pt x="5163" y="5990"/>
+                    <a:pt x="5574" y="5578"/>
+                  </a:cubicBezTo>
+                  <a:cubicBezTo>
+                    <a:pt x="5986" y="5198"/>
+                    <a:pt x="6208" y="4660"/>
+                    <a:pt x="6208" y="4090"/>
+                  </a:cubicBezTo>
+                  <a:cubicBezTo>
+                    <a:pt x="6208" y="3552"/>
+                    <a:pt x="5986" y="3013"/>
+                    <a:pt x="5574" y="2633"/>
+                  </a:cubicBezTo>
+                  <a:lnTo>
+                    <a:pt x="4529" y="1556"/>
+                  </a:lnTo>
+                  <a:cubicBezTo>
+                    <a:pt x="4450" y="1477"/>
+                    <a:pt x="4347" y="1438"/>
+                    <a:pt x="4248" y="1438"/>
+                  </a:cubicBezTo>
+                  <a:cubicBezTo>
+                    <a:pt x="4149" y="1438"/>
+                    <a:pt x="4054" y="1477"/>
+                    <a:pt x="3991" y="1556"/>
+                  </a:cubicBezTo>
+                  <a:cubicBezTo>
+                    <a:pt x="3832" y="1715"/>
+                    <a:pt x="3832" y="1936"/>
+                    <a:pt x="3991" y="2095"/>
+                  </a:cubicBezTo>
+                  <a:lnTo>
+                    <a:pt x="5036" y="3172"/>
+                  </a:lnTo>
+                  <a:cubicBezTo>
+                    <a:pt x="5289" y="3393"/>
+                    <a:pt x="5448" y="3742"/>
+                    <a:pt x="5448" y="4090"/>
+                  </a:cubicBezTo>
+                  <a:cubicBezTo>
+                    <a:pt x="5448" y="4438"/>
+                    <a:pt x="5289" y="4787"/>
+                    <a:pt x="5036" y="5040"/>
+                  </a:cubicBezTo>
+                  <a:cubicBezTo>
+                    <a:pt x="4783" y="5293"/>
+                    <a:pt x="4442" y="5420"/>
+                    <a:pt x="4102" y="5420"/>
+                  </a:cubicBezTo>
+                  <a:cubicBezTo>
+                    <a:pt x="3761" y="5420"/>
+                    <a:pt x="3421" y="5293"/>
+                    <a:pt x="3167" y="5040"/>
+                  </a:cubicBezTo>
+                  <a:lnTo>
+                    <a:pt x="1141" y="3013"/>
+                  </a:lnTo>
+                  <a:cubicBezTo>
+                    <a:pt x="919" y="2760"/>
+                    <a:pt x="761" y="2443"/>
+                    <a:pt x="761" y="2095"/>
+                  </a:cubicBezTo>
+                  <a:cubicBezTo>
+                    <a:pt x="761" y="1715"/>
+                    <a:pt x="919" y="1398"/>
+                    <a:pt x="1141" y="1145"/>
+                  </a:cubicBezTo>
+                  <a:cubicBezTo>
+                    <a:pt x="1362" y="955"/>
+                    <a:pt x="1616" y="828"/>
+                    <a:pt x="1901" y="765"/>
+                  </a:cubicBezTo>
+                  <a:cubicBezTo>
+                    <a:pt x="2091" y="733"/>
+                    <a:pt x="2249" y="543"/>
+                    <a:pt x="2217" y="321"/>
+                  </a:cubicBezTo>
+                  <a:cubicBezTo>
+                    <a:pt x="2188" y="148"/>
+                    <a:pt x="2001" y="1"/>
+                    <a:pt x="1824" y="1"/>
+                  </a:cubicBezTo>
+                  <a:close/>
+                </a:path>
+              </a:pathLst>
+            </a:custGeom>
+            <a:solidFill>
+              <a:srgbClr val="FFFFFF"/>
+            </a:solidFill>
+            <a:ln>
+              <a:noFill/>
+            </a:ln>
+          </p:spPr>
+          <p:txBody>
+            <a:bodyPr spcFirstLastPara="1" wrap="square" lIns="91425" tIns="91425" rIns="91425" bIns="91425" anchor="ctr" anchorCtr="0">
+              <a:noAutofit/>
+            </a:bodyPr>
+            <a:lstStyle/>
+            <a:p>
+              <a:pPr marL="0" lvl="0" indent="0" algn="l" rtl="0">
+                <a:spcBef>
+                  <a:spcPts val="0"/>
+                </a:spcBef>
+                <a:spcAft>
+                  <a:spcPts val="0"/>
+                </a:spcAft>
+                <a:buNone/>
+              </a:pPr>
+              <a:endParaRPr/>
+            </a:p>
+          </p:txBody>
+        </p:sp>
+        <p:sp>
+          <p:nvSpPr>
+            <p:cNvPr id="61" name="Google Shape;2394;p28"/>
+            <p:cNvSpPr/>
+            <p:nvPr/>
+          </p:nvSpPr>
+          <p:spPr>
+            <a:xfrm>
+              <a:off x="5287750" y="4066425"/>
+              <a:ext cx="159950" cy="154825"/>
+            </a:xfrm>
+            <a:custGeom>
+              <a:avLst/>
+              <a:gdLst/>
+              <a:ahLst/>
+              <a:cxnLst/>
+              <a:rect l="l" t="t" r="r" b="b"/>
+              <a:pathLst>
+                <a:path w="6398" h="6193" extrusionOk="0">
+                  <a:moveTo>
+                    <a:pt x="2280" y="1"/>
+                  </a:moveTo>
+                  <a:cubicBezTo>
+                    <a:pt x="1742" y="1"/>
+                    <a:pt x="1204" y="207"/>
+                    <a:pt x="792" y="618"/>
+                  </a:cubicBezTo>
+                  <a:cubicBezTo>
+                    <a:pt x="0" y="1442"/>
+                    <a:pt x="0" y="2772"/>
+                    <a:pt x="792" y="3595"/>
+                  </a:cubicBezTo>
+                  <a:lnTo>
+                    <a:pt x="1869" y="4640"/>
+                  </a:lnTo>
+                  <a:cubicBezTo>
+                    <a:pt x="1948" y="4720"/>
+                    <a:pt x="2043" y="4759"/>
+                    <a:pt x="2138" y="4759"/>
+                  </a:cubicBezTo>
+                  <a:cubicBezTo>
+                    <a:pt x="2233" y="4759"/>
+                    <a:pt x="2328" y="4720"/>
+                    <a:pt x="2407" y="4640"/>
+                  </a:cubicBezTo>
+                  <a:cubicBezTo>
+                    <a:pt x="2566" y="4514"/>
+                    <a:pt x="2566" y="4260"/>
+                    <a:pt x="2407" y="4102"/>
+                  </a:cubicBezTo>
+                  <a:lnTo>
+                    <a:pt x="1330" y="3057"/>
+                  </a:lnTo>
+                  <a:cubicBezTo>
+                    <a:pt x="824" y="2519"/>
+                    <a:pt x="824" y="1695"/>
+                    <a:pt x="1330" y="1157"/>
+                  </a:cubicBezTo>
+                  <a:cubicBezTo>
+                    <a:pt x="1600" y="903"/>
+                    <a:pt x="1940" y="777"/>
+                    <a:pt x="2280" y="777"/>
+                  </a:cubicBezTo>
+                  <a:cubicBezTo>
+                    <a:pt x="2621" y="777"/>
+                    <a:pt x="2961" y="903"/>
+                    <a:pt x="3231" y="1157"/>
+                  </a:cubicBezTo>
+                  <a:lnTo>
+                    <a:pt x="5226" y="3184"/>
+                  </a:lnTo>
+                  <a:cubicBezTo>
+                    <a:pt x="5479" y="3437"/>
+                    <a:pt x="5637" y="3754"/>
+                    <a:pt x="5637" y="4102"/>
+                  </a:cubicBezTo>
+                  <a:cubicBezTo>
+                    <a:pt x="5637" y="4450"/>
+                    <a:pt x="5479" y="4799"/>
+                    <a:pt x="5226" y="5052"/>
+                  </a:cubicBezTo>
+                  <a:cubicBezTo>
+                    <a:pt x="5036" y="5242"/>
+                    <a:pt x="4782" y="5369"/>
+                    <a:pt x="4497" y="5432"/>
+                  </a:cubicBezTo>
+                  <a:cubicBezTo>
+                    <a:pt x="4307" y="5464"/>
+                    <a:pt x="4149" y="5654"/>
+                    <a:pt x="4181" y="5875"/>
+                  </a:cubicBezTo>
+                  <a:cubicBezTo>
+                    <a:pt x="4212" y="6065"/>
+                    <a:pt x="4371" y="6192"/>
+                    <a:pt x="4561" y="6192"/>
+                  </a:cubicBezTo>
+                  <a:lnTo>
+                    <a:pt x="4624" y="6192"/>
+                  </a:lnTo>
+                  <a:cubicBezTo>
+                    <a:pt x="5067" y="6129"/>
+                    <a:pt x="5479" y="5907"/>
+                    <a:pt x="5764" y="5590"/>
+                  </a:cubicBezTo>
+                  <a:cubicBezTo>
+                    <a:pt x="6176" y="5210"/>
+                    <a:pt x="6397" y="4672"/>
+                    <a:pt x="6397" y="4102"/>
+                  </a:cubicBezTo>
+                  <a:cubicBezTo>
+                    <a:pt x="6397" y="3564"/>
+                    <a:pt x="6176" y="3025"/>
+                    <a:pt x="5764" y="2645"/>
+                  </a:cubicBezTo>
+                  <a:lnTo>
+                    <a:pt x="3769" y="618"/>
+                  </a:lnTo>
+                  <a:cubicBezTo>
+                    <a:pt x="3357" y="207"/>
+                    <a:pt x="2819" y="1"/>
+                    <a:pt x="2280" y="1"/>
+                  </a:cubicBezTo>
+                  <a:close/>
+                </a:path>
+              </a:pathLst>
+            </a:custGeom>
+            <a:solidFill>
+              <a:srgbClr val="FFFFFF"/>
+            </a:solidFill>
+            <a:ln>
+              <a:noFill/>
+            </a:ln>
+          </p:spPr>
+          <p:txBody>
+            <a:bodyPr spcFirstLastPara="1" wrap="square" lIns="91425" tIns="91425" rIns="91425" bIns="91425" anchor="ctr" anchorCtr="0">
+              <a:noAutofit/>
+            </a:bodyPr>
+            <a:lstStyle/>
+            <a:p>
+              <a:pPr marL="0" lvl="0" indent="0" algn="l" rtl="0">
+                <a:spcBef>
+                  <a:spcPts val="0"/>
+                </a:spcBef>
+                <a:spcAft>
+                  <a:spcPts val="0"/>
+                </a:spcAft>
+                <a:buNone/>
+              </a:pPr>
+              <a:endParaRPr/>
+            </a:p>
+          </p:txBody>
+        </p:sp>
+        <p:sp>
+          <p:nvSpPr>
+            <p:cNvPr id="63" name="Google Shape;2396;p28"/>
+            <p:cNvSpPr/>
+            <p:nvPr/>
+          </p:nvSpPr>
+          <p:spPr>
+            <a:xfrm>
+              <a:off x="2142225" y="2098600"/>
+              <a:ext cx="120350" cy="101375"/>
+            </a:xfrm>
+            <a:custGeom>
+              <a:avLst/>
+              <a:gdLst/>
+              <a:ahLst/>
+              <a:cxnLst/>
+              <a:rect l="l" t="t" r="r" b="b"/>
+              <a:pathLst>
+                <a:path w="4814" h="4055" extrusionOk="0">
+                  <a:moveTo>
+                    <a:pt x="2407" y="1"/>
+                  </a:moveTo>
+                  <a:cubicBezTo>
+                    <a:pt x="1077" y="1"/>
+                    <a:pt x="0" y="1078"/>
+                    <a:pt x="0" y="2408"/>
+                  </a:cubicBezTo>
+                  <a:lnTo>
+                    <a:pt x="0" y="3674"/>
+                  </a:lnTo>
+                  <a:cubicBezTo>
+                    <a:pt x="0" y="3864"/>
+                    <a:pt x="158" y="4054"/>
+                    <a:pt x="380" y="4054"/>
+                  </a:cubicBezTo>
+                  <a:cubicBezTo>
+                    <a:pt x="570" y="4054"/>
+                    <a:pt x="760" y="3864"/>
+                    <a:pt x="760" y="3674"/>
+                  </a:cubicBezTo>
+                  <a:lnTo>
+                    <a:pt x="760" y="2408"/>
+                  </a:lnTo>
+                  <a:cubicBezTo>
+                    <a:pt x="760" y="1489"/>
+                    <a:pt x="1489" y="761"/>
+                    <a:pt x="2407" y="761"/>
+                  </a:cubicBezTo>
+                  <a:cubicBezTo>
+                    <a:pt x="3294" y="761"/>
+                    <a:pt x="4054" y="1489"/>
+                    <a:pt x="4054" y="2408"/>
+                  </a:cubicBezTo>
+                  <a:lnTo>
+                    <a:pt x="4054" y="3674"/>
+                  </a:lnTo>
+                  <a:cubicBezTo>
+                    <a:pt x="4054" y="3864"/>
+                    <a:pt x="4212" y="4054"/>
+                    <a:pt x="4434" y="4054"/>
+                  </a:cubicBezTo>
+                  <a:cubicBezTo>
+                    <a:pt x="4624" y="4054"/>
+                    <a:pt x="4814" y="3864"/>
+                    <a:pt x="4814" y="3674"/>
+                  </a:cubicBezTo>
+                  <a:lnTo>
+                    <a:pt x="4814" y="2408"/>
+                  </a:lnTo>
+                  <a:cubicBezTo>
+                    <a:pt x="4814" y="1078"/>
+                    <a:pt x="3737" y="1"/>
+                    <a:pt x="2407" y="1"/>
+                  </a:cubicBezTo>
+                  <a:close/>
+                </a:path>
+              </a:pathLst>
+            </a:custGeom>
+            <a:solidFill>
+              <a:srgbClr val="FFFFFF"/>
+            </a:solidFill>
+            <a:ln>
+              <a:noFill/>
+            </a:ln>
+          </p:spPr>
+          <p:txBody>
+            <a:bodyPr spcFirstLastPara="1" wrap="square" lIns="91425" tIns="91425" rIns="91425" bIns="91425" anchor="ctr" anchorCtr="0">
+              <a:noAutofit/>
+            </a:bodyPr>
+            <a:lstStyle/>
+            <a:p>
+              <a:pPr marL="0" lvl="0" indent="0" algn="l" rtl="0">
+                <a:spcBef>
+                  <a:spcPts val="0"/>
+                </a:spcBef>
+                <a:spcAft>
+                  <a:spcPts val="0"/>
+                </a:spcAft>
+                <a:buNone/>
+              </a:pPr>
+              <a:endParaRPr/>
+            </a:p>
+          </p:txBody>
+        </p:sp>
+        <p:sp>
+          <p:nvSpPr>
+            <p:cNvPr id="64" name="Google Shape;2397;p28"/>
+            <p:cNvSpPr/>
+            <p:nvPr/>
+          </p:nvSpPr>
+          <p:spPr>
+            <a:xfrm>
+              <a:off x="2093925" y="2184125"/>
+              <a:ext cx="216150" cy="164700"/>
+            </a:xfrm>
+            <a:custGeom>
+              <a:avLst/>
+              <a:gdLst/>
+              <a:ahLst/>
+              <a:cxnLst/>
+              <a:rect l="l" t="t" r="r" b="b"/>
+              <a:pathLst>
+                <a:path w="8646" h="6588" extrusionOk="0">
+                  <a:moveTo>
+                    <a:pt x="7886" y="760"/>
+                  </a:moveTo>
+                  <a:lnTo>
+                    <a:pt x="7886" y="5827"/>
+                  </a:lnTo>
+                  <a:lnTo>
+                    <a:pt x="760" y="5827"/>
+                  </a:lnTo>
+                  <a:lnTo>
+                    <a:pt x="760" y="760"/>
+                  </a:lnTo>
+                  <a:close/>
+                  <a:moveTo>
+                    <a:pt x="760" y="0"/>
+                  </a:moveTo>
+                  <a:cubicBezTo>
+                    <a:pt x="349" y="0"/>
+                    <a:pt x="0" y="348"/>
+                    <a:pt x="0" y="760"/>
+                  </a:cubicBezTo>
+                  <a:lnTo>
+                    <a:pt x="0" y="5827"/>
+                  </a:lnTo>
+                  <a:cubicBezTo>
+                    <a:pt x="0" y="6239"/>
+                    <a:pt x="349" y="6587"/>
+                    <a:pt x="760" y="6587"/>
+                  </a:cubicBezTo>
+                  <a:lnTo>
+                    <a:pt x="7886" y="6587"/>
+                  </a:lnTo>
+                  <a:cubicBezTo>
+                    <a:pt x="8298" y="6587"/>
+                    <a:pt x="8646" y="6239"/>
+                    <a:pt x="8646" y="5827"/>
+                  </a:cubicBezTo>
+                  <a:lnTo>
+                    <a:pt x="8646" y="760"/>
+                  </a:lnTo>
+                  <a:cubicBezTo>
+                    <a:pt x="8646" y="348"/>
+                    <a:pt x="8298" y="0"/>
+                    <a:pt x="7886" y="0"/>
+                  </a:cubicBezTo>
+                  <a:close/>
+                </a:path>
+              </a:pathLst>
+            </a:custGeom>
+            <a:solidFill>
+              <a:srgbClr val="FFFFFF"/>
+            </a:solidFill>
+            <a:ln>
+              <a:noFill/>
+            </a:ln>
+          </p:spPr>
+          <p:txBody>
+            <a:bodyPr spcFirstLastPara="1" wrap="square" lIns="91425" tIns="91425" rIns="91425" bIns="91425" anchor="ctr" anchorCtr="0">
+              <a:noAutofit/>
+            </a:bodyPr>
+            <a:lstStyle/>
+            <a:p>
+              <a:pPr marL="0" lvl="0" indent="0" algn="l" rtl="0">
+                <a:spcBef>
+                  <a:spcPts val="0"/>
+                </a:spcBef>
+                <a:spcAft>
+                  <a:spcPts val="0"/>
+                </a:spcAft>
+                <a:buNone/>
+              </a:pPr>
+              <a:endParaRPr/>
+            </a:p>
+          </p:txBody>
+        </p:sp>
+        <p:sp>
+          <p:nvSpPr>
+            <p:cNvPr id="66" name="Google Shape;2399;p28"/>
+            <p:cNvSpPr/>
+            <p:nvPr/>
+          </p:nvSpPr>
+          <p:spPr>
+            <a:xfrm>
+              <a:off x="1995750" y="2396300"/>
+              <a:ext cx="57025" cy="57025"/>
+            </a:xfrm>
+            <a:custGeom>
+              <a:avLst/>
+              <a:gdLst/>
+              <a:ahLst/>
+              <a:cxnLst/>
+              <a:rect l="l" t="t" r="r" b="b"/>
+              <a:pathLst>
+                <a:path w="2281" h="2281" extrusionOk="0">
+                  <a:moveTo>
+                    <a:pt x="1140" y="760"/>
+                  </a:moveTo>
+                  <a:cubicBezTo>
+                    <a:pt x="1362" y="760"/>
+                    <a:pt x="1520" y="919"/>
+                    <a:pt x="1520" y="1140"/>
+                  </a:cubicBezTo>
+                  <a:cubicBezTo>
+                    <a:pt x="1520" y="1330"/>
+                    <a:pt x="1362" y="1520"/>
+                    <a:pt x="1140" y="1520"/>
+                  </a:cubicBezTo>
+                  <a:cubicBezTo>
+                    <a:pt x="919" y="1520"/>
+                    <a:pt x="760" y="1330"/>
+                    <a:pt x="760" y="1140"/>
+                  </a:cubicBezTo>
+                  <a:cubicBezTo>
+                    <a:pt x="760" y="919"/>
+                    <a:pt x="919" y="760"/>
+                    <a:pt x="1140" y="760"/>
+                  </a:cubicBezTo>
+                  <a:close/>
+                  <a:moveTo>
+                    <a:pt x="1140" y="0"/>
+                  </a:moveTo>
+                  <a:cubicBezTo>
+                    <a:pt x="507" y="0"/>
+                    <a:pt x="0" y="507"/>
+                    <a:pt x="0" y="1140"/>
+                  </a:cubicBezTo>
+                  <a:cubicBezTo>
+                    <a:pt x="0" y="1742"/>
+                    <a:pt x="507" y="2281"/>
+                    <a:pt x="1140" y="2281"/>
+                  </a:cubicBezTo>
+                  <a:cubicBezTo>
+                    <a:pt x="1774" y="2281"/>
+                    <a:pt x="2281" y="1742"/>
+                    <a:pt x="2281" y="1140"/>
+                  </a:cubicBezTo>
+                  <a:cubicBezTo>
+                    <a:pt x="2281" y="507"/>
+                    <a:pt x="1774" y="0"/>
+                    <a:pt x="1140" y="0"/>
+                  </a:cubicBezTo>
+                  <a:close/>
+                </a:path>
+              </a:pathLst>
+            </a:custGeom>
+            <a:solidFill>
+              <a:srgbClr val="FFFFFF"/>
+            </a:solidFill>
+            <a:ln>
+              <a:noFill/>
+            </a:ln>
+          </p:spPr>
+          <p:txBody>
+            <a:bodyPr spcFirstLastPara="1" wrap="square" lIns="91425" tIns="91425" rIns="91425" bIns="91425" anchor="ctr" anchorCtr="0">
+              <a:noAutofit/>
+            </a:bodyPr>
+            <a:lstStyle/>
+            <a:p>
+              <a:pPr marL="0" lvl="0" indent="0" algn="l" rtl="0">
+                <a:spcBef>
+                  <a:spcPts val="0"/>
+                </a:spcBef>
+                <a:spcAft>
+                  <a:spcPts val="0"/>
+                </a:spcAft>
+                <a:buNone/>
+              </a:pPr>
+              <a:endParaRPr/>
+            </a:p>
+          </p:txBody>
+        </p:sp>
+        <p:sp>
+          <p:nvSpPr>
+            <p:cNvPr id="67" name="Google Shape;2400;p28"/>
+            <p:cNvSpPr/>
+            <p:nvPr/>
+          </p:nvSpPr>
+          <p:spPr>
+            <a:xfrm>
+              <a:off x="2084425" y="2396300"/>
+              <a:ext cx="57025" cy="57025"/>
+            </a:xfrm>
+            <a:custGeom>
+              <a:avLst/>
+              <a:gdLst/>
+              <a:ahLst/>
+              <a:cxnLst/>
+              <a:rect l="l" t="t" r="r" b="b"/>
+              <a:pathLst>
+                <a:path w="2281" h="2281" extrusionOk="0">
+                  <a:moveTo>
+                    <a:pt x="1140" y="760"/>
+                  </a:moveTo>
+                  <a:cubicBezTo>
+                    <a:pt x="1362" y="760"/>
+                    <a:pt x="1520" y="919"/>
+                    <a:pt x="1520" y="1140"/>
+                  </a:cubicBezTo>
+                  <a:cubicBezTo>
+                    <a:pt x="1520" y="1330"/>
+                    <a:pt x="1362" y="1520"/>
+                    <a:pt x="1140" y="1520"/>
+                  </a:cubicBezTo>
+                  <a:cubicBezTo>
+                    <a:pt x="950" y="1520"/>
+                    <a:pt x="760" y="1330"/>
+                    <a:pt x="760" y="1140"/>
+                  </a:cubicBezTo>
+                  <a:cubicBezTo>
+                    <a:pt x="760" y="919"/>
+                    <a:pt x="950" y="760"/>
+                    <a:pt x="1140" y="760"/>
+                  </a:cubicBezTo>
+                  <a:close/>
+                  <a:moveTo>
+                    <a:pt x="1140" y="0"/>
+                  </a:moveTo>
+                  <a:cubicBezTo>
+                    <a:pt x="507" y="0"/>
+                    <a:pt x="0" y="507"/>
+                    <a:pt x="0" y="1140"/>
+                  </a:cubicBezTo>
+                  <a:cubicBezTo>
+                    <a:pt x="0" y="1742"/>
+                    <a:pt x="507" y="2281"/>
+                    <a:pt x="1140" y="2281"/>
+                  </a:cubicBezTo>
+                  <a:cubicBezTo>
+                    <a:pt x="1774" y="2281"/>
+                    <a:pt x="2280" y="1742"/>
+                    <a:pt x="2280" y="1140"/>
+                  </a:cubicBezTo>
+                  <a:cubicBezTo>
+                    <a:pt x="2280" y="507"/>
+                    <a:pt x="1774" y="0"/>
+                    <a:pt x="1140" y="0"/>
+                  </a:cubicBezTo>
+                  <a:close/>
+                </a:path>
+              </a:pathLst>
+            </a:custGeom>
+            <a:solidFill>
+              <a:srgbClr val="FFFFFF"/>
+            </a:solidFill>
+            <a:ln>
+              <a:noFill/>
+            </a:ln>
+          </p:spPr>
+          <p:txBody>
+            <a:bodyPr spcFirstLastPara="1" wrap="square" lIns="91425" tIns="91425" rIns="91425" bIns="91425" anchor="ctr" anchorCtr="0">
+              <a:noAutofit/>
+            </a:bodyPr>
+            <a:lstStyle/>
+            <a:p>
+              <a:pPr marL="0" lvl="0" indent="0" algn="l" rtl="0">
+                <a:spcBef>
+                  <a:spcPts val="0"/>
+                </a:spcBef>
+                <a:spcAft>
+                  <a:spcPts val="0"/>
+                </a:spcAft>
+                <a:buNone/>
+              </a:pPr>
+              <a:endParaRPr/>
+            </a:p>
+          </p:txBody>
+        </p:sp>
+        <p:sp>
+          <p:nvSpPr>
+            <p:cNvPr id="69" name="Google Shape;2402;p28"/>
+            <p:cNvSpPr/>
+            <p:nvPr/>
+          </p:nvSpPr>
+          <p:spPr>
+            <a:xfrm>
+              <a:off x="2262550" y="2396300"/>
+              <a:ext cx="57025" cy="57025"/>
+            </a:xfrm>
+            <a:custGeom>
+              <a:avLst/>
+              <a:gdLst/>
+              <a:ahLst/>
+              <a:cxnLst/>
+              <a:rect l="l" t="t" r="r" b="b"/>
+              <a:pathLst>
+                <a:path w="2281" h="2281" extrusionOk="0">
+                  <a:moveTo>
+                    <a:pt x="1141" y="760"/>
+                  </a:moveTo>
+                  <a:cubicBezTo>
+                    <a:pt x="1363" y="760"/>
+                    <a:pt x="1521" y="919"/>
+                    <a:pt x="1521" y="1140"/>
+                  </a:cubicBezTo>
+                  <a:cubicBezTo>
+                    <a:pt x="1521" y="1330"/>
+                    <a:pt x="1363" y="1520"/>
+                    <a:pt x="1141" y="1520"/>
+                  </a:cubicBezTo>
+                  <a:cubicBezTo>
+                    <a:pt x="919" y="1520"/>
+                    <a:pt x="761" y="1330"/>
+                    <a:pt x="761" y="1140"/>
+                  </a:cubicBezTo>
+                  <a:cubicBezTo>
+                    <a:pt x="761" y="919"/>
+                    <a:pt x="919" y="760"/>
+                    <a:pt x="1141" y="760"/>
+                  </a:cubicBezTo>
+                  <a:close/>
+                  <a:moveTo>
+                    <a:pt x="1141" y="0"/>
+                  </a:moveTo>
+                  <a:cubicBezTo>
+                    <a:pt x="508" y="0"/>
+                    <a:pt x="1" y="507"/>
+                    <a:pt x="1" y="1140"/>
+                  </a:cubicBezTo>
+                  <a:cubicBezTo>
+                    <a:pt x="1" y="1742"/>
+                    <a:pt x="508" y="2281"/>
+                    <a:pt x="1141" y="2281"/>
+                  </a:cubicBezTo>
+                  <a:cubicBezTo>
+                    <a:pt x="1774" y="2281"/>
+                    <a:pt x="2281" y="1742"/>
+                    <a:pt x="2281" y="1140"/>
+                  </a:cubicBezTo>
+                  <a:cubicBezTo>
+                    <a:pt x="2281" y="507"/>
+                    <a:pt x="1774" y="0"/>
+                    <a:pt x="1141" y="0"/>
+                  </a:cubicBezTo>
+                  <a:close/>
+                </a:path>
+              </a:pathLst>
+            </a:custGeom>
+            <a:solidFill>
+              <a:srgbClr val="FFFFFF"/>
+            </a:solidFill>
+            <a:ln>
+              <a:noFill/>
+            </a:ln>
+          </p:spPr>
+          <p:txBody>
+            <a:bodyPr spcFirstLastPara="1" wrap="square" lIns="91425" tIns="91425" rIns="91425" bIns="91425" anchor="ctr" anchorCtr="0">
+              <a:noAutofit/>
+            </a:bodyPr>
+            <a:lstStyle/>
+            <a:p>
+              <a:pPr marL="0" lvl="0" indent="0" algn="l" rtl="0">
+                <a:spcBef>
+                  <a:spcPts val="0"/>
+                </a:spcBef>
+                <a:spcAft>
+                  <a:spcPts val="0"/>
+                </a:spcAft>
+                <a:buNone/>
+              </a:pPr>
+              <a:endParaRPr/>
+            </a:p>
+          </p:txBody>
+        </p:sp>
+        <p:sp>
+          <p:nvSpPr>
+            <p:cNvPr id="70" name="Google Shape;2403;p28"/>
+            <p:cNvSpPr/>
+            <p:nvPr/>
+          </p:nvSpPr>
+          <p:spPr>
+            <a:xfrm>
+              <a:off x="2351225" y="2396300"/>
+              <a:ext cx="57025" cy="57025"/>
+            </a:xfrm>
+            <a:custGeom>
+              <a:avLst/>
+              <a:gdLst/>
+              <a:ahLst/>
+              <a:cxnLst/>
+              <a:rect l="l" t="t" r="r" b="b"/>
+              <a:pathLst>
+                <a:path w="2281" h="2281" extrusionOk="0">
+                  <a:moveTo>
+                    <a:pt x="1141" y="760"/>
+                  </a:moveTo>
+                  <a:cubicBezTo>
+                    <a:pt x="1363" y="760"/>
+                    <a:pt x="1521" y="919"/>
+                    <a:pt x="1521" y="1140"/>
+                  </a:cubicBezTo>
+                  <a:cubicBezTo>
+                    <a:pt x="1521" y="1330"/>
+                    <a:pt x="1363" y="1520"/>
+                    <a:pt x="1141" y="1520"/>
+                  </a:cubicBezTo>
+                  <a:cubicBezTo>
+                    <a:pt x="951" y="1520"/>
+                    <a:pt x="761" y="1330"/>
+                    <a:pt x="761" y="1140"/>
+                  </a:cubicBezTo>
+                  <a:cubicBezTo>
+                    <a:pt x="761" y="919"/>
+                    <a:pt x="951" y="760"/>
+                    <a:pt x="1141" y="760"/>
+                  </a:cubicBezTo>
+                  <a:close/>
+                  <a:moveTo>
+                    <a:pt x="1141" y="0"/>
+                  </a:moveTo>
+                  <a:cubicBezTo>
+                    <a:pt x="507" y="0"/>
+                    <a:pt x="1" y="507"/>
+                    <a:pt x="1" y="1140"/>
+                  </a:cubicBezTo>
+                  <a:cubicBezTo>
+                    <a:pt x="1" y="1742"/>
+                    <a:pt x="507" y="2281"/>
+                    <a:pt x="1141" y="2281"/>
+                  </a:cubicBezTo>
+                  <a:cubicBezTo>
+                    <a:pt x="1774" y="2281"/>
+                    <a:pt x="2281" y="1742"/>
+                    <a:pt x="2281" y="1140"/>
+                  </a:cubicBezTo>
+                  <a:cubicBezTo>
+                    <a:pt x="2281" y="507"/>
+                    <a:pt x="1774" y="0"/>
+                    <a:pt x="1141" y="0"/>
+                  </a:cubicBezTo>
+                  <a:close/>
+                </a:path>
+              </a:pathLst>
+            </a:custGeom>
+            <a:solidFill>
+              <a:srgbClr val="FFFFFF"/>
+            </a:solidFill>
+            <a:ln>
+              <a:noFill/>
+            </a:ln>
+          </p:spPr>
+          <p:txBody>
+            <a:bodyPr spcFirstLastPara="1" wrap="square" lIns="91425" tIns="91425" rIns="91425" bIns="91425" anchor="ctr" anchorCtr="0">
+              <a:noAutofit/>
+            </a:bodyPr>
+            <a:lstStyle/>
+            <a:p>
+              <a:pPr marL="0" lvl="0" indent="0" algn="l" rtl="0">
+                <a:spcBef>
+                  <a:spcPts val="0"/>
+                </a:spcBef>
+                <a:spcAft>
+                  <a:spcPts val="0"/>
+                </a:spcAft>
+                <a:buNone/>
+              </a:pPr>
+              <a:endParaRPr/>
+            </a:p>
+          </p:txBody>
+        </p:sp>
+        <p:sp>
+          <p:nvSpPr>
+            <p:cNvPr id="72" name="Google Shape;2405;p28"/>
+            <p:cNvSpPr/>
+            <p:nvPr/>
+          </p:nvSpPr>
+          <p:spPr>
+            <a:xfrm>
+              <a:off x="2081250" y="4037525"/>
+              <a:ext cx="241500" cy="299300"/>
+            </a:xfrm>
+            <a:custGeom>
+              <a:avLst/>
+              <a:gdLst/>
+              <a:ahLst/>
+              <a:cxnLst/>
+              <a:rect l="l" t="t" r="r" b="b"/>
+              <a:pathLst>
+                <a:path w="9660" h="11972" extrusionOk="0">
+                  <a:moveTo>
+                    <a:pt x="4814" y="1"/>
+                  </a:moveTo>
+                  <a:cubicBezTo>
+                    <a:pt x="4820" y="1"/>
+                    <a:pt x="4825" y="1"/>
+                    <a:pt x="4830" y="1"/>
+                  </a:cubicBezTo>
+                  <a:lnTo>
+                    <a:pt x="4830" y="1"/>
+                  </a:lnTo>
+                  <a:cubicBezTo>
+                    <a:pt x="4835" y="1"/>
+                    <a:pt x="4841" y="1"/>
+                    <a:pt x="4846" y="1"/>
+                  </a:cubicBezTo>
+                  <a:close/>
+                  <a:moveTo>
+                    <a:pt x="4846" y="761"/>
+                  </a:moveTo>
+                  <a:cubicBezTo>
+                    <a:pt x="6239" y="2376"/>
+                    <a:pt x="7823" y="2598"/>
+                    <a:pt x="8520" y="2598"/>
+                  </a:cubicBezTo>
+                  <a:cubicBezTo>
+                    <a:pt x="8773" y="2598"/>
+                    <a:pt x="8900" y="2566"/>
+                    <a:pt x="8900" y="2566"/>
+                  </a:cubicBezTo>
+                  <a:lnTo>
+                    <a:pt x="8900" y="5955"/>
+                  </a:lnTo>
+                  <a:cubicBezTo>
+                    <a:pt x="8900" y="7792"/>
+                    <a:pt x="7918" y="9470"/>
+                    <a:pt x="6303" y="10357"/>
+                  </a:cubicBezTo>
+                  <a:lnTo>
+                    <a:pt x="4846" y="11212"/>
+                  </a:lnTo>
+                  <a:lnTo>
+                    <a:pt x="3358" y="10357"/>
+                  </a:lnTo>
+                  <a:cubicBezTo>
+                    <a:pt x="1774" y="9470"/>
+                    <a:pt x="761" y="7792"/>
+                    <a:pt x="761" y="5955"/>
+                  </a:cubicBezTo>
+                  <a:lnTo>
+                    <a:pt x="761" y="2566"/>
+                  </a:lnTo>
+                  <a:cubicBezTo>
+                    <a:pt x="761" y="2566"/>
+                    <a:pt x="919" y="2598"/>
+                    <a:pt x="1204" y="2598"/>
+                  </a:cubicBezTo>
+                  <a:cubicBezTo>
+                    <a:pt x="1901" y="2598"/>
+                    <a:pt x="3421" y="2376"/>
+                    <a:pt x="4846" y="761"/>
+                  </a:cubicBezTo>
+                  <a:close/>
+                  <a:moveTo>
+                    <a:pt x="4830" y="1"/>
+                  </a:moveTo>
+                  <a:cubicBezTo>
+                    <a:pt x="4614" y="6"/>
+                    <a:pt x="4400" y="100"/>
+                    <a:pt x="4276" y="254"/>
+                  </a:cubicBezTo>
+                  <a:cubicBezTo>
+                    <a:pt x="3041" y="1648"/>
+                    <a:pt x="1837" y="1838"/>
+                    <a:pt x="1204" y="1838"/>
+                  </a:cubicBezTo>
+                  <a:lnTo>
+                    <a:pt x="919" y="1838"/>
+                  </a:lnTo>
+                  <a:cubicBezTo>
+                    <a:pt x="856" y="1806"/>
+                    <a:pt x="824" y="1806"/>
+                    <a:pt x="761" y="1806"/>
+                  </a:cubicBezTo>
+                  <a:cubicBezTo>
+                    <a:pt x="602" y="1806"/>
+                    <a:pt x="412" y="1869"/>
+                    <a:pt x="286" y="1996"/>
+                  </a:cubicBezTo>
+                  <a:cubicBezTo>
+                    <a:pt x="96" y="2123"/>
+                    <a:pt x="1" y="2344"/>
+                    <a:pt x="1" y="2566"/>
+                  </a:cubicBezTo>
+                  <a:lnTo>
+                    <a:pt x="1" y="5955"/>
+                  </a:lnTo>
+                  <a:cubicBezTo>
+                    <a:pt x="1" y="8045"/>
+                    <a:pt x="1141" y="10008"/>
+                    <a:pt x="2977" y="11053"/>
+                  </a:cubicBezTo>
+                  <a:lnTo>
+                    <a:pt x="4466" y="11877"/>
+                  </a:lnTo>
+                  <a:cubicBezTo>
+                    <a:pt x="4593" y="11940"/>
+                    <a:pt x="4719" y="11972"/>
+                    <a:pt x="4846" y="11972"/>
+                  </a:cubicBezTo>
+                  <a:cubicBezTo>
+                    <a:pt x="4973" y="11972"/>
+                    <a:pt x="5099" y="11940"/>
+                    <a:pt x="5194" y="11877"/>
+                  </a:cubicBezTo>
+                  <a:lnTo>
+                    <a:pt x="6683" y="11053"/>
+                  </a:lnTo>
+                  <a:cubicBezTo>
+                    <a:pt x="8520" y="10008"/>
+                    <a:pt x="9660" y="8045"/>
+                    <a:pt x="9660" y="5955"/>
+                  </a:cubicBezTo>
+                  <a:lnTo>
+                    <a:pt x="9660" y="2566"/>
+                  </a:lnTo>
+                  <a:cubicBezTo>
+                    <a:pt x="9660" y="2344"/>
+                    <a:pt x="9565" y="2123"/>
+                    <a:pt x="9375" y="1996"/>
+                  </a:cubicBezTo>
+                  <a:cubicBezTo>
+                    <a:pt x="9248" y="1869"/>
+                    <a:pt x="9090" y="1806"/>
+                    <a:pt x="8900" y="1806"/>
+                  </a:cubicBezTo>
+                  <a:lnTo>
+                    <a:pt x="8773" y="1806"/>
+                  </a:lnTo>
+                  <a:cubicBezTo>
+                    <a:pt x="8773" y="1806"/>
+                    <a:pt x="8678" y="1838"/>
+                    <a:pt x="8520" y="1838"/>
+                  </a:cubicBezTo>
+                  <a:cubicBezTo>
+                    <a:pt x="7981" y="1838"/>
+                    <a:pt x="6619" y="1679"/>
+                    <a:pt x="5416" y="254"/>
+                  </a:cubicBezTo>
+                  <a:cubicBezTo>
+                    <a:pt x="5261" y="100"/>
+                    <a:pt x="5046" y="6"/>
+                    <a:pt x="4830" y="1"/>
+                  </a:cubicBezTo>
+                  <a:close/>
+                </a:path>
+              </a:pathLst>
+            </a:custGeom>
+            <a:solidFill>
+              <a:srgbClr val="FFFFFF"/>
+            </a:solidFill>
+            <a:ln>
+              <a:noFill/>
+            </a:ln>
+          </p:spPr>
+          <p:txBody>
+            <a:bodyPr spcFirstLastPara="1" wrap="square" lIns="91425" tIns="91425" rIns="91425" bIns="91425" anchor="ctr" anchorCtr="0">
+              <a:noAutofit/>
+            </a:bodyPr>
+            <a:lstStyle/>
+            <a:p>
+              <a:pPr marL="0" lvl="0" indent="0" algn="l" rtl="0">
+                <a:spcBef>
+                  <a:spcPts val="0"/>
+                </a:spcBef>
+                <a:spcAft>
+                  <a:spcPts val="0"/>
+                </a:spcAft>
+                <a:buNone/>
+              </a:pPr>
+              <a:endParaRPr/>
+            </a:p>
+          </p:txBody>
+        </p:sp>
+        <p:sp>
+          <p:nvSpPr>
+            <p:cNvPr id="73" name="Google Shape;2406;p28"/>
+            <p:cNvSpPr/>
+            <p:nvPr/>
+          </p:nvSpPr>
+          <p:spPr>
+            <a:xfrm>
+              <a:off x="2192875" y="4042275"/>
+              <a:ext cx="19025" cy="288225"/>
+            </a:xfrm>
+            <a:custGeom>
+              <a:avLst/>
+              <a:gdLst/>
+              <a:ahLst/>
+              <a:cxnLst/>
+              <a:rect l="l" t="t" r="r" b="b"/>
+              <a:pathLst>
+                <a:path w="761" h="11529" extrusionOk="0">
+                  <a:moveTo>
+                    <a:pt x="381" y="1"/>
+                  </a:moveTo>
+                  <a:cubicBezTo>
+                    <a:pt x="159" y="1"/>
+                    <a:pt x="1" y="159"/>
+                    <a:pt x="1" y="381"/>
+                  </a:cubicBezTo>
+                  <a:lnTo>
+                    <a:pt x="1" y="11148"/>
+                  </a:lnTo>
+                  <a:cubicBezTo>
+                    <a:pt x="1" y="11370"/>
+                    <a:pt x="159" y="11528"/>
+                    <a:pt x="381" y="11528"/>
+                  </a:cubicBezTo>
+                  <a:cubicBezTo>
+                    <a:pt x="571" y="11528"/>
+                    <a:pt x="761" y="11370"/>
+                    <a:pt x="761" y="11148"/>
+                  </a:cubicBezTo>
+                  <a:lnTo>
+                    <a:pt x="761" y="381"/>
+                  </a:lnTo>
+                  <a:cubicBezTo>
+                    <a:pt x="761" y="159"/>
+                    <a:pt x="571" y="1"/>
+                    <a:pt x="381" y="1"/>
+                  </a:cubicBezTo>
+                  <a:close/>
+                </a:path>
+              </a:pathLst>
+            </a:custGeom>
+            <a:solidFill>
+              <a:srgbClr val="FFFFFF"/>
+            </a:solidFill>
+            <a:ln>
+              <a:noFill/>
+            </a:ln>
+          </p:spPr>
+          <p:txBody>
+            <a:bodyPr spcFirstLastPara="1" wrap="square" lIns="91425" tIns="91425" rIns="91425" bIns="91425" anchor="ctr" anchorCtr="0">
+              <a:noAutofit/>
+            </a:bodyPr>
+            <a:lstStyle/>
+            <a:p>
+              <a:pPr marL="0" lvl="0" indent="0" algn="l" rtl="0">
+                <a:spcBef>
+                  <a:spcPts val="0"/>
+                </a:spcBef>
+                <a:spcAft>
+                  <a:spcPts val="0"/>
+                </a:spcAft>
+                <a:buNone/>
+              </a:pPr>
+              <a:endParaRPr/>
+            </a:p>
+          </p:txBody>
+        </p:sp>
+        <p:sp>
+          <p:nvSpPr>
+            <p:cNvPr id="75" name="Google Shape;2408;p28"/>
+            <p:cNvSpPr/>
+            <p:nvPr/>
+          </p:nvSpPr>
+          <p:spPr>
+            <a:xfrm>
+              <a:off x="2255425" y="3324400"/>
+              <a:ext cx="77625" cy="76625"/>
+            </a:xfrm>
+            <a:custGeom>
+              <a:avLst/>
+              <a:gdLst/>
+              <a:ahLst/>
+              <a:cxnLst/>
+              <a:rect l="l" t="t" r="r" b="b"/>
+              <a:pathLst>
+                <a:path w="3105" h="3065" extrusionOk="0">
+                  <a:moveTo>
+                    <a:pt x="397" y="0"/>
+                  </a:moveTo>
+                  <a:cubicBezTo>
+                    <a:pt x="302" y="0"/>
+                    <a:pt x="207" y="40"/>
+                    <a:pt x="127" y="119"/>
+                  </a:cubicBezTo>
+                  <a:cubicBezTo>
+                    <a:pt x="1" y="277"/>
+                    <a:pt x="1" y="499"/>
+                    <a:pt x="127" y="657"/>
+                  </a:cubicBezTo>
+                  <a:lnTo>
+                    <a:pt x="2408" y="2938"/>
+                  </a:lnTo>
+                  <a:cubicBezTo>
+                    <a:pt x="2503" y="3033"/>
+                    <a:pt x="2598" y="3064"/>
+                    <a:pt x="2693" y="3064"/>
+                  </a:cubicBezTo>
+                  <a:cubicBezTo>
+                    <a:pt x="2788" y="3064"/>
+                    <a:pt x="2883" y="3001"/>
+                    <a:pt x="2946" y="2938"/>
+                  </a:cubicBezTo>
+                  <a:cubicBezTo>
+                    <a:pt x="3104" y="2779"/>
+                    <a:pt x="3104" y="2557"/>
+                    <a:pt x="2946" y="2399"/>
+                  </a:cubicBezTo>
+                  <a:lnTo>
+                    <a:pt x="666" y="119"/>
+                  </a:lnTo>
+                  <a:cubicBezTo>
+                    <a:pt x="587" y="40"/>
+                    <a:pt x="492" y="0"/>
+                    <a:pt x="397" y="0"/>
+                  </a:cubicBezTo>
+                  <a:close/>
+                </a:path>
+              </a:pathLst>
+            </a:custGeom>
+            <a:solidFill>
+              <a:srgbClr val="FFFFFF"/>
+            </a:solidFill>
+            <a:ln>
+              <a:noFill/>
+            </a:ln>
+          </p:spPr>
+          <p:txBody>
+            <a:bodyPr spcFirstLastPara="1" wrap="square" lIns="91425" tIns="91425" rIns="91425" bIns="91425" anchor="ctr" anchorCtr="0">
+              <a:noAutofit/>
+            </a:bodyPr>
+            <a:lstStyle/>
+            <a:p>
+              <a:pPr marL="0" lvl="0" indent="0" algn="l" rtl="0">
+                <a:spcBef>
+                  <a:spcPts val="0"/>
+                </a:spcBef>
+                <a:spcAft>
+                  <a:spcPts val="0"/>
+                </a:spcAft>
+                <a:buNone/>
+              </a:pPr>
+              <a:endParaRPr/>
+            </a:p>
+          </p:txBody>
+        </p:sp>
+        <p:sp>
+          <p:nvSpPr>
+            <p:cNvPr id="76" name="Google Shape;2409;p28"/>
+            <p:cNvSpPr/>
+            <p:nvPr/>
+          </p:nvSpPr>
+          <p:spPr>
+            <a:xfrm>
+              <a:off x="2070950" y="3324400"/>
+              <a:ext cx="78425" cy="76625"/>
+            </a:xfrm>
+            <a:custGeom>
+              <a:avLst/>
+              <a:gdLst/>
+              <a:ahLst/>
+              <a:cxnLst/>
+              <a:rect l="l" t="t" r="r" b="b"/>
+              <a:pathLst>
+                <a:path w="3137" h="3065" extrusionOk="0">
+                  <a:moveTo>
+                    <a:pt x="2709" y="0"/>
+                  </a:moveTo>
+                  <a:cubicBezTo>
+                    <a:pt x="2614" y="0"/>
+                    <a:pt x="2519" y="40"/>
+                    <a:pt x="2439" y="119"/>
+                  </a:cubicBezTo>
+                  <a:lnTo>
+                    <a:pt x="159" y="2399"/>
+                  </a:lnTo>
+                  <a:cubicBezTo>
+                    <a:pt x="1" y="2557"/>
+                    <a:pt x="1" y="2779"/>
+                    <a:pt x="159" y="2938"/>
+                  </a:cubicBezTo>
+                  <a:cubicBezTo>
+                    <a:pt x="223" y="3033"/>
+                    <a:pt x="318" y="3064"/>
+                    <a:pt x="413" y="3064"/>
+                  </a:cubicBezTo>
+                  <a:cubicBezTo>
+                    <a:pt x="508" y="3064"/>
+                    <a:pt x="603" y="3001"/>
+                    <a:pt x="698" y="2938"/>
+                  </a:cubicBezTo>
+                  <a:lnTo>
+                    <a:pt x="2978" y="657"/>
+                  </a:lnTo>
+                  <a:cubicBezTo>
+                    <a:pt x="3136" y="499"/>
+                    <a:pt x="3136" y="277"/>
+                    <a:pt x="2978" y="119"/>
+                  </a:cubicBezTo>
+                  <a:cubicBezTo>
+                    <a:pt x="2899" y="40"/>
+                    <a:pt x="2804" y="0"/>
+                    <a:pt x="2709" y="0"/>
+                  </a:cubicBezTo>
+                  <a:close/>
+                </a:path>
+              </a:pathLst>
+            </a:custGeom>
+            <a:solidFill>
+              <a:srgbClr val="FFFFFF"/>
+            </a:solidFill>
+            <a:ln>
+              <a:noFill/>
+            </a:ln>
+          </p:spPr>
+          <p:txBody>
+            <a:bodyPr spcFirstLastPara="1" wrap="square" lIns="91425" tIns="91425" rIns="91425" bIns="91425" anchor="ctr" anchorCtr="0">
+              <a:noAutofit/>
+            </a:bodyPr>
+            <a:lstStyle/>
+            <a:p>
+              <a:pPr marL="0" lvl="0" indent="0" algn="l" rtl="0">
+                <a:spcBef>
+                  <a:spcPts val="0"/>
+                </a:spcBef>
+                <a:spcAft>
+                  <a:spcPts val="0"/>
+                </a:spcAft>
+                <a:buNone/>
+              </a:pPr>
+              <a:endParaRPr/>
+            </a:p>
+          </p:txBody>
+        </p:sp>
+        <p:sp>
+          <p:nvSpPr>
+            <p:cNvPr id="77" name="Google Shape;2410;p28"/>
+            <p:cNvSpPr/>
+            <p:nvPr/>
+          </p:nvSpPr>
+          <p:spPr>
+            <a:xfrm>
+              <a:off x="2064625" y="3229600"/>
+              <a:ext cx="275550" cy="114425"/>
+            </a:xfrm>
+            <a:custGeom>
+              <a:avLst/>
+              <a:gdLst/>
+              <a:ahLst/>
+              <a:cxnLst/>
+              <a:rect l="l" t="t" r="r" b="b"/>
+              <a:pathLst>
+                <a:path w="11022" h="4577" extrusionOk="0">
+                  <a:moveTo>
+                    <a:pt x="414" y="1"/>
+                  </a:moveTo>
+                  <a:cubicBezTo>
+                    <a:pt x="307" y="1"/>
+                    <a:pt x="201" y="50"/>
+                    <a:pt x="127" y="142"/>
+                  </a:cubicBezTo>
+                  <a:cubicBezTo>
+                    <a:pt x="1" y="301"/>
+                    <a:pt x="32" y="554"/>
+                    <a:pt x="191" y="681"/>
+                  </a:cubicBezTo>
+                  <a:lnTo>
+                    <a:pt x="5258" y="4481"/>
+                  </a:lnTo>
+                  <a:cubicBezTo>
+                    <a:pt x="5321" y="4544"/>
+                    <a:pt x="5384" y="4576"/>
+                    <a:pt x="5479" y="4576"/>
+                  </a:cubicBezTo>
+                  <a:cubicBezTo>
+                    <a:pt x="5543" y="4576"/>
+                    <a:pt x="5638" y="4544"/>
+                    <a:pt x="5701" y="4481"/>
+                  </a:cubicBezTo>
+                  <a:lnTo>
+                    <a:pt x="10800" y="681"/>
+                  </a:lnTo>
+                  <a:cubicBezTo>
+                    <a:pt x="10990" y="554"/>
+                    <a:pt x="11021" y="301"/>
+                    <a:pt x="10895" y="142"/>
+                  </a:cubicBezTo>
+                  <a:cubicBezTo>
+                    <a:pt x="10821" y="50"/>
+                    <a:pt x="10704" y="1"/>
+                    <a:pt x="10588" y="1"/>
+                  </a:cubicBezTo>
+                  <a:cubicBezTo>
+                    <a:pt x="10505" y="1"/>
+                    <a:pt x="10422" y="26"/>
+                    <a:pt x="10356" y="79"/>
+                  </a:cubicBezTo>
+                  <a:lnTo>
+                    <a:pt x="5479" y="3721"/>
+                  </a:lnTo>
+                  <a:lnTo>
+                    <a:pt x="634" y="79"/>
+                  </a:lnTo>
+                  <a:cubicBezTo>
+                    <a:pt x="568" y="26"/>
+                    <a:pt x="491" y="1"/>
+                    <a:pt x="414" y="1"/>
+                  </a:cubicBezTo>
+                  <a:close/>
+                </a:path>
+              </a:pathLst>
+            </a:custGeom>
+            <a:solidFill>
+              <a:srgbClr val="FFFFFF"/>
+            </a:solidFill>
+            <a:ln>
+              <a:noFill/>
+            </a:ln>
+          </p:spPr>
+          <p:txBody>
+            <a:bodyPr spcFirstLastPara="1" wrap="square" lIns="91425" tIns="91425" rIns="91425" bIns="91425" anchor="ctr" anchorCtr="0">
+              <a:noAutofit/>
+            </a:bodyPr>
+            <a:lstStyle/>
+            <a:p>
+              <a:pPr marL="0" lvl="0" indent="0" algn="l" rtl="0">
+                <a:spcBef>
+                  <a:spcPts val="0"/>
+                </a:spcBef>
+                <a:spcAft>
+                  <a:spcPts val="0"/>
+                </a:spcAft>
+                <a:buNone/>
+              </a:pPr>
+              <a:endParaRPr/>
+            </a:p>
+          </p:txBody>
+        </p:sp>
+        <p:sp>
+          <p:nvSpPr>
+            <p:cNvPr id="78" name="Google Shape;2411;p28"/>
+            <p:cNvSpPr/>
+            <p:nvPr/>
+          </p:nvSpPr>
+          <p:spPr>
+            <a:xfrm>
+              <a:off x="2092325" y="3046300"/>
+              <a:ext cx="219350" cy="220125"/>
+            </a:xfrm>
+            <a:custGeom>
+              <a:avLst/>
+              <a:gdLst/>
+              <a:ahLst/>
+              <a:cxnLst/>
+              <a:rect l="l" t="t" r="r" b="b"/>
+              <a:pathLst>
+                <a:path w="8774" h="8805" extrusionOk="0">
+                  <a:moveTo>
+                    <a:pt x="413" y="1"/>
+                  </a:moveTo>
+                  <a:cubicBezTo>
+                    <a:pt x="191" y="1"/>
+                    <a:pt x="1" y="159"/>
+                    <a:pt x="1" y="381"/>
+                  </a:cubicBezTo>
+                  <a:lnTo>
+                    <a:pt x="1" y="8424"/>
+                  </a:lnTo>
+                  <a:cubicBezTo>
+                    <a:pt x="1" y="8646"/>
+                    <a:pt x="191" y="8804"/>
+                    <a:pt x="413" y="8804"/>
+                  </a:cubicBezTo>
+                  <a:cubicBezTo>
+                    <a:pt x="634" y="8804"/>
+                    <a:pt x="793" y="8646"/>
+                    <a:pt x="793" y="8424"/>
+                  </a:cubicBezTo>
+                  <a:lnTo>
+                    <a:pt x="793" y="761"/>
+                  </a:lnTo>
+                  <a:lnTo>
+                    <a:pt x="7982" y="761"/>
+                  </a:lnTo>
+                  <a:lnTo>
+                    <a:pt x="7982" y="8393"/>
+                  </a:lnTo>
+                  <a:cubicBezTo>
+                    <a:pt x="7982" y="8614"/>
+                    <a:pt x="8172" y="8804"/>
+                    <a:pt x="8393" y="8804"/>
+                  </a:cubicBezTo>
+                  <a:cubicBezTo>
+                    <a:pt x="8583" y="8804"/>
+                    <a:pt x="8773" y="8614"/>
+                    <a:pt x="8773" y="8393"/>
+                  </a:cubicBezTo>
+                  <a:lnTo>
+                    <a:pt x="8773" y="381"/>
+                  </a:lnTo>
+                  <a:cubicBezTo>
+                    <a:pt x="8773" y="159"/>
+                    <a:pt x="8583" y="1"/>
+                    <a:pt x="8393" y="1"/>
+                  </a:cubicBezTo>
+                  <a:close/>
+                </a:path>
+              </a:pathLst>
+            </a:custGeom>
+            <a:solidFill>
+              <a:srgbClr val="FFFFFF"/>
+            </a:solidFill>
+            <a:ln>
+              <a:noFill/>
+            </a:ln>
+          </p:spPr>
+          <p:txBody>
+            <a:bodyPr spcFirstLastPara="1" wrap="square" lIns="91425" tIns="91425" rIns="91425" bIns="91425" anchor="ctr" anchorCtr="0">
+              <a:noAutofit/>
+            </a:bodyPr>
+            <a:lstStyle/>
+            <a:p>
+              <a:pPr marL="0" lvl="0" indent="0" algn="l" rtl="0">
+                <a:spcBef>
+                  <a:spcPts val="0"/>
+                </a:spcBef>
+                <a:spcAft>
+                  <a:spcPts val="0"/>
+                </a:spcAft>
+                <a:buNone/>
+              </a:pPr>
+              <a:endParaRPr/>
+            </a:p>
+          </p:txBody>
+        </p:sp>
+        <p:sp>
+          <p:nvSpPr>
+            <p:cNvPr id="79" name="Google Shape;2412;p28"/>
+            <p:cNvSpPr/>
+            <p:nvPr/>
+          </p:nvSpPr>
+          <p:spPr>
+            <a:xfrm>
+              <a:off x="2062250" y="3165850"/>
+              <a:ext cx="279500" cy="244675"/>
+            </a:xfrm>
+            <a:custGeom>
+              <a:avLst/>
+              <a:gdLst/>
+              <a:ahLst/>
+              <a:cxnLst/>
+              <a:rect l="l" t="t" r="r" b="b"/>
+              <a:pathLst>
+                <a:path w="11180" h="9787" extrusionOk="0">
+                  <a:moveTo>
+                    <a:pt x="2027" y="1"/>
+                  </a:moveTo>
+                  <a:lnTo>
+                    <a:pt x="286" y="1299"/>
+                  </a:lnTo>
+                  <a:cubicBezTo>
+                    <a:pt x="254" y="1331"/>
+                    <a:pt x="222" y="1362"/>
+                    <a:pt x="191" y="1426"/>
+                  </a:cubicBezTo>
+                  <a:cubicBezTo>
+                    <a:pt x="64" y="1552"/>
+                    <a:pt x="1" y="1711"/>
+                    <a:pt x="1" y="1901"/>
+                  </a:cubicBezTo>
+                  <a:lnTo>
+                    <a:pt x="1" y="8995"/>
+                  </a:lnTo>
+                  <a:cubicBezTo>
+                    <a:pt x="1" y="9438"/>
+                    <a:pt x="349" y="9786"/>
+                    <a:pt x="761" y="9786"/>
+                  </a:cubicBezTo>
+                  <a:lnTo>
+                    <a:pt x="10420" y="9786"/>
+                  </a:lnTo>
+                  <a:cubicBezTo>
+                    <a:pt x="10831" y="9786"/>
+                    <a:pt x="11180" y="9438"/>
+                    <a:pt x="11180" y="8995"/>
+                  </a:cubicBezTo>
+                  <a:lnTo>
+                    <a:pt x="11180" y="1901"/>
+                  </a:lnTo>
+                  <a:cubicBezTo>
+                    <a:pt x="11180" y="1711"/>
+                    <a:pt x="11116" y="1552"/>
+                    <a:pt x="11021" y="1426"/>
+                  </a:cubicBezTo>
+                  <a:cubicBezTo>
+                    <a:pt x="10990" y="1362"/>
+                    <a:pt x="10958" y="1331"/>
+                    <a:pt x="10895" y="1299"/>
+                  </a:cubicBezTo>
+                  <a:lnTo>
+                    <a:pt x="9185" y="1"/>
+                  </a:lnTo>
+                  <a:lnTo>
+                    <a:pt x="9185" y="951"/>
+                  </a:lnTo>
+                  <a:lnTo>
+                    <a:pt x="9406" y="1141"/>
+                  </a:lnTo>
+                  <a:lnTo>
+                    <a:pt x="10420" y="1901"/>
+                  </a:lnTo>
+                  <a:lnTo>
+                    <a:pt x="10420" y="8995"/>
+                  </a:lnTo>
+                  <a:lnTo>
+                    <a:pt x="761" y="8995"/>
+                  </a:lnTo>
+                  <a:lnTo>
+                    <a:pt x="761" y="1901"/>
+                  </a:lnTo>
+                  <a:lnTo>
+                    <a:pt x="1774" y="1141"/>
+                  </a:lnTo>
+                  <a:lnTo>
+                    <a:pt x="2027" y="951"/>
+                  </a:lnTo>
+                  <a:lnTo>
+                    <a:pt x="2027" y="1"/>
+                  </a:lnTo>
+                  <a:close/>
+                </a:path>
+              </a:pathLst>
+            </a:custGeom>
+            <a:solidFill>
+              <a:srgbClr val="FFFFFF"/>
+            </a:solidFill>
+            <a:ln>
+              <a:noFill/>
+            </a:ln>
+          </p:spPr>
+          <p:txBody>
+            <a:bodyPr spcFirstLastPara="1" wrap="square" lIns="91425" tIns="91425" rIns="91425" bIns="91425" anchor="ctr" anchorCtr="0">
+              <a:noAutofit/>
+            </a:bodyPr>
+            <a:lstStyle/>
+            <a:p>
+              <a:pPr marL="0" lvl="0" indent="0" algn="l" rtl="0">
+                <a:spcBef>
+                  <a:spcPts val="0"/>
+                </a:spcBef>
+                <a:spcAft>
+                  <a:spcPts val="0"/>
+                </a:spcAft>
+                <a:buNone/>
+              </a:pPr>
+              <a:endParaRPr/>
+            </a:p>
+          </p:txBody>
+        </p:sp>
+        <p:sp>
+          <p:nvSpPr>
+            <p:cNvPr id="80" name="Google Shape;2413;p28"/>
+            <p:cNvSpPr/>
+            <p:nvPr/>
+          </p:nvSpPr>
+          <p:spPr>
+            <a:xfrm>
+              <a:off x="2134300" y="3089050"/>
+              <a:ext cx="140950" cy="19025"/>
+            </a:xfrm>
+            <a:custGeom>
+              <a:avLst/>
+              <a:gdLst/>
+              <a:ahLst/>
+              <a:cxnLst/>
+              <a:rect l="l" t="t" r="r" b="b"/>
+              <a:pathLst>
+                <a:path w="5638" h="761" extrusionOk="0">
+                  <a:moveTo>
+                    <a:pt x="380" y="1"/>
+                  </a:moveTo>
+                  <a:cubicBezTo>
+                    <a:pt x="190" y="1"/>
+                    <a:pt x="0" y="159"/>
+                    <a:pt x="0" y="381"/>
+                  </a:cubicBezTo>
+                  <a:cubicBezTo>
+                    <a:pt x="0" y="602"/>
+                    <a:pt x="190" y="761"/>
+                    <a:pt x="380" y="761"/>
+                  </a:cubicBezTo>
+                  <a:lnTo>
+                    <a:pt x="5257" y="761"/>
+                  </a:lnTo>
+                  <a:cubicBezTo>
+                    <a:pt x="5448" y="761"/>
+                    <a:pt x="5638" y="602"/>
+                    <a:pt x="5638" y="381"/>
+                  </a:cubicBezTo>
+                  <a:cubicBezTo>
+                    <a:pt x="5638" y="159"/>
+                    <a:pt x="5448" y="1"/>
+                    <a:pt x="5257" y="1"/>
+                  </a:cubicBezTo>
+                  <a:close/>
+                </a:path>
+              </a:pathLst>
+            </a:custGeom>
+            <a:solidFill>
+              <a:srgbClr val="FFFFFF"/>
+            </a:solidFill>
+            <a:ln>
+              <a:noFill/>
+            </a:ln>
+          </p:spPr>
+          <p:txBody>
+            <a:bodyPr spcFirstLastPara="1" wrap="square" lIns="91425" tIns="91425" rIns="91425" bIns="91425" anchor="ctr" anchorCtr="0">
+              <a:noAutofit/>
+            </a:bodyPr>
+            <a:lstStyle/>
+            <a:p>
+              <a:pPr marL="0" lvl="0" indent="0" algn="l" rtl="0">
+                <a:spcBef>
+                  <a:spcPts val="0"/>
+                </a:spcBef>
+                <a:spcAft>
+                  <a:spcPts val="0"/>
+                </a:spcAft>
+                <a:buNone/>
+              </a:pPr>
+              <a:endParaRPr/>
+            </a:p>
+          </p:txBody>
+        </p:sp>
+        <p:sp>
+          <p:nvSpPr>
+            <p:cNvPr id="81" name="Google Shape;2414;p28"/>
+            <p:cNvSpPr/>
+            <p:nvPr/>
+          </p:nvSpPr>
+          <p:spPr>
+            <a:xfrm>
+              <a:off x="2134300" y="3131800"/>
+              <a:ext cx="140950" cy="19025"/>
+            </a:xfrm>
+            <a:custGeom>
+              <a:avLst/>
+              <a:gdLst/>
+              <a:ahLst/>
+              <a:cxnLst/>
+              <a:rect l="l" t="t" r="r" b="b"/>
+              <a:pathLst>
+                <a:path w="5638" h="761" extrusionOk="0">
+                  <a:moveTo>
+                    <a:pt x="380" y="1"/>
+                  </a:moveTo>
+                  <a:cubicBezTo>
+                    <a:pt x="190" y="1"/>
+                    <a:pt x="0" y="191"/>
+                    <a:pt x="0" y="381"/>
+                  </a:cubicBezTo>
+                  <a:cubicBezTo>
+                    <a:pt x="0" y="602"/>
+                    <a:pt x="190" y="761"/>
+                    <a:pt x="380" y="761"/>
+                  </a:cubicBezTo>
+                  <a:lnTo>
+                    <a:pt x="5257" y="761"/>
+                  </a:lnTo>
+                  <a:cubicBezTo>
+                    <a:pt x="5448" y="761"/>
+                    <a:pt x="5638" y="602"/>
+                    <a:pt x="5638" y="381"/>
+                  </a:cubicBezTo>
+                  <a:cubicBezTo>
+                    <a:pt x="5638" y="191"/>
+                    <a:pt x="5448" y="1"/>
+                    <a:pt x="5257" y="1"/>
+                  </a:cubicBezTo>
+                  <a:close/>
+                </a:path>
+              </a:pathLst>
+            </a:custGeom>
+            <a:solidFill>
+              <a:srgbClr val="FFFFFF"/>
+            </a:solidFill>
+            <a:ln>
+              <a:noFill/>
+            </a:ln>
+          </p:spPr>
+          <p:txBody>
+            <a:bodyPr spcFirstLastPara="1" wrap="square" lIns="91425" tIns="91425" rIns="91425" bIns="91425" anchor="ctr" anchorCtr="0">
+              <a:noAutofit/>
+            </a:bodyPr>
+            <a:lstStyle/>
+            <a:p>
+              <a:pPr marL="0" lvl="0" indent="0" algn="l" rtl="0">
+                <a:spcBef>
+                  <a:spcPts val="0"/>
+                </a:spcBef>
+                <a:spcAft>
+                  <a:spcPts val="0"/>
+                </a:spcAft>
+                <a:buNone/>
+              </a:pPr>
+              <a:endParaRPr/>
+            </a:p>
+          </p:txBody>
+        </p:sp>
+        <p:sp>
+          <p:nvSpPr>
+            <p:cNvPr id="82" name="Google Shape;2415;p28"/>
+            <p:cNvSpPr/>
+            <p:nvPr/>
+          </p:nvSpPr>
+          <p:spPr>
+            <a:xfrm>
+              <a:off x="2134300" y="3174550"/>
+              <a:ext cx="140950" cy="19025"/>
+            </a:xfrm>
+            <a:custGeom>
+              <a:avLst/>
+              <a:gdLst/>
+              <a:ahLst/>
+              <a:cxnLst/>
+              <a:rect l="l" t="t" r="r" b="b"/>
+              <a:pathLst>
+                <a:path w="5638" h="761" extrusionOk="0">
+                  <a:moveTo>
+                    <a:pt x="380" y="1"/>
+                  </a:moveTo>
+                  <a:cubicBezTo>
+                    <a:pt x="190" y="1"/>
+                    <a:pt x="0" y="191"/>
+                    <a:pt x="0" y="381"/>
+                  </a:cubicBezTo>
+                  <a:cubicBezTo>
+                    <a:pt x="0" y="603"/>
+                    <a:pt x="190" y="761"/>
+                    <a:pt x="380" y="761"/>
+                  </a:cubicBezTo>
+                  <a:lnTo>
+                    <a:pt x="5257" y="761"/>
+                  </a:lnTo>
+                  <a:cubicBezTo>
+                    <a:pt x="5448" y="761"/>
+                    <a:pt x="5638" y="603"/>
+                    <a:pt x="5638" y="381"/>
+                  </a:cubicBezTo>
+                  <a:cubicBezTo>
+                    <a:pt x="5638" y="191"/>
+                    <a:pt x="5448" y="1"/>
+                    <a:pt x="5257" y="1"/>
+                  </a:cubicBezTo>
+                  <a:close/>
+                </a:path>
+              </a:pathLst>
+            </a:custGeom>
+            <a:solidFill>
+              <a:srgbClr val="FFFFFF"/>
+            </a:solidFill>
+            <a:ln>
+              <a:noFill/>
+            </a:ln>
+          </p:spPr>
+          <p:txBody>
+            <a:bodyPr spcFirstLastPara="1" wrap="square" lIns="91425" tIns="91425" rIns="91425" bIns="91425" anchor="ctr" anchorCtr="0">
+              <a:noAutofit/>
+            </a:bodyPr>
+            <a:lstStyle/>
+            <a:p>
+              <a:pPr marL="0" lvl="0" indent="0" algn="l" rtl="0">
+                <a:spcBef>
+                  <a:spcPts val="0"/>
+                </a:spcBef>
+                <a:spcAft>
+                  <a:spcPts val="0"/>
+                </a:spcAft>
+                <a:buNone/>
+              </a:pPr>
+              <a:endParaRPr/>
+            </a:p>
+          </p:txBody>
+        </p:sp>
+        <p:sp>
+          <p:nvSpPr>
+            <p:cNvPr id="83" name="Google Shape;2416;p28"/>
+            <p:cNvSpPr/>
+            <p:nvPr/>
+          </p:nvSpPr>
+          <p:spPr>
+            <a:xfrm>
+              <a:off x="2134300" y="3217325"/>
+              <a:ext cx="140950" cy="19025"/>
+            </a:xfrm>
+            <a:custGeom>
+              <a:avLst/>
+              <a:gdLst/>
+              <a:ahLst/>
+              <a:cxnLst/>
+              <a:rect l="l" t="t" r="r" b="b"/>
+              <a:pathLst>
+                <a:path w="5638" h="761" extrusionOk="0">
+                  <a:moveTo>
+                    <a:pt x="380" y="0"/>
+                  </a:moveTo>
+                  <a:cubicBezTo>
+                    <a:pt x="190" y="0"/>
+                    <a:pt x="0" y="190"/>
+                    <a:pt x="0" y="380"/>
+                  </a:cubicBezTo>
+                  <a:cubicBezTo>
+                    <a:pt x="0" y="602"/>
+                    <a:pt x="190" y="760"/>
+                    <a:pt x="380" y="760"/>
+                  </a:cubicBezTo>
+                  <a:lnTo>
+                    <a:pt x="5257" y="760"/>
+                  </a:lnTo>
+                  <a:cubicBezTo>
+                    <a:pt x="5448" y="760"/>
+                    <a:pt x="5638" y="602"/>
+                    <a:pt x="5638" y="380"/>
+                  </a:cubicBezTo>
+                  <a:cubicBezTo>
+                    <a:pt x="5638" y="190"/>
+                    <a:pt x="5448" y="0"/>
+                    <a:pt x="5257" y="0"/>
+                  </a:cubicBezTo>
+                  <a:close/>
+                </a:path>
+              </a:pathLst>
+            </a:custGeom>
+            <a:solidFill>
+              <a:srgbClr val="FFFFFF"/>
+            </a:solidFill>
+            <a:ln>
+              <a:noFill/>
+            </a:ln>
+          </p:spPr>
+          <p:txBody>
+            <a:bodyPr spcFirstLastPara="1" wrap="square" lIns="91425" tIns="91425" rIns="91425" bIns="91425" anchor="ctr" anchorCtr="0">
+              <a:noAutofit/>
+            </a:bodyPr>
+            <a:lstStyle/>
+            <a:p>
+              <a:pPr marL="0" lvl="0" indent="0" algn="l" rtl="0">
+                <a:spcBef>
+                  <a:spcPts val="0"/>
+                </a:spcBef>
+                <a:spcAft>
+                  <a:spcPts val="0"/>
+                </a:spcAft>
+                <a:buNone/>
+              </a:pPr>
+              <a:endParaRPr/>
+            </a:p>
+          </p:txBody>
+        </p:sp>
+      </p:grpSp>
+      <p:pic>
+        <p:nvPicPr>
           <p:cNvPr id="2" name="Imagem 1"/>
           <p:cNvPicPr>
             <a:picLocks/>
@@ -21024,7 +24073,7 @@
 </p:sld>
 </file>
 
-<file path=ppt/slides/slide12.xml><?xml version="1.0" encoding="utf-8"?>
+<file path=ppt/slides/slide13.xml><?xml version="1.0" encoding="utf-8"?>
 <p:sld xmlns:a="http://schemas.openxmlformats.org/drawingml/2006/main" xmlns:r="http://schemas.openxmlformats.org/officeDocument/2006/relationships" xmlns:p="http://schemas.openxmlformats.org/presentationml/2006/main">
   <p:cSld>
     <p:spTree>
@@ -49384,7 +52433,13 @@
       </p:grpSp>
       <p:pic>
         <p:nvPicPr>
-          <p:cNvPr id="2" name="Imagem 1"/>
+          <p:cNvPr id="35" name="Imagem 34">
+            <a:extLst>
+              <a:ext uri="{FF2B5EF4-FFF2-40B4-BE49-F238E27FC236}">
+                <a16:creationId xmlns:a16="http://schemas.microsoft.com/office/drawing/2014/main" id="{4B0F56D6-9D07-4707-8DA6-B79864C4893E}"/>
+              </a:ext>
+            </a:extLst>
+          </p:cNvPr>
           <p:cNvPicPr>
             <a:picLocks/>
           </p:cNvPicPr>
@@ -49398,8 +52453,8 @@
         </p:blipFill>
         <p:spPr>
           <a:xfrm>
-            <a:off x="512800" y="277829"/>
-            <a:ext cx="8054321" cy="4087843"/>
+            <a:off x="513126" y="149977"/>
+            <a:ext cx="8051754" cy="4223903"/>
           </a:xfrm>
           <a:prstGeom prst="rect">
             <a:avLst/>
@@ -49409,7 +52464,7 @@
     </p:spTree>
     <p:extLst>
       <p:ext uri="{BB962C8B-B14F-4D97-AF65-F5344CB8AC3E}">
-        <p14:creationId xmlns:p14="http://schemas.microsoft.com/office/powerpoint/2010/main" val="4130023110"/>
+        <p14:creationId xmlns:p14="http://schemas.microsoft.com/office/powerpoint/2010/main" val="598930147"/>
       </p:ext>
     </p:extLst>
   </p:cSld>
@@ -52446,8 +55501,8 @@
         </p:blipFill>
         <p:spPr>
           <a:xfrm>
-            <a:off x="536761" y="268751"/>
-            <a:ext cx="8006400" cy="4071600"/>
+            <a:off x="512800" y="277829"/>
+            <a:ext cx="8054321" cy="4087843"/>
           </a:xfrm>
           <a:prstGeom prst="rect">
             <a:avLst/>
@@ -52457,7 +55512,7 @@
     </p:spTree>
     <p:extLst>
       <p:ext uri="{BB962C8B-B14F-4D97-AF65-F5344CB8AC3E}">
-        <p14:creationId xmlns:p14="http://schemas.microsoft.com/office/powerpoint/2010/main" val="197980233"/>
+        <p14:creationId xmlns:p14="http://schemas.microsoft.com/office/powerpoint/2010/main" val="4130023110"/>
       </p:ext>
     </p:extLst>
   </p:cSld>
@@ -55480,7 +58535,7 @@
       </p:grpSp>
       <p:pic>
         <p:nvPicPr>
-          <p:cNvPr id="3" name="Imagem 2"/>
+          <p:cNvPr id="2" name="Imagem 1"/>
           <p:cNvPicPr>
             <a:picLocks/>
           </p:cNvPicPr>
@@ -55494,7 +58549,7 @@
         </p:blipFill>
         <p:spPr>
           <a:xfrm>
-            <a:off x="536761" y="317918"/>
+            <a:off x="536761" y="268751"/>
             <a:ext cx="8006400" cy="4071600"/>
           </a:xfrm>
           <a:prstGeom prst="rect">
@@ -55505,7 +58560,7 @@
     </p:spTree>
     <p:extLst>
       <p:ext uri="{BB962C8B-B14F-4D97-AF65-F5344CB8AC3E}">
-        <p14:creationId xmlns:p14="http://schemas.microsoft.com/office/powerpoint/2010/main" val="535839666"/>
+        <p14:creationId xmlns:p14="http://schemas.microsoft.com/office/powerpoint/2010/main" val="197980233"/>
       </p:ext>
     </p:extLst>
   </p:cSld>
